--- a/Documentations/EI Presentation.pptx
+++ b/Documentations/EI Presentation.pptx
@@ -5,7 +5,7 @@
     <p:sldMasterId id="2147483672" r:id="rId1"/>
   </p:sldMasterIdLst>
   <p:notesMasterIdLst>
-    <p:notesMasterId r:id="rId20"/>
+    <p:notesMasterId r:id="rId22"/>
   </p:notesMasterIdLst>
   <p:sldIdLst>
     <p:sldId id="258" r:id="rId2"/>
@@ -23,9 +23,11 @@
     <p:sldId id="266" r:id="rId14"/>
     <p:sldId id="271" r:id="rId15"/>
     <p:sldId id="274" r:id="rId16"/>
-    <p:sldId id="276" r:id="rId17"/>
-    <p:sldId id="277" r:id="rId18"/>
-    <p:sldId id="261" r:id="rId19"/>
+    <p:sldId id="278" r:id="rId17"/>
+    <p:sldId id="279" r:id="rId18"/>
+    <p:sldId id="277" r:id="rId19"/>
+    <p:sldId id="276" r:id="rId20"/>
+    <p:sldId id="261" r:id="rId21"/>
   </p:sldIdLst>
   <p:sldSz cx="12192000" cy="6858000"/>
   <p:notesSz cx="6858000" cy="9144000"/>
@@ -132,14 +134,6 @@
 </p:presentation>
 </file>
 
-<file path=ppt/revisionInfo.xml><?xml version="1.0" encoding="utf-8"?>
-<p1510:revInfo xmlns:a="http://schemas.openxmlformats.org/drawingml/2006/main" xmlns:r="http://schemas.openxmlformats.org/officeDocument/2006/relationships" xmlns:p1510="http://schemas.microsoft.com/office/powerpoint/2015/10/main">
-  <p1510:revLst>
-    <p1510:client id="{3552CE5B-0803-49BD-A011-F4C75B92F40C}" v="413" dt="2018-03-20T15:10:17.127"/>
-  </p1510:revLst>
-</p1510:revInfo>
-</file>
-
 <file path=ppt/changesInfos/changesInfo1.xml><?xml version="1.0" encoding="utf-8"?>
 <pc:chgInfo xmlns:a="http://schemas.openxmlformats.org/drawingml/2006/main" xmlns:r="http://schemas.openxmlformats.org/officeDocument/2006/relationships" xmlns:ac="http://schemas.microsoft.com/office/drawing/2013/main/command" xmlns:pc="http://schemas.microsoft.com/office/powerpoint/2013/main/command">
   <pc:docChgLst>
@@ -150,7 +144,7 @@
         <pc:docMk/>
       </pc:docMkLst>
       <pc:sldChg chg="addSp delSp modSp add ord setBg">
-        <pc:chgData name=" " userId="f0093c6c-aad3-47c8-981f-e49faae5c851" providerId="ADAL" clId="{3552CE5B-0803-49BD-A011-F4C75B92F40C}" dt="2018-03-27T00:38:41.445" v="1344"/>
+        <pc:chgData name=" " userId="f0093c6c-aad3-47c8-981f-e49faae5c851" providerId="ADAL" clId="{3552CE5B-0803-49BD-A011-F4C75B92F40C}" dt="2018-03-27T00:38:41.445" v="1344" actId="20577"/>
         <pc:sldMkLst>
           <pc:docMk/>
           <pc:sldMk cId="2246420157" sldId="258"/>
@@ -180,7 +174,7 @@
           </ac:spMkLst>
         </pc:spChg>
         <pc:spChg chg="add mod">
-          <ac:chgData name=" " userId="f0093c6c-aad3-47c8-981f-e49faae5c851" providerId="ADAL" clId="{3552CE5B-0803-49BD-A011-F4C75B92F40C}" dt="2018-03-27T00:38:41.445" v="1344"/>
+          <ac:chgData name=" " userId="f0093c6c-aad3-47c8-981f-e49faae5c851" providerId="ADAL" clId="{3552CE5B-0803-49BD-A011-F4C75B92F40C}" dt="2018-03-27T00:38:41.445" v="1344" actId="20577"/>
           <ac:spMkLst>
             <pc:docMk/>
             <pc:sldMk cId="2246420157" sldId="258"/>
@@ -210,20 +204,20 @@
             <ac:spMk id="2" creationId="{88A8A327-822B-4D99-81ED-CB23238E4D54}"/>
           </ac:spMkLst>
         </pc:spChg>
+        <pc:spChg chg="add mod">
+          <ac:chgData name=" " userId="f0093c6c-aad3-47c8-981f-e49faae5c851" providerId="ADAL" clId="{3552CE5B-0803-49BD-A011-F4C75B92F40C}" dt="2018-03-30T07:10:28.569" v="1348" actId="1582"/>
+          <ac:spMkLst>
+            <pc:docMk/>
+            <pc:sldMk cId="3968445112" sldId="259"/>
+            <ac:spMk id="3" creationId="{C2DD31CA-0541-4E57-B038-7930A68BFE75}"/>
+          </ac:spMkLst>
+        </pc:spChg>
         <pc:spChg chg="mod">
           <ac:chgData name=" " userId="f0093c6c-aad3-47c8-981f-e49faae5c851" providerId="ADAL" clId="{3552CE5B-0803-49BD-A011-F4C75B92F40C}" dt="2018-03-21T12:39:36.092" v="1313" actId="403"/>
           <ac:spMkLst>
             <pc:docMk/>
             <pc:sldMk cId="3968445112" sldId="259"/>
             <ac:spMk id="3" creationId="{3A1AC5E1-BB10-48F6-8A6B-D015713626EE}"/>
-          </ac:spMkLst>
-        </pc:spChg>
-        <pc:spChg chg="add mod">
-          <ac:chgData name=" " userId="f0093c6c-aad3-47c8-981f-e49faae5c851" providerId="ADAL" clId="{3552CE5B-0803-49BD-A011-F4C75B92F40C}" dt="2018-03-30T07:10:28.569" v="1348" actId="1582"/>
-          <ac:spMkLst>
-            <pc:docMk/>
-            <pc:sldMk cId="3968445112" sldId="259"/>
-            <ac:spMk id="3" creationId="{C2DD31CA-0541-4E57-B038-7930A68BFE75}"/>
           </ac:spMkLst>
         </pc:spChg>
       </pc:sldChg>
@@ -234,7 +228,7 @@
           <pc:sldMk cId="1763506197" sldId="276"/>
         </pc:sldMkLst>
         <pc:spChg chg="del">
-          <ac:chgData name=" " userId="f0093c6c-aad3-47c8-981f-e49faae5c851" providerId="ADAL" clId="{3552CE5B-0803-49BD-A011-F4C75B92F40C}" dt="2018-03-30T07:13:26.668" v="1351"/>
+          <ac:chgData name=" " userId="f0093c6c-aad3-47c8-981f-e49faae5c851" providerId="ADAL" clId="{3552CE5B-0803-49BD-A011-F4C75B92F40C}" dt="2018-03-30T07:13:26.668" v="1351" actId="20577"/>
           <ac:spMkLst>
             <pc:docMk/>
             <pc:sldMk cId="1763506197" sldId="276"/>
@@ -242,7 +236,7 @@
           </ac:spMkLst>
         </pc:spChg>
         <pc:spChg chg="del">
-          <ac:chgData name=" " userId="f0093c6c-aad3-47c8-981f-e49faae5c851" providerId="ADAL" clId="{3552CE5B-0803-49BD-A011-F4C75B92F40C}" dt="2018-03-30T07:13:26.668" v="1351"/>
+          <ac:chgData name=" " userId="f0093c6c-aad3-47c8-981f-e49faae5c851" providerId="ADAL" clId="{3552CE5B-0803-49BD-A011-F4C75B92F40C}" dt="2018-03-30T07:13:26.668" v="1351" actId="20577"/>
           <ac:spMkLst>
             <pc:docMk/>
             <pc:sldMk cId="1763506197" sldId="276"/>
@@ -258,7 +252,7 @@
           </ac:spMkLst>
         </pc:spChg>
         <pc:spChg chg="add mod">
-          <ac:chgData name=" " userId="f0093c6c-aad3-47c8-981f-e49faae5c851" providerId="ADAL" clId="{3552CE5B-0803-49BD-A011-F4C75B92F40C}" dt="2018-03-30T07:13:26.668" v="1351"/>
+          <ac:chgData name=" " userId="f0093c6c-aad3-47c8-981f-e49faae5c851" providerId="ADAL" clId="{3552CE5B-0803-49BD-A011-F4C75B92F40C}" dt="2018-03-30T07:13:26.668" v="1351" actId="20577"/>
           <ac:spMkLst>
             <pc:docMk/>
             <pc:sldMk cId="1763506197" sldId="276"/>
@@ -376,6 +370,362 @@
           </pc:sldLayoutMkLst>
         </pc:sldLayoutChg>
       </pc:sldMasterChg>
+    </pc:docChg>
+  </pc:docChgLst>
+  <pc:docChgLst>
+    <pc:chgData name="Eugene CHOY Wen Jia" userId="f0093c6c-aad3-47c8-981f-e49faae5c851" providerId="ADAL" clId="{B65169D4-58A5-4377-916D-9049F8FD685F}"/>
+    <pc:docChg chg="undo custSel addSld modSld sldOrd">
+      <pc:chgData name="Eugene CHOY Wen Jia" userId="f0093c6c-aad3-47c8-981f-e49faae5c851" providerId="ADAL" clId="{B65169D4-58A5-4377-916D-9049F8FD685F}" dt="2018-03-30T10:49:47.921" v="385" actId="20577"/>
+      <pc:docMkLst>
+        <pc:docMk/>
+      </pc:docMkLst>
+      <pc:sldChg chg="modSp">
+        <pc:chgData name="Eugene CHOY Wen Jia" userId="f0093c6c-aad3-47c8-981f-e49faae5c851" providerId="ADAL" clId="{B65169D4-58A5-4377-916D-9049F8FD685F}" dt="2018-03-30T10:49:47.921" v="385" actId="20577"/>
+        <pc:sldMkLst>
+          <pc:docMk/>
+          <pc:sldMk cId="3129491093" sldId="261"/>
+        </pc:sldMkLst>
+        <pc:spChg chg="mod">
+          <ac:chgData name="Eugene CHOY Wen Jia" userId="f0093c6c-aad3-47c8-981f-e49faae5c851" providerId="ADAL" clId="{B65169D4-58A5-4377-916D-9049F8FD685F}" dt="2018-03-30T10:49:47.921" v="385" actId="20577"/>
+          <ac:spMkLst>
+            <pc:docMk/>
+            <pc:sldMk cId="3129491093" sldId="261"/>
+            <ac:spMk id="2" creationId="{88A8A327-822B-4D99-81ED-CB23238E4D54}"/>
+          </ac:spMkLst>
+        </pc:spChg>
+      </pc:sldChg>
+      <pc:sldChg chg="addSp delSp modSp">
+        <pc:chgData name="Eugene CHOY Wen Jia" userId="f0093c6c-aad3-47c8-981f-e49faae5c851" providerId="ADAL" clId="{B65169D4-58A5-4377-916D-9049F8FD685F}" dt="2018-03-30T10:32:02.066" v="362" actId="1076"/>
+        <pc:sldMkLst>
+          <pc:docMk/>
+          <pc:sldMk cId="1763506197" sldId="276"/>
+        </pc:sldMkLst>
+        <pc:spChg chg="add mod">
+          <ac:chgData name="Eugene CHOY Wen Jia" userId="f0093c6c-aad3-47c8-981f-e49faae5c851" providerId="ADAL" clId="{B65169D4-58A5-4377-916D-9049F8FD685F}" dt="2018-03-30T10:29:23.410" v="358" actId="1076"/>
+          <ac:spMkLst>
+            <pc:docMk/>
+            <pc:sldMk cId="1763506197" sldId="276"/>
+            <ac:spMk id="2" creationId="{92FEA579-8D88-40C4-834F-21E8DFFC029C}"/>
+          </ac:spMkLst>
+        </pc:spChg>
+        <pc:spChg chg="del mod">
+          <ac:chgData name="Eugene CHOY Wen Jia" userId="f0093c6c-aad3-47c8-981f-e49faae5c851" providerId="ADAL" clId="{B65169D4-58A5-4377-916D-9049F8FD685F}" dt="2018-03-30T10:23:58.037" v="177"/>
+          <ac:spMkLst>
+            <pc:docMk/>
+            <pc:sldMk cId="1763506197" sldId="276"/>
+            <ac:spMk id="5" creationId="{612B5993-4415-41FC-BB77-1979082721DC}"/>
+          </ac:spMkLst>
+        </pc:spChg>
+        <pc:spChg chg="add del mod">
+          <ac:chgData name="Eugene CHOY Wen Jia" userId="f0093c6c-aad3-47c8-981f-e49faae5c851" providerId="ADAL" clId="{B65169D4-58A5-4377-916D-9049F8FD685F}" dt="2018-03-30T10:27:56.292" v="193" actId="478"/>
+          <ac:spMkLst>
+            <pc:docMk/>
+            <pc:sldMk cId="1763506197" sldId="276"/>
+            <ac:spMk id="7" creationId="{DB4ACA99-0E4A-454D-84E1-33C38A961229}"/>
+          </ac:spMkLst>
+        </pc:spChg>
+        <pc:spChg chg="add mod">
+          <ac:chgData name="Eugene CHOY Wen Jia" userId="f0093c6c-aad3-47c8-981f-e49faae5c851" providerId="ADAL" clId="{B65169D4-58A5-4377-916D-9049F8FD685F}" dt="2018-03-30T10:29:23.410" v="358" actId="1076"/>
+          <ac:spMkLst>
+            <pc:docMk/>
+            <pc:sldMk cId="1763506197" sldId="276"/>
+            <ac:spMk id="9" creationId="{AA6DA0A2-BD2E-414B-9D82-E1A7CB0E0F71}"/>
+          </ac:spMkLst>
+        </pc:spChg>
+        <pc:spChg chg="add mod">
+          <ac:chgData name="Eugene CHOY Wen Jia" userId="f0093c6c-aad3-47c8-981f-e49faae5c851" providerId="ADAL" clId="{B65169D4-58A5-4377-916D-9049F8FD685F}" dt="2018-03-30T10:29:23.410" v="358" actId="1076"/>
+          <ac:spMkLst>
+            <pc:docMk/>
+            <pc:sldMk cId="1763506197" sldId="276"/>
+            <ac:spMk id="10" creationId="{BD91DEE8-58ED-4D41-AB72-2E59ACED9529}"/>
+          </ac:spMkLst>
+        </pc:spChg>
+        <pc:spChg chg="add mod">
+          <ac:chgData name="Eugene CHOY Wen Jia" userId="f0093c6c-aad3-47c8-981f-e49faae5c851" providerId="ADAL" clId="{B65169D4-58A5-4377-916D-9049F8FD685F}" dt="2018-03-30T10:29:23.410" v="358" actId="1076"/>
+          <ac:spMkLst>
+            <pc:docMk/>
+            <pc:sldMk cId="1763506197" sldId="276"/>
+            <ac:spMk id="11" creationId="{C9E731CC-F9DC-47AD-8498-10B6685FCF0F}"/>
+          </ac:spMkLst>
+        </pc:spChg>
+        <pc:picChg chg="add del mod">
+          <ac:chgData name="Eugene CHOY Wen Jia" userId="f0093c6c-aad3-47c8-981f-e49faae5c851" providerId="ADAL" clId="{B65169D4-58A5-4377-916D-9049F8FD685F}" dt="2018-03-30T10:27:36.356" v="186" actId="478"/>
+          <ac:picMkLst>
+            <pc:docMk/>
+            <pc:sldMk cId="1763506197" sldId="276"/>
+            <ac:picMk id="6" creationId="{ECB926F0-FA6C-4C5C-AEB3-BB48EBCF82E1}"/>
+          </ac:picMkLst>
+        </pc:picChg>
+        <pc:picChg chg="add mod ord">
+          <ac:chgData name="Eugene CHOY Wen Jia" userId="f0093c6c-aad3-47c8-981f-e49faae5c851" providerId="ADAL" clId="{B65169D4-58A5-4377-916D-9049F8FD685F}" dt="2018-03-30T10:29:23.410" v="358" actId="1076"/>
+          <ac:picMkLst>
+            <pc:docMk/>
+            <pc:sldMk cId="1763506197" sldId="276"/>
+            <ac:picMk id="8" creationId="{9D706A57-5873-46B6-AFEE-66A3B0213655}"/>
+          </ac:picMkLst>
+        </pc:picChg>
+        <pc:picChg chg="add mod">
+          <ac:chgData name="Eugene CHOY Wen Jia" userId="f0093c6c-aad3-47c8-981f-e49faae5c851" providerId="ADAL" clId="{B65169D4-58A5-4377-916D-9049F8FD685F}" dt="2018-03-30T10:32:02.066" v="362" actId="1076"/>
+          <ac:picMkLst>
+            <pc:docMk/>
+            <pc:sldMk cId="1763506197" sldId="276"/>
+            <ac:picMk id="12" creationId="{8321173F-7477-48E9-98C9-6AF6E0C18900}"/>
+          </ac:picMkLst>
+        </pc:picChg>
+      </pc:sldChg>
+      <pc:sldChg chg="addSp delSp modSp ord">
+        <pc:chgData name="Eugene CHOY Wen Jia" userId="f0093c6c-aad3-47c8-981f-e49faae5c851" providerId="ADAL" clId="{B65169D4-58A5-4377-916D-9049F8FD685F}" dt="2018-03-30T10:32:40.240" v="366" actId="1076"/>
+        <pc:sldMkLst>
+          <pc:docMk/>
+          <pc:sldMk cId="518247939" sldId="277"/>
+        </pc:sldMkLst>
+        <pc:spChg chg="del">
+          <ac:chgData name="Eugene CHOY Wen Jia" userId="f0093c6c-aad3-47c8-981f-e49faae5c851" providerId="ADAL" clId="{B65169D4-58A5-4377-916D-9049F8FD685F}" dt="2018-03-30T09:15:26.690" v="121" actId="478"/>
+          <ac:spMkLst>
+            <pc:docMk/>
+            <pc:sldMk cId="518247939" sldId="277"/>
+            <ac:spMk id="3" creationId="{4693C19A-DDF9-438D-A19B-4B14DD418721}"/>
+          </ac:spMkLst>
+        </pc:spChg>
+        <pc:spChg chg="add mod">
+          <ac:chgData name="Eugene CHOY Wen Jia" userId="f0093c6c-aad3-47c8-981f-e49faae5c851" providerId="ADAL" clId="{B65169D4-58A5-4377-916D-9049F8FD685F}" dt="2018-03-30T10:06:58.700" v="150" actId="208"/>
+          <ac:spMkLst>
+            <pc:docMk/>
+            <pc:sldMk cId="518247939" sldId="277"/>
+            <ac:spMk id="5" creationId="{688C200C-E783-43DC-8E9F-644944934EAF}"/>
+          </ac:spMkLst>
+        </pc:spChg>
+        <pc:spChg chg="add del">
+          <ac:chgData name="Eugene CHOY Wen Jia" userId="f0093c6c-aad3-47c8-981f-e49faae5c851" providerId="ADAL" clId="{B65169D4-58A5-4377-916D-9049F8FD685F}" dt="2018-03-30T10:05:53.168" v="137"/>
+          <ac:spMkLst>
+            <pc:docMk/>
+            <pc:sldMk cId="518247939" sldId="277"/>
+            <ac:spMk id="7" creationId="{0B1068C0-973E-4865-B179-4A5D7EE1F357}"/>
+          </ac:spMkLst>
+        </pc:spChg>
+        <pc:spChg chg="add mod">
+          <ac:chgData name="Eugene CHOY Wen Jia" userId="f0093c6c-aad3-47c8-981f-e49faae5c851" providerId="ADAL" clId="{B65169D4-58A5-4377-916D-9049F8FD685F}" dt="2018-03-30T10:06:58.700" v="150" actId="208"/>
+          <ac:spMkLst>
+            <pc:docMk/>
+            <pc:sldMk cId="518247939" sldId="277"/>
+            <ac:spMk id="8" creationId="{092F31A1-2CA8-469B-A6F0-B099C3D200F2}"/>
+          </ac:spMkLst>
+        </pc:spChg>
+        <pc:spChg chg="add mod">
+          <ac:chgData name="Eugene CHOY Wen Jia" userId="f0093c6c-aad3-47c8-981f-e49faae5c851" providerId="ADAL" clId="{B65169D4-58A5-4377-916D-9049F8FD685F}" dt="2018-03-30T10:07:53.442" v="175" actId="1076"/>
+          <ac:spMkLst>
+            <pc:docMk/>
+            <pc:sldMk cId="518247939" sldId="277"/>
+            <ac:spMk id="11" creationId="{8747C52C-D856-4D35-B65C-39137DBC57FC}"/>
+          </ac:spMkLst>
+        </pc:spChg>
+        <pc:spChg chg="add mod">
+          <ac:chgData name="Eugene CHOY Wen Jia" userId="f0093c6c-aad3-47c8-981f-e49faae5c851" providerId="ADAL" clId="{B65169D4-58A5-4377-916D-9049F8FD685F}" dt="2018-03-30T10:32:40.240" v="366" actId="1076"/>
+          <ac:spMkLst>
+            <pc:docMk/>
+            <pc:sldMk cId="518247939" sldId="277"/>
+            <ac:spMk id="12" creationId="{9BAD48DA-6D6F-4549-9A9F-A98C2C9FE73C}"/>
+          </ac:spMkLst>
+        </pc:spChg>
+        <pc:spChg chg="add mod">
+          <ac:chgData name="Eugene CHOY Wen Jia" userId="f0093c6c-aad3-47c8-981f-e49faae5c851" providerId="ADAL" clId="{B65169D4-58A5-4377-916D-9049F8FD685F}" dt="2018-03-30T10:32:32.971" v="365" actId="1076"/>
+          <ac:spMkLst>
+            <pc:docMk/>
+            <pc:sldMk cId="518247939" sldId="277"/>
+            <ac:spMk id="13" creationId="{2B48658C-50F3-4528-89FC-C2BB0AD6A630}"/>
+          </ac:spMkLst>
+        </pc:spChg>
+        <pc:picChg chg="add mod modCrop">
+          <ac:chgData name="Eugene CHOY Wen Jia" userId="f0093c6c-aad3-47c8-981f-e49faae5c851" providerId="ADAL" clId="{B65169D4-58A5-4377-916D-9049F8FD685F}" dt="2018-03-30T10:06:58.700" v="150" actId="208"/>
+          <ac:picMkLst>
+            <pc:docMk/>
+            <pc:sldMk cId="518247939" sldId="277"/>
+            <ac:picMk id="4" creationId="{0C25F157-AD76-4E14-8B68-DDF5966A4CC9}"/>
+          </ac:picMkLst>
+        </pc:picChg>
+        <pc:picChg chg="add mod">
+          <ac:chgData name="Eugene CHOY Wen Jia" userId="f0093c6c-aad3-47c8-981f-e49faae5c851" providerId="ADAL" clId="{B65169D4-58A5-4377-916D-9049F8FD685F}" dt="2018-03-30T10:02:33.451" v="133" actId="14100"/>
+          <ac:picMkLst>
+            <pc:docMk/>
+            <pc:sldMk cId="518247939" sldId="277"/>
+            <ac:picMk id="6" creationId="{E07969B6-E179-46E8-A084-CD28D721C64A}"/>
+          </ac:picMkLst>
+        </pc:picChg>
+        <pc:cxnChg chg="add mod">
+          <ac:chgData name="Eugene CHOY Wen Jia" userId="f0093c6c-aad3-47c8-981f-e49faae5c851" providerId="ADAL" clId="{B65169D4-58A5-4377-916D-9049F8FD685F}" dt="2018-03-30T10:07:10.445" v="151" actId="208"/>
+          <ac:cxnSpMkLst>
+            <pc:docMk/>
+            <pc:sldMk cId="518247939" sldId="277"/>
+            <ac:cxnSpMk id="10" creationId="{EE47AE5A-04DA-493A-9F4A-0F9B12606223}"/>
+          </ac:cxnSpMkLst>
+        </pc:cxnChg>
+      </pc:sldChg>
+      <pc:sldChg chg="addSp delSp modSp add ord">
+        <pc:chgData name="Eugene CHOY Wen Jia" userId="f0093c6c-aad3-47c8-981f-e49faae5c851" providerId="ADAL" clId="{B65169D4-58A5-4377-916D-9049F8FD685F}" dt="2018-03-30T09:10:14.083" v="68" actId="14100"/>
+        <pc:sldMkLst>
+          <pc:docMk/>
+          <pc:sldMk cId="2088767261" sldId="278"/>
+        </pc:sldMkLst>
+        <pc:spChg chg="mod">
+          <ac:chgData name="Eugene CHOY Wen Jia" userId="f0093c6c-aad3-47c8-981f-e49faae5c851" providerId="ADAL" clId="{B65169D4-58A5-4377-916D-9049F8FD685F}" dt="2018-03-30T09:05:14.311" v="8" actId="20577"/>
+          <ac:spMkLst>
+            <pc:docMk/>
+            <pc:sldMk cId="2088767261" sldId="278"/>
+            <ac:spMk id="2" creationId="{37FD307A-8AC0-4F40-A76C-38FD37BF20F8}"/>
+          </ac:spMkLst>
+        </pc:spChg>
+        <pc:spChg chg="del">
+          <ac:chgData name="Eugene CHOY Wen Jia" userId="f0093c6c-aad3-47c8-981f-e49faae5c851" providerId="ADAL" clId="{B65169D4-58A5-4377-916D-9049F8FD685F}" dt="2018-03-30T09:05:31.173" v="10" actId="478"/>
+          <ac:spMkLst>
+            <pc:docMk/>
+            <pc:sldMk cId="2088767261" sldId="278"/>
+            <ac:spMk id="3" creationId="{B0E596CC-AB04-4A2D-8C89-5BD27D6EB3DC}"/>
+          </ac:spMkLst>
+        </pc:spChg>
+        <pc:spChg chg="add mod">
+          <ac:chgData name="Eugene CHOY Wen Jia" userId="f0093c6c-aad3-47c8-981f-e49faae5c851" providerId="ADAL" clId="{B65169D4-58A5-4377-916D-9049F8FD685F}" dt="2018-03-30T09:08:25.407" v="46" actId="1076"/>
+          <ac:spMkLst>
+            <pc:docMk/>
+            <pc:sldMk cId="2088767261" sldId="278"/>
+            <ac:spMk id="5" creationId="{69F56EFE-EEA8-4B4D-972A-5BB8CBD33647}"/>
+          </ac:spMkLst>
+        </pc:spChg>
+        <pc:spChg chg="add mod">
+          <ac:chgData name="Eugene CHOY Wen Jia" userId="f0093c6c-aad3-47c8-981f-e49faae5c851" providerId="ADAL" clId="{B65169D4-58A5-4377-916D-9049F8FD685F}" dt="2018-03-30T09:10:06.704" v="67" actId="14100"/>
+          <ac:spMkLst>
+            <pc:docMk/>
+            <pc:sldMk cId="2088767261" sldId="278"/>
+            <ac:spMk id="6" creationId="{0B0FBA32-A551-4806-AB2D-D921D433BFD0}"/>
+          </ac:spMkLst>
+        </pc:spChg>
+        <pc:spChg chg="add mod">
+          <ac:chgData name="Eugene CHOY Wen Jia" userId="f0093c6c-aad3-47c8-981f-e49faae5c851" providerId="ADAL" clId="{B65169D4-58A5-4377-916D-9049F8FD685F}" dt="2018-03-30T09:10:14.083" v="68" actId="14100"/>
+          <ac:spMkLst>
+            <pc:docMk/>
+            <pc:sldMk cId="2088767261" sldId="278"/>
+            <ac:spMk id="8" creationId="{7FB6F554-892D-4400-8A2F-C40A04CA04FB}"/>
+          </ac:spMkLst>
+        </pc:spChg>
+        <pc:spChg chg="add mod">
+          <ac:chgData name="Eugene CHOY Wen Jia" userId="f0093c6c-aad3-47c8-981f-e49faae5c851" providerId="ADAL" clId="{B65169D4-58A5-4377-916D-9049F8FD685F}" dt="2018-03-30T09:09:57.877" v="66" actId="1076"/>
+          <ac:spMkLst>
+            <pc:docMk/>
+            <pc:sldMk cId="2088767261" sldId="278"/>
+            <ac:spMk id="9" creationId="{09987B6F-467F-4ECB-AE35-C3BD65DC41EB}"/>
+          </ac:spMkLst>
+        </pc:spChg>
+        <pc:picChg chg="add mod modCrop">
+          <ac:chgData name="Eugene CHOY Wen Jia" userId="f0093c6c-aad3-47c8-981f-e49faae5c851" providerId="ADAL" clId="{B65169D4-58A5-4377-916D-9049F8FD685F}" dt="2018-03-30T09:05:43.348" v="13" actId="732"/>
+          <ac:picMkLst>
+            <pc:docMk/>
+            <pc:sldMk cId="2088767261" sldId="278"/>
+            <ac:picMk id="4" creationId="{F6882C4E-75FC-4579-96FD-436239B98627}"/>
+          </ac:picMkLst>
+        </pc:picChg>
+        <pc:picChg chg="add mod modCrop">
+          <ac:chgData name="Eugene CHOY Wen Jia" userId="f0093c6c-aad3-47c8-981f-e49faae5c851" providerId="ADAL" clId="{B65169D4-58A5-4377-916D-9049F8FD685F}" dt="2018-03-30T09:08:36.461" v="47" actId="732"/>
+          <ac:picMkLst>
+            <pc:docMk/>
+            <pc:sldMk cId="2088767261" sldId="278"/>
+            <ac:picMk id="7" creationId="{EE15B64E-081E-4C23-B762-3EB354DE8CB8}"/>
+          </ac:picMkLst>
+        </pc:picChg>
+      </pc:sldChg>
+      <pc:sldChg chg="addSp delSp modSp add">
+        <pc:chgData name="Eugene CHOY Wen Jia" userId="f0093c6c-aad3-47c8-981f-e49faae5c851" providerId="ADAL" clId="{B65169D4-58A5-4377-916D-9049F8FD685F}" dt="2018-03-30T09:14:58.648" v="119" actId="1076"/>
+        <pc:sldMkLst>
+          <pc:docMk/>
+          <pc:sldMk cId="4267558421" sldId="279"/>
+        </pc:sldMkLst>
+        <pc:spChg chg="del">
+          <ac:chgData name="Eugene CHOY Wen Jia" userId="f0093c6c-aad3-47c8-981f-e49faae5c851" providerId="ADAL" clId="{B65169D4-58A5-4377-916D-9049F8FD685F}" dt="2018-03-30T09:11:57.501" v="72" actId="478"/>
+          <ac:spMkLst>
+            <pc:docMk/>
+            <pc:sldMk cId="4267558421" sldId="279"/>
+            <ac:spMk id="5" creationId="{69F56EFE-EEA8-4B4D-972A-5BB8CBD33647}"/>
+          </ac:spMkLst>
+        </pc:spChg>
+        <pc:spChg chg="del">
+          <ac:chgData name="Eugene CHOY Wen Jia" userId="f0093c6c-aad3-47c8-981f-e49faae5c851" providerId="ADAL" clId="{B65169D4-58A5-4377-916D-9049F8FD685F}" dt="2018-03-30T09:11:57.501" v="72" actId="478"/>
+          <ac:spMkLst>
+            <pc:docMk/>
+            <pc:sldMk cId="4267558421" sldId="279"/>
+            <ac:spMk id="6" creationId="{0B0FBA32-A551-4806-AB2D-D921D433BFD0}"/>
+          </ac:spMkLst>
+        </pc:spChg>
+        <pc:spChg chg="del">
+          <ac:chgData name="Eugene CHOY Wen Jia" userId="f0093c6c-aad3-47c8-981f-e49faae5c851" providerId="ADAL" clId="{B65169D4-58A5-4377-916D-9049F8FD685F}" dt="2018-03-30T09:13:58.738" v="97" actId="478"/>
+          <ac:spMkLst>
+            <pc:docMk/>
+            <pc:sldMk cId="4267558421" sldId="279"/>
+            <ac:spMk id="8" creationId="{7FB6F554-892D-4400-8A2F-C40A04CA04FB}"/>
+          </ac:spMkLst>
+        </pc:spChg>
+        <pc:spChg chg="mod">
+          <ac:chgData name="Eugene CHOY Wen Jia" userId="f0093c6c-aad3-47c8-981f-e49faae5c851" providerId="ADAL" clId="{B65169D4-58A5-4377-916D-9049F8FD685F}" dt="2018-03-30T09:12:26.876" v="89" actId="1076"/>
+          <ac:spMkLst>
+            <pc:docMk/>
+            <pc:sldMk cId="4267558421" sldId="279"/>
+            <ac:spMk id="9" creationId="{09987B6F-467F-4ECB-AE35-C3BD65DC41EB}"/>
+          </ac:spMkLst>
+        </pc:spChg>
+        <pc:spChg chg="add mod">
+          <ac:chgData name="Eugene CHOY Wen Jia" userId="f0093c6c-aad3-47c8-981f-e49faae5c851" providerId="ADAL" clId="{B65169D4-58A5-4377-916D-9049F8FD685F}" dt="2018-03-30T09:12:53.828" v="96" actId="14100"/>
+          <ac:spMkLst>
+            <pc:docMk/>
+            <pc:sldMk cId="4267558421" sldId="279"/>
+            <ac:spMk id="11" creationId="{4E158C6D-14E6-4678-8F20-291AE2B06ECB}"/>
+          </ac:spMkLst>
+        </pc:spChg>
+        <pc:spChg chg="add mod">
+          <ac:chgData name="Eugene CHOY Wen Jia" userId="f0093c6c-aad3-47c8-981f-e49faae5c851" providerId="ADAL" clId="{B65169D4-58A5-4377-916D-9049F8FD685F}" dt="2018-03-30T09:14:22.873" v="108" actId="20577"/>
+          <ac:spMkLst>
+            <pc:docMk/>
+            <pc:sldMk cId="4267558421" sldId="279"/>
+            <ac:spMk id="13" creationId="{195F7C3C-093E-45EB-909E-489CE6FFC402}"/>
+          </ac:spMkLst>
+        </pc:spChg>
+        <pc:spChg chg="add mod">
+          <ac:chgData name="Eugene CHOY Wen Jia" userId="f0093c6c-aad3-47c8-981f-e49faae5c851" providerId="ADAL" clId="{B65169D4-58A5-4377-916D-9049F8FD685F}" dt="2018-03-30T09:14:58.648" v="119" actId="1076"/>
+          <ac:spMkLst>
+            <pc:docMk/>
+            <pc:sldMk cId="4267558421" sldId="279"/>
+            <ac:spMk id="14" creationId="{6109AFCB-0F14-4A8D-A5EB-0AABBB587842}"/>
+          </ac:spMkLst>
+        </pc:spChg>
+        <pc:picChg chg="del">
+          <ac:chgData name="Eugene CHOY Wen Jia" userId="f0093c6c-aad3-47c8-981f-e49faae5c851" providerId="ADAL" clId="{B65169D4-58A5-4377-916D-9049F8FD685F}" dt="2018-03-30T09:11:57.501" v="72" actId="478"/>
+          <ac:picMkLst>
+            <pc:docMk/>
+            <pc:sldMk cId="4267558421" sldId="279"/>
+            <ac:picMk id="4" creationId="{F6882C4E-75FC-4579-96FD-436239B98627}"/>
+          </ac:picMkLst>
+        </pc:picChg>
+        <pc:picChg chg="add del">
+          <ac:chgData name="Eugene CHOY Wen Jia" userId="f0093c6c-aad3-47c8-981f-e49faae5c851" providerId="ADAL" clId="{B65169D4-58A5-4377-916D-9049F8FD685F}" dt="2018-03-30T09:12:06.917" v="75" actId="478"/>
+          <ac:picMkLst>
+            <pc:docMk/>
+            <pc:sldMk cId="4267558421" sldId="279"/>
+            <ac:picMk id="7" creationId="{EE15B64E-081E-4C23-B762-3EB354DE8CB8}"/>
+          </ac:picMkLst>
+        </pc:picChg>
+        <pc:picChg chg="add mod">
+          <ac:chgData name="Eugene CHOY Wen Jia" userId="f0093c6c-aad3-47c8-981f-e49faae5c851" providerId="ADAL" clId="{B65169D4-58A5-4377-916D-9049F8FD685F}" dt="2018-03-30T09:12:04.531" v="74" actId="1076"/>
+          <ac:picMkLst>
+            <pc:docMk/>
+            <pc:sldMk cId="4267558421" sldId="279"/>
+            <ac:picMk id="10" creationId="{AED48D7C-AFFA-4DD1-BB39-FBA01AF56AC3}"/>
+          </ac:picMkLst>
+        </pc:picChg>
+        <pc:picChg chg="add mod">
+          <ac:chgData name="Eugene CHOY Wen Jia" userId="f0093c6c-aad3-47c8-981f-e49faae5c851" providerId="ADAL" clId="{B65169D4-58A5-4377-916D-9049F8FD685F}" dt="2018-03-30T09:14:08.218" v="99" actId="1076"/>
+          <ac:picMkLst>
+            <pc:docMk/>
+            <pc:sldMk cId="4267558421" sldId="279"/>
+            <ac:picMk id="12" creationId="{9EB3F8CA-A722-4976-A15D-221B9C25224E}"/>
+          </ac:picMkLst>
+        </pc:picChg>
+      </pc:sldChg>
     </pc:docChg>
   </pc:docChgLst>
   <pc:docChgLst>
@@ -8633,10 +8983,10 @@
       </p:grpSpPr>
       <p:sp>
         <p:nvSpPr>
-          <p:cNvPr id="4" name="Title 3">
-            <a:extLst>
-              <a:ext uri="{FF2B5EF4-FFF2-40B4-BE49-F238E27FC236}">
-                <a16:creationId xmlns:a16="http://schemas.microsoft.com/office/drawing/2014/main" id="{5A4D4960-C44F-4557-A146-DE7FF1BC4551}"/>
+          <p:cNvPr id="2" name="Title 1">
+            <a:extLst>
+              <a:ext uri="{FF2B5EF4-FFF2-40B4-BE49-F238E27FC236}">
+                <a16:creationId xmlns:a16="http://schemas.microsoft.com/office/drawing/2014/main" id="{37FD307A-8AC0-4F40-A76C-38FD37BF20F8}"/>
               </a:ext>
             </a:extLst>
           </p:cNvPr>
@@ -8654,40 +9004,1873 @@
           <a:p>
             <a:r>
               <a:rPr lang="en-US" dirty="0"/>
-              <a:t>Content Routing</a:t>
+              <a:t>XML</a:t>
+            </a:r>
+          </a:p>
+        </p:txBody>
+      </p:sp>
+      <p:pic>
+        <p:nvPicPr>
+          <p:cNvPr id="4" name="Picture 3">
+            <a:extLst>
+              <a:ext uri="{FF2B5EF4-FFF2-40B4-BE49-F238E27FC236}">
+                <a16:creationId xmlns:a16="http://schemas.microsoft.com/office/drawing/2014/main" id="{F6882C4E-75FC-4579-96FD-436239B98627}"/>
+              </a:ext>
+            </a:extLst>
+          </p:cNvPr>
+          <p:cNvPicPr/>
+          <p:nvPr/>
+        </p:nvPicPr>
+        <p:blipFill rotWithShape="1">
+          <a:blip r:embed="rId2"/>
+          <a:srcRect r="13084"/>
+          <a:stretch/>
+        </p:blipFill>
+        <p:spPr>
+          <a:xfrm>
+            <a:off x="838200" y="1513588"/>
+            <a:ext cx="4226626" cy="2149950"/>
+          </a:xfrm>
+          <a:prstGeom prst="rect">
+            <a:avLst/>
+          </a:prstGeom>
+        </p:spPr>
+      </p:pic>
+      <p:sp>
+        <p:nvSpPr>
+          <p:cNvPr id="5" name="TextBox 4">
+            <a:extLst>
+              <a:ext uri="{FF2B5EF4-FFF2-40B4-BE49-F238E27FC236}">
+                <a16:creationId xmlns:a16="http://schemas.microsoft.com/office/drawing/2014/main" id="{69F56EFE-EEA8-4B4D-972A-5BB8CBD33647}"/>
+              </a:ext>
+            </a:extLst>
+          </p:cNvPr>
+          <p:cNvSpPr txBox="1"/>
+          <p:nvPr/>
+        </p:nvSpPr>
+        <p:spPr>
+          <a:xfrm>
+            <a:off x="1890902" y="3696195"/>
+            <a:ext cx="2121222" cy="369332"/>
+          </a:xfrm>
+          <a:prstGeom prst="rect">
+            <a:avLst/>
+          </a:prstGeom>
+          <a:noFill/>
+        </p:spPr>
+        <p:txBody>
+          <a:bodyPr wrap="none" rtlCol="0">
+            <a:spAutoFit/>
+          </a:bodyPr>
+          <a:lstStyle/>
+          <a:p>
+            <a:r>
+              <a:rPr lang="en-US" dirty="0"/>
+              <a:t>new_breakdown.xsd</a:t>
             </a:r>
           </a:p>
         </p:txBody>
       </p:sp>
       <p:sp>
         <p:nvSpPr>
-          <p:cNvPr id="5" name="Content Placeholder 4">
-            <a:extLst>
-              <a:ext uri="{FF2B5EF4-FFF2-40B4-BE49-F238E27FC236}">
-                <a16:creationId xmlns:a16="http://schemas.microsoft.com/office/drawing/2014/main" id="{612B5993-4415-41FC-BB77-1979082721DC}"/>
-              </a:ext>
-            </a:extLst>
-          </p:cNvPr>
-          <p:cNvSpPr>
-            <a:spLocks noGrp="1"/>
+          <p:cNvPr id="6" name="Text Box 2">
+            <a:extLst>
+              <a:ext uri="{FF2B5EF4-FFF2-40B4-BE49-F238E27FC236}">
+                <a16:creationId xmlns:a16="http://schemas.microsoft.com/office/drawing/2014/main" id="{0B0FBA32-A551-4806-AB2D-D921D433BFD0}"/>
+              </a:ext>
+            </a:extLst>
+          </p:cNvPr>
+          <p:cNvSpPr txBox="1">
+            <a:spLocks noChangeArrowheads="1"/>
           </p:cNvSpPr>
-          <p:nvPr>
-            <p:ph idx="1"/>
-          </p:nvPr>
+          <p:nvPr/>
         </p:nvSpPr>
-        <p:spPr/>
+        <p:spPr bwMode="auto">
+          <a:xfrm>
+            <a:off x="5360353" y="1690688"/>
+            <a:ext cx="4982528" cy="2007552"/>
+          </a:xfrm>
+          <a:prstGeom prst="rect">
+            <a:avLst/>
+          </a:prstGeom>
+          <a:solidFill>
+            <a:srgbClr val="FFFFFF"/>
+          </a:solidFill>
+          <a:ln w="9525">
+            <a:solidFill>
+              <a:srgbClr val="000000"/>
+            </a:solidFill>
+            <a:miter lim="800000"/>
+            <a:headEnd/>
+            <a:tailEnd/>
+          </a:ln>
+        </p:spPr>
         <p:txBody>
-          <a:bodyPr/>
+          <a:bodyPr rot="0" vert="horz" wrap="square" lIns="91440" tIns="45720" rIns="91440" bIns="45720" anchor="t" anchorCtr="0">
+            <a:noAutofit/>
+          </a:bodyPr>
           <a:lstStyle/>
           <a:p>
-            <a:endParaRPr lang="en-US" dirty="0"/>
+            <a:pPr marL="0" marR="0" algn="l">
+              <a:lnSpc>
+                <a:spcPct val="107000"/>
+              </a:lnSpc>
+              <a:spcBef>
+                <a:spcPts val="0"/>
+              </a:spcBef>
+              <a:spcAft>
+                <a:spcPts val="0"/>
+              </a:spcAft>
+            </a:pPr>
+            <a:r>
+              <a:rPr lang="en-US" sz="900">
+                <a:solidFill>
+                  <a:srgbClr val="FF0000"/>
+                </a:solidFill>
+                <a:effectLst/>
+                <a:latin typeface="Courier New" panose="02070309020205020404" pitchFamily="49" charset="0"/>
+                <a:ea typeface="Times New Roman" panose="02020603050405020304" pitchFamily="18" charset="0"/>
+                <a:cs typeface="Times New Roman" panose="02020603050405020304" pitchFamily="18" charset="0"/>
+              </a:rPr>
+              <a:t>&lt;?</a:t>
+            </a:r>
+            <a:r>
+              <a:rPr lang="en-US" sz="900">
+                <a:solidFill>
+                  <a:srgbClr val="0000FF"/>
+                </a:solidFill>
+                <a:effectLst/>
+                <a:latin typeface="Courier New" panose="02070309020205020404" pitchFamily="49" charset="0"/>
+                <a:ea typeface="Times New Roman" panose="02020603050405020304" pitchFamily="18" charset="0"/>
+                <a:cs typeface="Times New Roman" panose="02020603050405020304" pitchFamily="18" charset="0"/>
+              </a:rPr>
+              <a:t>xml</a:t>
+            </a:r>
+            <a:r>
+              <a:rPr lang="en-US" sz="900">
+                <a:solidFill>
+                  <a:srgbClr val="000000"/>
+                </a:solidFill>
+                <a:effectLst/>
+                <a:latin typeface="Courier New" panose="02070309020205020404" pitchFamily="49" charset="0"/>
+                <a:ea typeface="Times New Roman" panose="02020603050405020304" pitchFamily="18" charset="0"/>
+                <a:cs typeface="Times New Roman" panose="02020603050405020304" pitchFamily="18" charset="0"/>
+              </a:rPr>
+              <a:t> </a:t>
+            </a:r>
+            <a:r>
+              <a:rPr lang="en-US" sz="900">
+                <a:solidFill>
+                  <a:srgbClr val="FF0000"/>
+                </a:solidFill>
+                <a:effectLst/>
+                <a:latin typeface="Courier New" panose="02070309020205020404" pitchFamily="49" charset="0"/>
+                <a:ea typeface="Times New Roman" panose="02020603050405020304" pitchFamily="18" charset="0"/>
+                <a:cs typeface="Times New Roman" panose="02020603050405020304" pitchFamily="18" charset="0"/>
+              </a:rPr>
+              <a:t>version</a:t>
+            </a:r>
+            <a:r>
+              <a:rPr lang="en-US" sz="900">
+                <a:solidFill>
+                  <a:srgbClr val="000000"/>
+                </a:solidFill>
+                <a:effectLst/>
+                <a:latin typeface="Courier New" panose="02070309020205020404" pitchFamily="49" charset="0"/>
+                <a:ea typeface="Times New Roman" panose="02020603050405020304" pitchFamily="18" charset="0"/>
+                <a:cs typeface="Times New Roman" panose="02020603050405020304" pitchFamily="18" charset="0"/>
+              </a:rPr>
+              <a:t> = </a:t>
+            </a:r>
+            <a:r>
+              <a:rPr lang="en-US" sz="900" b="1">
+                <a:solidFill>
+                  <a:srgbClr val="8000FF"/>
+                </a:solidFill>
+                <a:effectLst/>
+                <a:latin typeface="Courier New" panose="02070309020205020404" pitchFamily="49" charset="0"/>
+                <a:ea typeface="Times New Roman" panose="02020603050405020304" pitchFamily="18" charset="0"/>
+                <a:cs typeface="Times New Roman" panose="02020603050405020304" pitchFamily="18" charset="0"/>
+              </a:rPr>
+              <a:t>"1.0"</a:t>
+            </a:r>
+            <a:r>
+              <a:rPr lang="en-US" sz="900">
+                <a:solidFill>
+                  <a:srgbClr val="000000"/>
+                </a:solidFill>
+                <a:effectLst/>
+                <a:latin typeface="Courier New" panose="02070309020205020404" pitchFamily="49" charset="0"/>
+                <a:ea typeface="Times New Roman" panose="02020603050405020304" pitchFamily="18" charset="0"/>
+                <a:cs typeface="Times New Roman" panose="02020603050405020304" pitchFamily="18" charset="0"/>
+              </a:rPr>
+              <a:t> </a:t>
+            </a:r>
+            <a:r>
+              <a:rPr lang="en-US" sz="900">
+                <a:solidFill>
+                  <a:srgbClr val="FF0000"/>
+                </a:solidFill>
+                <a:effectLst/>
+                <a:latin typeface="Courier New" panose="02070309020205020404" pitchFamily="49" charset="0"/>
+                <a:ea typeface="Times New Roman" panose="02020603050405020304" pitchFamily="18" charset="0"/>
+                <a:cs typeface="Times New Roman" panose="02020603050405020304" pitchFamily="18" charset="0"/>
+              </a:rPr>
+              <a:t>encoding</a:t>
+            </a:r>
+            <a:r>
+              <a:rPr lang="en-US" sz="900">
+                <a:solidFill>
+                  <a:srgbClr val="000000"/>
+                </a:solidFill>
+                <a:effectLst/>
+                <a:latin typeface="Courier New" panose="02070309020205020404" pitchFamily="49" charset="0"/>
+                <a:ea typeface="Times New Roman" panose="02020603050405020304" pitchFamily="18" charset="0"/>
+                <a:cs typeface="Times New Roman" panose="02020603050405020304" pitchFamily="18" charset="0"/>
+              </a:rPr>
+              <a:t> = </a:t>
+            </a:r>
+            <a:r>
+              <a:rPr lang="en-US" sz="900" b="1">
+                <a:solidFill>
+                  <a:srgbClr val="8000FF"/>
+                </a:solidFill>
+                <a:effectLst/>
+                <a:latin typeface="Courier New" panose="02070309020205020404" pitchFamily="49" charset="0"/>
+                <a:ea typeface="Times New Roman" panose="02020603050405020304" pitchFamily="18" charset="0"/>
+                <a:cs typeface="Times New Roman" panose="02020603050405020304" pitchFamily="18" charset="0"/>
+              </a:rPr>
+              <a:t>"UTF-8"</a:t>
+            </a:r>
+            <a:r>
+              <a:rPr lang="en-US" sz="900">
+                <a:solidFill>
+                  <a:srgbClr val="FF0000"/>
+                </a:solidFill>
+                <a:effectLst/>
+                <a:latin typeface="Courier New" panose="02070309020205020404" pitchFamily="49" charset="0"/>
+                <a:ea typeface="Times New Roman" panose="02020603050405020304" pitchFamily="18" charset="0"/>
+                <a:cs typeface="Times New Roman" panose="02020603050405020304" pitchFamily="18" charset="0"/>
+              </a:rPr>
+              <a:t>?&gt;</a:t>
+            </a:r>
+            <a:endParaRPr lang="en-US" sz="1000">
+              <a:effectLst/>
+              <a:latin typeface="Arial" panose="020B0604020202020204" pitchFamily="34" charset="0"/>
+              <a:ea typeface="Calibri" panose="020F0502020204030204" pitchFamily="34" charset="0"/>
+              <a:cs typeface="Times New Roman" panose="02020603050405020304" pitchFamily="18" charset="0"/>
+            </a:endParaRPr>
+          </a:p>
+          <a:p>
+            <a:pPr marL="0" marR="0" algn="l">
+              <a:lnSpc>
+                <a:spcPct val="107000"/>
+              </a:lnSpc>
+              <a:spcBef>
+                <a:spcPts val="0"/>
+              </a:spcBef>
+              <a:spcAft>
+                <a:spcPts val="0"/>
+              </a:spcAft>
+            </a:pPr>
+            <a:r>
+              <a:rPr lang="en-US" sz="900">
+                <a:solidFill>
+                  <a:srgbClr val="0000FF"/>
+                </a:solidFill>
+                <a:effectLst/>
+                <a:latin typeface="Courier New" panose="02070309020205020404" pitchFamily="49" charset="0"/>
+                <a:ea typeface="Times New Roman" panose="02020603050405020304" pitchFamily="18" charset="0"/>
+                <a:cs typeface="Times New Roman" panose="02020603050405020304" pitchFamily="18" charset="0"/>
+              </a:rPr>
+              <a:t>&lt;breakdown</a:t>
+            </a:r>
+            <a:r>
+              <a:rPr lang="en-US" sz="900">
+                <a:solidFill>
+                  <a:srgbClr val="000000"/>
+                </a:solidFill>
+                <a:effectLst/>
+                <a:latin typeface="Courier New" panose="02070309020205020404" pitchFamily="49" charset="0"/>
+                <a:ea typeface="Times New Roman" panose="02020603050405020304" pitchFamily="18" charset="0"/>
+                <a:cs typeface="Times New Roman" panose="02020603050405020304" pitchFamily="18" charset="0"/>
+              </a:rPr>
+              <a:t> </a:t>
+            </a:r>
+            <a:r>
+              <a:rPr lang="en-US" sz="900">
+                <a:solidFill>
+                  <a:srgbClr val="FF0000"/>
+                </a:solidFill>
+                <a:effectLst/>
+                <a:latin typeface="Courier New" panose="02070309020205020404" pitchFamily="49" charset="0"/>
+                <a:ea typeface="Times New Roman" panose="02020603050405020304" pitchFamily="18" charset="0"/>
+                <a:cs typeface="Times New Roman" panose="02020603050405020304" pitchFamily="18" charset="0"/>
+              </a:rPr>
+              <a:t>xmlns:xsi</a:t>
+            </a:r>
+            <a:r>
+              <a:rPr lang="en-US" sz="900">
+                <a:solidFill>
+                  <a:srgbClr val="000000"/>
+                </a:solidFill>
+                <a:effectLst/>
+                <a:latin typeface="Courier New" panose="02070309020205020404" pitchFamily="49" charset="0"/>
+                <a:ea typeface="Times New Roman" panose="02020603050405020304" pitchFamily="18" charset="0"/>
+                <a:cs typeface="Times New Roman" panose="02020603050405020304" pitchFamily="18" charset="0"/>
+              </a:rPr>
+              <a:t> = </a:t>
+            </a:r>
+            <a:r>
+              <a:rPr lang="en-US" sz="900" b="1">
+                <a:solidFill>
+                  <a:srgbClr val="8000FF"/>
+                </a:solidFill>
+                <a:effectLst/>
+                <a:latin typeface="Courier New" panose="02070309020205020404" pitchFamily="49" charset="0"/>
+                <a:ea typeface="Times New Roman" panose="02020603050405020304" pitchFamily="18" charset="0"/>
+                <a:cs typeface="Times New Roman" panose="02020603050405020304" pitchFamily="18" charset="0"/>
+              </a:rPr>
+              <a:t>"</a:t>
+            </a:r>
+            <a:r>
+              <a:rPr lang="en-US" sz="900" b="1" u="sng">
+                <a:solidFill>
+                  <a:srgbClr val="8000FF"/>
+                </a:solidFill>
+                <a:effectLst/>
+                <a:latin typeface="Courier New" panose="02070309020205020404" pitchFamily="49" charset="0"/>
+                <a:ea typeface="Times New Roman" panose="02020603050405020304" pitchFamily="18" charset="0"/>
+                <a:cs typeface="Times New Roman" panose="02020603050405020304" pitchFamily="18" charset="0"/>
+              </a:rPr>
+              <a:t>http://www.w3.org/2001/XMLSchema-instance</a:t>
+            </a:r>
+            <a:r>
+              <a:rPr lang="en-US" sz="900" b="1">
+                <a:solidFill>
+                  <a:srgbClr val="8000FF"/>
+                </a:solidFill>
+                <a:effectLst/>
+                <a:latin typeface="Courier New" panose="02070309020205020404" pitchFamily="49" charset="0"/>
+                <a:ea typeface="Times New Roman" panose="02020603050405020304" pitchFamily="18" charset="0"/>
+                <a:cs typeface="Times New Roman" panose="02020603050405020304" pitchFamily="18" charset="0"/>
+              </a:rPr>
+              <a:t>"</a:t>
+            </a:r>
+            <a:r>
+              <a:rPr lang="en-US" sz="900">
+                <a:solidFill>
+                  <a:srgbClr val="000000"/>
+                </a:solidFill>
+                <a:effectLst/>
+                <a:latin typeface="Courier New" panose="02070309020205020404" pitchFamily="49" charset="0"/>
+                <a:ea typeface="Times New Roman" panose="02020603050405020304" pitchFamily="18" charset="0"/>
+                <a:cs typeface="Times New Roman" panose="02020603050405020304" pitchFamily="18" charset="0"/>
+              </a:rPr>
+              <a:t> </a:t>
+            </a:r>
+            <a:r>
+              <a:rPr lang="en-US" sz="900">
+                <a:solidFill>
+                  <a:srgbClr val="FF0000"/>
+                </a:solidFill>
+                <a:effectLst/>
+                <a:latin typeface="Courier New" panose="02070309020205020404" pitchFamily="49" charset="0"/>
+                <a:ea typeface="Times New Roman" panose="02020603050405020304" pitchFamily="18" charset="0"/>
+                <a:cs typeface="Times New Roman" panose="02020603050405020304" pitchFamily="18" charset="0"/>
+              </a:rPr>
+              <a:t>xsi:noNamespaceSchemaLocation</a:t>
+            </a:r>
+            <a:r>
+              <a:rPr lang="en-US" sz="900">
+                <a:solidFill>
+                  <a:srgbClr val="000000"/>
+                </a:solidFill>
+                <a:effectLst/>
+                <a:latin typeface="Courier New" panose="02070309020205020404" pitchFamily="49" charset="0"/>
+                <a:ea typeface="Times New Roman" panose="02020603050405020304" pitchFamily="18" charset="0"/>
+                <a:cs typeface="Times New Roman" panose="02020603050405020304" pitchFamily="18" charset="0"/>
+              </a:rPr>
+              <a:t> = </a:t>
+            </a:r>
+            <a:r>
+              <a:rPr lang="en-US" sz="900" b="1">
+                <a:solidFill>
+                  <a:srgbClr val="8000FF"/>
+                </a:solidFill>
+                <a:effectLst/>
+                <a:latin typeface="Courier New" panose="02070309020205020404" pitchFamily="49" charset="0"/>
+                <a:ea typeface="Times New Roman" panose="02020603050405020304" pitchFamily="18" charset="0"/>
+                <a:cs typeface="Times New Roman" panose="02020603050405020304" pitchFamily="18" charset="0"/>
+              </a:rPr>
+              <a:t>"..\\new_breakdown.xsd"</a:t>
+            </a:r>
+            <a:r>
+              <a:rPr lang="en-US" sz="900">
+                <a:solidFill>
+                  <a:srgbClr val="0000FF"/>
+                </a:solidFill>
+                <a:effectLst/>
+                <a:latin typeface="Courier New" panose="02070309020205020404" pitchFamily="49" charset="0"/>
+                <a:ea typeface="Times New Roman" panose="02020603050405020304" pitchFamily="18" charset="0"/>
+                <a:cs typeface="Times New Roman" panose="02020603050405020304" pitchFamily="18" charset="0"/>
+              </a:rPr>
+              <a:t>&gt;</a:t>
+            </a:r>
+            <a:endParaRPr lang="en-US" sz="1000">
+              <a:effectLst/>
+              <a:latin typeface="Arial" panose="020B0604020202020204" pitchFamily="34" charset="0"/>
+              <a:ea typeface="Calibri" panose="020F0502020204030204" pitchFamily="34" charset="0"/>
+              <a:cs typeface="Times New Roman" panose="02020603050405020304" pitchFamily="18" charset="0"/>
+            </a:endParaRPr>
+          </a:p>
+          <a:p>
+            <a:pPr marL="0" marR="0" algn="l">
+              <a:lnSpc>
+                <a:spcPct val="107000"/>
+              </a:lnSpc>
+              <a:spcBef>
+                <a:spcPts val="0"/>
+              </a:spcBef>
+              <a:spcAft>
+                <a:spcPts val="0"/>
+              </a:spcAft>
+            </a:pPr>
+            <a:r>
+              <a:rPr lang="en-US" sz="900" b="1">
+                <a:solidFill>
+                  <a:srgbClr val="000000"/>
+                </a:solidFill>
+                <a:effectLst/>
+                <a:latin typeface="Courier New" panose="02070309020205020404" pitchFamily="49" charset="0"/>
+                <a:ea typeface="Times New Roman" panose="02020603050405020304" pitchFamily="18" charset="0"/>
+                <a:cs typeface="Times New Roman" panose="02020603050405020304" pitchFamily="18" charset="0"/>
+              </a:rPr>
+              <a:t>    </a:t>
+            </a:r>
+            <a:r>
+              <a:rPr lang="en-US" sz="900">
+                <a:solidFill>
+                  <a:srgbClr val="0000FF"/>
+                </a:solidFill>
+                <a:effectLst/>
+                <a:latin typeface="Courier New" panose="02070309020205020404" pitchFamily="49" charset="0"/>
+                <a:ea typeface="Times New Roman" panose="02020603050405020304" pitchFamily="18" charset="0"/>
+                <a:cs typeface="Times New Roman" panose="02020603050405020304" pitchFamily="18" charset="0"/>
+              </a:rPr>
+              <a:t>&lt;train_id&gt;</a:t>
+            </a:r>
+            <a:r>
+              <a:rPr lang="en-US" sz="900" b="1">
+                <a:solidFill>
+                  <a:srgbClr val="000000"/>
+                </a:solidFill>
+                <a:effectLst/>
+                <a:latin typeface="Courier New" panose="02070309020205020404" pitchFamily="49" charset="0"/>
+                <a:ea typeface="Times New Roman" panose="02020603050405020304" pitchFamily="18" charset="0"/>
+                <a:cs typeface="Times New Roman" panose="02020603050405020304" pitchFamily="18" charset="0"/>
+              </a:rPr>
+              <a:t>3</a:t>
+            </a:r>
+            <a:r>
+              <a:rPr lang="en-US" sz="900">
+                <a:solidFill>
+                  <a:srgbClr val="0000FF"/>
+                </a:solidFill>
+                <a:effectLst/>
+                <a:latin typeface="Courier New" panose="02070309020205020404" pitchFamily="49" charset="0"/>
+                <a:ea typeface="Times New Roman" panose="02020603050405020304" pitchFamily="18" charset="0"/>
+                <a:cs typeface="Times New Roman" panose="02020603050405020304" pitchFamily="18" charset="0"/>
+              </a:rPr>
+              <a:t>&lt;/train_id&gt;</a:t>
+            </a:r>
+            <a:endParaRPr lang="en-US" sz="1000">
+              <a:effectLst/>
+              <a:latin typeface="Arial" panose="020B0604020202020204" pitchFamily="34" charset="0"/>
+              <a:ea typeface="Calibri" panose="020F0502020204030204" pitchFamily="34" charset="0"/>
+              <a:cs typeface="Times New Roman" panose="02020603050405020304" pitchFamily="18" charset="0"/>
+            </a:endParaRPr>
+          </a:p>
+          <a:p>
+            <a:pPr marL="0" marR="0" algn="l">
+              <a:lnSpc>
+                <a:spcPct val="107000"/>
+              </a:lnSpc>
+              <a:spcBef>
+                <a:spcPts val="0"/>
+              </a:spcBef>
+              <a:spcAft>
+                <a:spcPts val="0"/>
+              </a:spcAft>
+            </a:pPr>
+            <a:r>
+              <a:rPr lang="en-US" sz="900" b="1">
+                <a:solidFill>
+                  <a:srgbClr val="000000"/>
+                </a:solidFill>
+                <a:effectLst/>
+                <a:latin typeface="Courier New" panose="02070309020205020404" pitchFamily="49" charset="0"/>
+                <a:ea typeface="Times New Roman" panose="02020603050405020304" pitchFamily="18" charset="0"/>
+                <a:cs typeface="Times New Roman" panose="02020603050405020304" pitchFamily="18" charset="0"/>
+              </a:rPr>
+              <a:t>    </a:t>
+            </a:r>
+            <a:r>
+              <a:rPr lang="en-US" sz="900">
+                <a:solidFill>
+                  <a:srgbClr val="0000FF"/>
+                </a:solidFill>
+                <a:effectLst/>
+                <a:latin typeface="Courier New" panose="02070309020205020404" pitchFamily="49" charset="0"/>
+                <a:ea typeface="Times New Roman" panose="02020603050405020304" pitchFamily="18" charset="0"/>
+                <a:cs typeface="Times New Roman" panose="02020603050405020304" pitchFamily="18" charset="0"/>
+              </a:rPr>
+              <a:t>&lt;line&gt;</a:t>
+            </a:r>
+            <a:r>
+              <a:rPr lang="en-US" sz="900" b="1">
+                <a:solidFill>
+                  <a:srgbClr val="000000"/>
+                </a:solidFill>
+                <a:effectLst/>
+                <a:latin typeface="Courier New" panose="02070309020205020404" pitchFamily="49" charset="0"/>
+                <a:ea typeface="Times New Roman" panose="02020603050405020304" pitchFamily="18" charset="0"/>
+                <a:cs typeface="Times New Roman" panose="02020603050405020304" pitchFamily="18" charset="0"/>
+              </a:rPr>
+              <a:t>ew</a:t>
+            </a:r>
+            <a:r>
+              <a:rPr lang="en-US" sz="900">
+                <a:solidFill>
+                  <a:srgbClr val="0000FF"/>
+                </a:solidFill>
+                <a:effectLst/>
+                <a:latin typeface="Courier New" panose="02070309020205020404" pitchFamily="49" charset="0"/>
+                <a:ea typeface="Times New Roman" panose="02020603050405020304" pitchFamily="18" charset="0"/>
+                <a:cs typeface="Times New Roman" panose="02020603050405020304" pitchFamily="18" charset="0"/>
+              </a:rPr>
+              <a:t>&lt;/line&gt;</a:t>
+            </a:r>
+            <a:endParaRPr lang="en-US" sz="1000">
+              <a:effectLst/>
+              <a:latin typeface="Arial" panose="020B0604020202020204" pitchFamily="34" charset="0"/>
+              <a:ea typeface="Calibri" panose="020F0502020204030204" pitchFamily="34" charset="0"/>
+              <a:cs typeface="Times New Roman" panose="02020603050405020304" pitchFamily="18" charset="0"/>
+            </a:endParaRPr>
+          </a:p>
+          <a:p>
+            <a:pPr marL="0" marR="0" algn="l">
+              <a:lnSpc>
+                <a:spcPct val="107000"/>
+              </a:lnSpc>
+              <a:spcBef>
+                <a:spcPts val="0"/>
+              </a:spcBef>
+              <a:spcAft>
+                <a:spcPts val="0"/>
+              </a:spcAft>
+            </a:pPr>
+            <a:r>
+              <a:rPr lang="en-US" sz="900" b="1">
+                <a:solidFill>
+                  <a:srgbClr val="000000"/>
+                </a:solidFill>
+                <a:effectLst/>
+                <a:latin typeface="Courier New" panose="02070309020205020404" pitchFamily="49" charset="0"/>
+                <a:ea typeface="Times New Roman" panose="02020603050405020304" pitchFamily="18" charset="0"/>
+                <a:cs typeface="Times New Roman" panose="02020603050405020304" pitchFamily="18" charset="0"/>
+              </a:rPr>
+              <a:t>    </a:t>
+            </a:r>
+            <a:r>
+              <a:rPr lang="en-US" sz="900">
+                <a:solidFill>
+                  <a:srgbClr val="0000FF"/>
+                </a:solidFill>
+                <a:effectLst/>
+                <a:latin typeface="Courier New" panose="02070309020205020404" pitchFamily="49" charset="0"/>
+                <a:ea typeface="Times New Roman" panose="02020603050405020304" pitchFamily="18" charset="0"/>
+                <a:cs typeface="Times New Roman" panose="02020603050405020304" pitchFamily="18" charset="0"/>
+              </a:rPr>
+              <a:t>&lt;faultType&gt;</a:t>
+            </a:r>
+            <a:r>
+              <a:rPr lang="en-US" sz="900" b="1">
+                <a:solidFill>
+                  <a:srgbClr val="000000"/>
+                </a:solidFill>
+                <a:effectLst/>
+                <a:latin typeface="Courier New" panose="02070309020205020404" pitchFamily="49" charset="0"/>
+                <a:ea typeface="Times New Roman" panose="02020603050405020304" pitchFamily="18" charset="0"/>
+                <a:cs typeface="Times New Roman" panose="02020603050405020304" pitchFamily="18" charset="0"/>
+              </a:rPr>
+              <a:t>Train Fault</a:t>
+            </a:r>
+            <a:r>
+              <a:rPr lang="en-US" sz="900">
+                <a:solidFill>
+                  <a:srgbClr val="0000FF"/>
+                </a:solidFill>
+                <a:effectLst/>
+                <a:latin typeface="Courier New" panose="02070309020205020404" pitchFamily="49" charset="0"/>
+                <a:ea typeface="Times New Roman" panose="02020603050405020304" pitchFamily="18" charset="0"/>
+                <a:cs typeface="Times New Roman" panose="02020603050405020304" pitchFamily="18" charset="0"/>
+              </a:rPr>
+              <a:t>&lt;/faultType&gt;</a:t>
+            </a:r>
+            <a:endParaRPr lang="en-US" sz="1000">
+              <a:effectLst/>
+              <a:latin typeface="Arial" panose="020B0604020202020204" pitchFamily="34" charset="0"/>
+              <a:ea typeface="Calibri" panose="020F0502020204030204" pitchFamily="34" charset="0"/>
+              <a:cs typeface="Times New Roman" panose="02020603050405020304" pitchFamily="18" charset="0"/>
+            </a:endParaRPr>
+          </a:p>
+          <a:p>
+            <a:pPr marL="0" marR="0" algn="l">
+              <a:lnSpc>
+                <a:spcPct val="107000"/>
+              </a:lnSpc>
+              <a:spcBef>
+                <a:spcPts val="0"/>
+              </a:spcBef>
+              <a:spcAft>
+                <a:spcPts val="0"/>
+              </a:spcAft>
+            </a:pPr>
+            <a:r>
+              <a:rPr lang="en-US" sz="900" b="1">
+                <a:solidFill>
+                  <a:srgbClr val="000000"/>
+                </a:solidFill>
+                <a:effectLst/>
+                <a:latin typeface="Courier New" panose="02070309020205020404" pitchFamily="49" charset="0"/>
+                <a:ea typeface="Times New Roman" panose="02020603050405020304" pitchFamily="18" charset="0"/>
+                <a:cs typeface="Times New Roman" panose="02020603050405020304" pitchFamily="18" charset="0"/>
+              </a:rPr>
+              <a:t>    </a:t>
+            </a:r>
+            <a:r>
+              <a:rPr lang="en-US" sz="900">
+                <a:solidFill>
+                  <a:srgbClr val="0000FF"/>
+                </a:solidFill>
+                <a:effectLst/>
+                <a:latin typeface="Courier New" panose="02070309020205020404" pitchFamily="49" charset="0"/>
+                <a:ea typeface="Times New Roman" panose="02020603050405020304" pitchFamily="18" charset="0"/>
+                <a:cs typeface="Times New Roman" panose="02020603050405020304" pitchFamily="18" charset="0"/>
+              </a:rPr>
+              <a:t>&lt;timestamp&gt;</a:t>
+            </a:r>
+            <a:r>
+              <a:rPr lang="en-US" sz="900" b="1">
+                <a:solidFill>
+                  <a:srgbClr val="000000"/>
+                </a:solidFill>
+                <a:effectLst/>
+                <a:latin typeface="Courier New" panose="02070309020205020404" pitchFamily="49" charset="0"/>
+                <a:ea typeface="Times New Roman" panose="02020603050405020304" pitchFamily="18" charset="0"/>
+                <a:cs typeface="Times New Roman" panose="02020603050405020304" pitchFamily="18" charset="0"/>
+              </a:rPr>
+              <a:t>2018-02-20T09:00:00</a:t>
+            </a:r>
+            <a:r>
+              <a:rPr lang="en-US" sz="900">
+                <a:solidFill>
+                  <a:srgbClr val="0000FF"/>
+                </a:solidFill>
+                <a:effectLst/>
+                <a:latin typeface="Courier New" panose="02070309020205020404" pitchFamily="49" charset="0"/>
+                <a:ea typeface="Times New Roman" panose="02020603050405020304" pitchFamily="18" charset="0"/>
+                <a:cs typeface="Times New Roman" panose="02020603050405020304" pitchFamily="18" charset="0"/>
+              </a:rPr>
+              <a:t>&lt;/timestamp&gt;</a:t>
+            </a:r>
+            <a:endParaRPr lang="en-US" sz="1000">
+              <a:effectLst/>
+              <a:latin typeface="Arial" panose="020B0604020202020204" pitchFamily="34" charset="0"/>
+              <a:ea typeface="Calibri" panose="020F0502020204030204" pitchFamily="34" charset="0"/>
+              <a:cs typeface="Times New Roman" panose="02020603050405020304" pitchFamily="18" charset="0"/>
+            </a:endParaRPr>
+          </a:p>
+          <a:p>
+            <a:pPr marL="0" marR="0" algn="l">
+              <a:lnSpc>
+                <a:spcPct val="107000"/>
+              </a:lnSpc>
+              <a:spcBef>
+                <a:spcPts val="0"/>
+              </a:spcBef>
+              <a:spcAft>
+                <a:spcPts val="0"/>
+              </a:spcAft>
+            </a:pPr>
+            <a:r>
+              <a:rPr lang="en-US" sz="900" b="1">
+                <a:solidFill>
+                  <a:srgbClr val="000000"/>
+                </a:solidFill>
+                <a:effectLst/>
+                <a:latin typeface="Courier New" panose="02070309020205020404" pitchFamily="49" charset="0"/>
+                <a:ea typeface="Times New Roman" panose="02020603050405020304" pitchFamily="18" charset="0"/>
+                <a:cs typeface="Times New Roman" panose="02020603050405020304" pitchFamily="18" charset="0"/>
+              </a:rPr>
+              <a:t>    </a:t>
+            </a:r>
+            <a:r>
+              <a:rPr lang="en-US" sz="900">
+                <a:solidFill>
+                  <a:srgbClr val="0000FF"/>
+                </a:solidFill>
+                <a:effectLst/>
+                <a:latin typeface="Courier New" panose="02070309020205020404" pitchFamily="49" charset="0"/>
+                <a:ea typeface="Times New Roman" panose="02020603050405020304" pitchFamily="18" charset="0"/>
+                <a:cs typeface="Times New Roman" panose="02020603050405020304" pitchFamily="18" charset="0"/>
+              </a:rPr>
+              <a:t>&lt;coordinates&gt;</a:t>
+            </a:r>
+            <a:endParaRPr lang="en-US" sz="1000">
+              <a:effectLst/>
+              <a:latin typeface="Arial" panose="020B0604020202020204" pitchFamily="34" charset="0"/>
+              <a:ea typeface="Calibri" panose="020F0502020204030204" pitchFamily="34" charset="0"/>
+              <a:cs typeface="Times New Roman" panose="02020603050405020304" pitchFamily="18" charset="0"/>
+            </a:endParaRPr>
+          </a:p>
+          <a:p>
+            <a:pPr marL="0" marR="0" algn="l">
+              <a:lnSpc>
+                <a:spcPct val="107000"/>
+              </a:lnSpc>
+              <a:spcBef>
+                <a:spcPts val="0"/>
+              </a:spcBef>
+              <a:spcAft>
+                <a:spcPts val="0"/>
+              </a:spcAft>
+            </a:pPr>
+            <a:r>
+              <a:rPr lang="en-US" sz="900" b="1">
+                <a:solidFill>
+                  <a:srgbClr val="000000"/>
+                </a:solidFill>
+                <a:effectLst/>
+                <a:latin typeface="Courier New" panose="02070309020205020404" pitchFamily="49" charset="0"/>
+                <a:ea typeface="Times New Roman" panose="02020603050405020304" pitchFamily="18" charset="0"/>
+                <a:cs typeface="Times New Roman" panose="02020603050405020304" pitchFamily="18" charset="0"/>
+              </a:rPr>
+              <a:t>        </a:t>
+            </a:r>
+            <a:r>
+              <a:rPr lang="en-US" sz="900">
+                <a:solidFill>
+                  <a:srgbClr val="0000FF"/>
+                </a:solidFill>
+                <a:effectLst/>
+                <a:latin typeface="Courier New" panose="02070309020205020404" pitchFamily="49" charset="0"/>
+                <a:ea typeface="Times New Roman" panose="02020603050405020304" pitchFamily="18" charset="0"/>
+                <a:cs typeface="Times New Roman" panose="02020603050405020304" pitchFamily="18" charset="0"/>
+              </a:rPr>
+              <a:t>&lt;lat&gt;</a:t>
+            </a:r>
+            <a:r>
+              <a:rPr lang="en-US" sz="900" b="1">
+                <a:solidFill>
+                  <a:srgbClr val="000000"/>
+                </a:solidFill>
+                <a:effectLst/>
+                <a:latin typeface="Courier New" panose="02070309020205020404" pitchFamily="49" charset="0"/>
+                <a:ea typeface="Times New Roman" panose="02020603050405020304" pitchFamily="18" charset="0"/>
+                <a:cs typeface="Times New Roman" panose="02020603050405020304" pitchFamily="18" charset="0"/>
+              </a:rPr>
+              <a:t>1.3272383</a:t>
+            </a:r>
+            <a:r>
+              <a:rPr lang="en-US" sz="900">
+                <a:solidFill>
+                  <a:srgbClr val="0000FF"/>
+                </a:solidFill>
+                <a:effectLst/>
+                <a:latin typeface="Courier New" panose="02070309020205020404" pitchFamily="49" charset="0"/>
+                <a:ea typeface="Times New Roman" panose="02020603050405020304" pitchFamily="18" charset="0"/>
+                <a:cs typeface="Times New Roman" panose="02020603050405020304" pitchFamily="18" charset="0"/>
+              </a:rPr>
+              <a:t>&lt;/lat&gt;</a:t>
+            </a:r>
+            <a:endParaRPr lang="en-US" sz="1000">
+              <a:effectLst/>
+              <a:latin typeface="Arial" panose="020B0604020202020204" pitchFamily="34" charset="0"/>
+              <a:ea typeface="Calibri" panose="020F0502020204030204" pitchFamily="34" charset="0"/>
+              <a:cs typeface="Times New Roman" panose="02020603050405020304" pitchFamily="18" charset="0"/>
+            </a:endParaRPr>
+          </a:p>
+          <a:p>
+            <a:pPr marL="0" marR="0" algn="l">
+              <a:lnSpc>
+                <a:spcPct val="107000"/>
+              </a:lnSpc>
+              <a:spcBef>
+                <a:spcPts val="0"/>
+              </a:spcBef>
+              <a:spcAft>
+                <a:spcPts val="0"/>
+              </a:spcAft>
+            </a:pPr>
+            <a:r>
+              <a:rPr lang="en-US" sz="900" b="1">
+                <a:solidFill>
+                  <a:srgbClr val="000000"/>
+                </a:solidFill>
+                <a:effectLst/>
+                <a:latin typeface="Courier New" panose="02070309020205020404" pitchFamily="49" charset="0"/>
+                <a:ea typeface="Times New Roman" panose="02020603050405020304" pitchFamily="18" charset="0"/>
+                <a:cs typeface="Times New Roman" panose="02020603050405020304" pitchFamily="18" charset="0"/>
+              </a:rPr>
+              <a:t>        </a:t>
+            </a:r>
+            <a:r>
+              <a:rPr lang="en-US" sz="900">
+                <a:solidFill>
+                  <a:srgbClr val="0000FF"/>
+                </a:solidFill>
+                <a:effectLst/>
+                <a:latin typeface="Courier New" panose="02070309020205020404" pitchFamily="49" charset="0"/>
+                <a:ea typeface="Times New Roman" panose="02020603050405020304" pitchFamily="18" charset="0"/>
+                <a:cs typeface="Times New Roman" panose="02020603050405020304" pitchFamily="18" charset="0"/>
+              </a:rPr>
+              <a:t>&lt;long&gt;</a:t>
+            </a:r>
+            <a:r>
+              <a:rPr lang="en-US" sz="900" b="1">
+                <a:solidFill>
+                  <a:srgbClr val="000000"/>
+                </a:solidFill>
+                <a:effectLst/>
+                <a:latin typeface="Courier New" panose="02070309020205020404" pitchFamily="49" charset="0"/>
+                <a:ea typeface="Times New Roman" panose="02020603050405020304" pitchFamily="18" charset="0"/>
+                <a:cs typeface="Times New Roman" panose="02020603050405020304" pitchFamily="18" charset="0"/>
+              </a:rPr>
+              <a:t>103.9443528</a:t>
+            </a:r>
+            <a:r>
+              <a:rPr lang="en-US" sz="900">
+                <a:solidFill>
+                  <a:srgbClr val="0000FF"/>
+                </a:solidFill>
+                <a:effectLst/>
+                <a:latin typeface="Courier New" panose="02070309020205020404" pitchFamily="49" charset="0"/>
+                <a:ea typeface="Times New Roman" panose="02020603050405020304" pitchFamily="18" charset="0"/>
+                <a:cs typeface="Times New Roman" panose="02020603050405020304" pitchFamily="18" charset="0"/>
+              </a:rPr>
+              <a:t>&lt;/long&gt;</a:t>
+            </a:r>
+            <a:endParaRPr lang="en-US" sz="1000">
+              <a:effectLst/>
+              <a:latin typeface="Arial" panose="020B0604020202020204" pitchFamily="34" charset="0"/>
+              <a:ea typeface="Calibri" panose="020F0502020204030204" pitchFamily="34" charset="0"/>
+              <a:cs typeface="Times New Roman" panose="02020603050405020304" pitchFamily="18" charset="0"/>
+            </a:endParaRPr>
+          </a:p>
+          <a:p>
+            <a:pPr marL="0" marR="0" algn="l">
+              <a:lnSpc>
+                <a:spcPct val="107000"/>
+              </a:lnSpc>
+              <a:spcBef>
+                <a:spcPts val="0"/>
+              </a:spcBef>
+              <a:spcAft>
+                <a:spcPts val="0"/>
+              </a:spcAft>
+            </a:pPr>
+            <a:r>
+              <a:rPr lang="en-US" sz="900" b="1">
+                <a:solidFill>
+                  <a:srgbClr val="000000"/>
+                </a:solidFill>
+                <a:effectLst/>
+                <a:latin typeface="Courier New" panose="02070309020205020404" pitchFamily="49" charset="0"/>
+                <a:ea typeface="Times New Roman" panose="02020603050405020304" pitchFamily="18" charset="0"/>
+                <a:cs typeface="Times New Roman" panose="02020603050405020304" pitchFamily="18" charset="0"/>
+              </a:rPr>
+              <a:t>    </a:t>
+            </a:r>
+            <a:r>
+              <a:rPr lang="en-US" sz="900">
+                <a:solidFill>
+                  <a:srgbClr val="0000FF"/>
+                </a:solidFill>
+                <a:effectLst/>
+                <a:latin typeface="Courier New" panose="02070309020205020404" pitchFamily="49" charset="0"/>
+                <a:ea typeface="Times New Roman" panose="02020603050405020304" pitchFamily="18" charset="0"/>
+                <a:cs typeface="Times New Roman" panose="02020603050405020304" pitchFamily="18" charset="0"/>
+              </a:rPr>
+              <a:t>&lt;/coordinates&gt;</a:t>
+            </a:r>
+            <a:endParaRPr lang="en-US" sz="1000">
+              <a:effectLst/>
+              <a:latin typeface="Arial" panose="020B0604020202020204" pitchFamily="34" charset="0"/>
+              <a:ea typeface="Calibri" panose="020F0502020204030204" pitchFamily="34" charset="0"/>
+              <a:cs typeface="Times New Roman" panose="02020603050405020304" pitchFamily="18" charset="0"/>
+            </a:endParaRPr>
+          </a:p>
+          <a:p>
+            <a:pPr marL="0" marR="0" algn="l">
+              <a:lnSpc>
+                <a:spcPct val="107000"/>
+              </a:lnSpc>
+              <a:spcBef>
+                <a:spcPts val="0"/>
+              </a:spcBef>
+              <a:spcAft>
+                <a:spcPts val="0"/>
+              </a:spcAft>
+            </a:pPr>
+            <a:r>
+              <a:rPr lang="en-US" sz="900" b="1">
+                <a:solidFill>
+                  <a:srgbClr val="000000"/>
+                </a:solidFill>
+                <a:effectLst/>
+                <a:latin typeface="Courier New" panose="02070309020205020404" pitchFamily="49" charset="0"/>
+                <a:ea typeface="Times New Roman" panose="02020603050405020304" pitchFamily="18" charset="0"/>
+                <a:cs typeface="Times New Roman" panose="02020603050405020304" pitchFamily="18" charset="0"/>
+              </a:rPr>
+              <a:t>    </a:t>
+            </a:r>
+            <a:r>
+              <a:rPr lang="en-US" sz="900">
+                <a:solidFill>
+                  <a:srgbClr val="0000FF"/>
+                </a:solidFill>
+                <a:effectLst/>
+                <a:latin typeface="Courier New" panose="02070309020205020404" pitchFamily="49" charset="0"/>
+                <a:ea typeface="Times New Roman" panose="02020603050405020304" pitchFamily="18" charset="0"/>
+                <a:cs typeface="Times New Roman" panose="02020603050405020304" pitchFamily="18" charset="0"/>
+              </a:rPr>
+              <a:t>&lt;remark&gt;</a:t>
+            </a:r>
+            <a:r>
+              <a:rPr lang="en-US" sz="900" b="1">
+                <a:solidFill>
+                  <a:srgbClr val="000000"/>
+                </a:solidFill>
+                <a:effectLst/>
+                <a:latin typeface="Courier New" panose="02070309020205020404" pitchFamily="49" charset="0"/>
+                <a:ea typeface="Times New Roman" panose="02020603050405020304" pitchFamily="18" charset="0"/>
+                <a:cs typeface="Times New Roman" panose="02020603050405020304" pitchFamily="18" charset="0"/>
+              </a:rPr>
+              <a:t>Tanah Merah Station</a:t>
+            </a:r>
+            <a:r>
+              <a:rPr lang="en-US" sz="900">
+                <a:solidFill>
+                  <a:srgbClr val="0000FF"/>
+                </a:solidFill>
+                <a:effectLst/>
+                <a:latin typeface="Courier New" panose="02070309020205020404" pitchFamily="49" charset="0"/>
+                <a:ea typeface="Times New Roman" panose="02020603050405020304" pitchFamily="18" charset="0"/>
+                <a:cs typeface="Times New Roman" panose="02020603050405020304" pitchFamily="18" charset="0"/>
+              </a:rPr>
+              <a:t>&lt;/remark&gt;</a:t>
+            </a:r>
+            <a:endParaRPr lang="en-US" sz="1000">
+              <a:effectLst/>
+              <a:latin typeface="Arial" panose="020B0604020202020204" pitchFamily="34" charset="0"/>
+              <a:ea typeface="Calibri" panose="020F0502020204030204" pitchFamily="34" charset="0"/>
+              <a:cs typeface="Times New Roman" panose="02020603050405020304" pitchFamily="18" charset="0"/>
+            </a:endParaRPr>
+          </a:p>
+          <a:p>
+            <a:pPr marL="0" marR="0" algn="l">
+              <a:lnSpc>
+                <a:spcPct val="107000"/>
+              </a:lnSpc>
+              <a:spcBef>
+                <a:spcPts val="0"/>
+              </a:spcBef>
+              <a:spcAft>
+                <a:spcPts val="0"/>
+              </a:spcAft>
+            </a:pPr>
+            <a:r>
+              <a:rPr lang="en-US" sz="900">
+                <a:solidFill>
+                  <a:srgbClr val="0000FF"/>
+                </a:solidFill>
+                <a:effectLst/>
+                <a:latin typeface="Courier New" panose="02070309020205020404" pitchFamily="49" charset="0"/>
+                <a:ea typeface="Times New Roman" panose="02020603050405020304" pitchFamily="18" charset="0"/>
+                <a:cs typeface="Times New Roman" panose="02020603050405020304" pitchFamily="18" charset="0"/>
+              </a:rPr>
+              <a:t>&lt;/breakdown&gt;</a:t>
+            </a:r>
+            <a:endParaRPr lang="en-US" sz="1000">
+              <a:effectLst/>
+              <a:latin typeface="Arial" panose="020B0604020202020204" pitchFamily="34" charset="0"/>
+              <a:ea typeface="Calibri" panose="020F0502020204030204" pitchFamily="34" charset="0"/>
+              <a:cs typeface="Times New Roman" panose="02020603050405020304" pitchFamily="18" charset="0"/>
+            </a:endParaRPr>
+          </a:p>
+          <a:p>
+            <a:pPr marL="0" marR="0" algn="just">
+              <a:lnSpc>
+                <a:spcPct val="107000"/>
+              </a:lnSpc>
+              <a:spcBef>
+                <a:spcPts val="0"/>
+              </a:spcBef>
+              <a:spcAft>
+                <a:spcPts val="800"/>
+              </a:spcAft>
+            </a:pPr>
+            <a:r>
+              <a:rPr lang="en-GB" sz="1000">
+                <a:effectLst/>
+                <a:latin typeface="Arial" panose="020B0604020202020204" pitchFamily="34" charset="0"/>
+                <a:ea typeface="Calibri" panose="020F0502020204030204" pitchFamily="34" charset="0"/>
+                <a:cs typeface="Times New Roman" panose="02020603050405020304" pitchFamily="18" charset="0"/>
+              </a:rPr>
+              <a:t> </a:t>
+            </a:r>
+            <a:endParaRPr lang="en-US" sz="1000">
+              <a:effectLst/>
+              <a:latin typeface="Arial" panose="020B0604020202020204" pitchFamily="34" charset="0"/>
+              <a:ea typeface="Calibri" panose="020F0502020204030204" pitchFamily="34" charset="0"/>
+              <a:cs typeface="Times New Roman" panose="02020603050405020304" pitchFamily="18" charset="0"/>
+            </a:endParaRPr>
+          </a:p>
+        </p:txBody>
+      </p:sp>
+      <p:pic>
+        <p:nvPicPr>
+          <p:cNvPr id="7" name="Picture 6">
+            <a:extLst>
+              <a:ext uri="{FF2B5EF4-FFF2-40B4-BE49-F238E27FC236}">
+                <a16:creationId xmlns:a16="http://schemas.microsoft.com/office/drawing/2014/main" id="{EE15B64E-081E-4C23-B762-3EB354DE8CB8}"/>
+              </a:ext>
+            </a:extLst>
+          </p:cNvPr>
+          <p:cNvPicPr/>
+          <p:nvPr/>
+        </p:nvPicPr>
+        <p:blipFill rotWithShape="1">
+          <a:blip r:embed="rId3"/>
+          <a:srcRect l="9390" t="9754" r="69540" b="75147"/>
+          <a:stretch/>
+        </p:blipFill>
+        <p:spPr bwMode="auto">
+          <a:xfrm>
+            <a:off x="838200" y="4145280"/>
+            <a:ext cx="4160520" cy="1922376"/>
+          </a:xfrm>
+          <a:prstGeom prst="rect">
+            <a:avLst/>
+          </a:prstGeom>
+          <a:ln>
+            <a:noFill/>
+          </a:ln>
+          <a:extLst>
+            <a:ext uri="{53640926-AAD7-44D8-BBD7-CCE9431645EC}">
+              <a14:shadowObscured xmlns:a14="http://schemas.microsoft.com/office/drawing/2010/main"/>
+            </a:ext>
+          </a:extLst>
+        </p:spPr>
+      </p:pic>
+      <p:sp>
+        <p:nvSpPr>
+          <p:cNvPr id="8" name="Text Box 2">
+            <a:extLst>
+              <a:ext uri="{FF2B5EF4-FFF2-40B4-BE49-F238E27FC236}">
+                <a16:creationId xmlns:a16="http://schemas.microsoft.com/office/drawing/2014/main" id="{7FB6F554-892D-4400-8A2F-C40A04CA04FB}"/>
+              </a:ext>
+            </a:extLst>
+          </p:cNvPr>
+          <p:cNvSpPr txBox="1">
+            <a:spLocks noChangeArrowheads="1"/>
+          </p:cNvSpPr>
+          <p:nvPr/>
+        </p:nvSpPr>
+        <p:spPr bwMode="auto">
+          <a:xfrm>
+            <a:off x="5360352" y="4606606"/>
+            <a:ext cx="4982528" cy="1463040"/>
+          </a:xfrm>
+          <a:prstGeom prst="rect">
+            <a:avLst/>
+          </a:prstGeom>
+          <a:solidFill>
+            <a:srgbClr val="FFFFFF"/>
+          </a:solidFill>
+          <a:ln w="9525">
+            <a:solidFill>
+              <a:srgbClr val="000000"/>
+            </a:solidFill>
+            <a:miter lim="800000"/>
+            <a:headEnd/>
+            <a:tailEnd/>
+          </a:ln>
+        </p:spPr>
+        <p:txBody>
+          <a:bodyPr rot="0" vert="horz" wrap="square" lIns="91440" tIns="45720" rIns="91440" bIns="45720" anchor="t" anchorCtr="0">
+            <a:spAutoFit/>
+          </a:bodyPr>
+          <a:lstStyle/>
+          <a:p>
+            <a:pPr marL="0" marR="0" algn="l">
+              <a:lnSpc>
+                <a:spcPct val="107000"/>
+              </a:lnSpc>
+              <a:spcBef>
+                <a:spcPts val="0"/>
+              </a:spcBef>
+              <a:spcAft>
+                <a:spcPts val="0"/>
+              </a:spcAft>
+            </a:pPr>
+            <a:r>
+              <a:rPr lang="en-US" sz="1000" dirty="0">
+                <a:solidFill>
+                  <a:srgbClr val="FF0000"/>
+                </a:solidFill>
+                <a:effectLst/>
+                <a:latin typeface="Courier New" panose="02070309020205020404" pitchFamily="49" charset="0"/>
+                <a:ea typeface="Times New Roman" panose="02020603050405020304" pitchFamily="18" charset="0"/>
+                <a:cs typeface="Times New Roman" panose="02020603050405020304" pitchFamily="18" charset="0"/>
+              </a:rPr>
+              <a:t>&lt;?</a:t>
+            </a:r>
+            <a:r>
+              <a:rPr lang="en-US" sz="1000" dirty="0">
+                <a:solidFill>
+                  <a:srgbClr val="0000FF"/>
+                </a:solidFill>
+                <a:effectLst/>
+                <a:latin typeface="Courier New" panose="02070309020205020404" pitchFamily="49" charset="0"/>
+                <a:ea typeface="Times New Roman" panose="02020603050405020304" pitchFamily="18" charset="0"/>
+                <a:cs typeface="Times New Roman" panose="02020603050405020304" pitchFamily="18" charset="0"/>
+              </a:rPr>
+              <a:t>xml</a:t>
+            </a:r>
+            <a:r>
+              <a:rPr lang="en-US" sz="1000" dirty="0">
+                <a:solidFill>
+                  <a:srgbClr val="000000"/>
+                </a:solidFill>
+                <a:effectLst/>
+                <a:latin typeface="Courier New" panose="02070309020205020404" pitchFamily="49" charset="0"/>
+                <a:ea typeface="Times New Roman" panose="02020603050405020304" pitchFamily="18" charset="0"/>
+                <a:cs typeface="Times New Roman" panose="02020603050405020304" pitchFamily="18" charset="0"/>
+              </a:rPr>
+              <a:t> </a:t>
+            </a:r>
+            <a:r>
+              <a:rPr lang="en-US" sz="1000" dirty="0">
+                <a:solidFill>
+                  <a:srgbClr val="FF0000"/>
+                </a:solidFill>
+                <a:effectLst/>
+                <a:latin typeface="Courier New" panose="02070309020205020404" pitchFamily="49" charset="0"/>
+                <a:ea typeface="Times New Roman" panose="02020603050405020304" pitchFamily="18" charset="0"/>
+                <a:cs typeface="Times New Roman" panose="02020603050405020304" pitchFamily="18" charset="0"/>
+              </a:rPr>
+              <a:t>version</a:t>
+            </a:r>
+            <a:r>
+              <a:rPr lang="en-US" sz="1000" dirty="0">
+                <a:solidFill>
+                  <a:srgbClr val="000000"/>
+                </a:solidFill>
+                <a:effectLst/>
+                <a:latin typeface="Courier New" panose="02070309020205020404" pitchFamily="49" charset="0"/>
+                <a:ea typeface="Times New Roman" panose="02020603050405020304" pitchFamily="18" charset="0"/>
+                <a:cs typeface="Times New Roman" panose="02020603050405020304" pitchFamily="18" charset="0"/>
+              </a:rPr>
+              <a:t>=</a:t>
+            </a:r>
+            <a:r>
+              <a:rPr lang="en-US" sz="1000" b="1" dirty="0">
+                <a:solidFill>
+                  <a:srgbClr val="8000FF"/>
+                </a:solidFill>
+                <a:effectLst/>
+                <a:latin typeface="Courier New" panose="02070309020205020404" pitchFamily="49" charset="0"/>
+                <a:ea typeface="Times New Roman" panose="02020603050405020304" pitchFamily="18" charset="0"/>
+                <a:cs typeface="Times New Roman" panose="02020603050405020304" pitchFamily="18" charset="0"/>
+              </a:rPr>
+              <a:t>"1.0"</a:t>
+            </a:r>
+            <a:r>
+              <a:rPr lang="en-US" sz="1000" dirty="0">
+                <a:solidFill>
+                  <a:srgbClr val="000000"/>
+                </a:solidFill>
+                <a:effectLst/>
+                <a:latin typeface="Courier New" panose="02070309020205020404" pitchFamily="49" charset="0"/>
+                <a:ea typeface="Times New Roman" panose="02020603050405020304" pitchFamily="18" charset="0"/>
+                <a:cs typeface="Times New Roman" panose="02020603050405020304" pitchFamily="18" charset="0"/>
+              </a:rPr>
+              <a:t> </a:t>
+            </a:r>
+            <a:r>
+              <a:rPr lang="en-US" sz="1000" dirty="0">
+                <a:solidFill>
+                  <a:srgbClr val="FF0000"/>
+                </a:solidFill>
+                <a:effectLst/>
+                <a:latin typeface="Courier New" panose="02070309020205020404" pitchFamily="49" charset="0"/>
+                <a:ea typeface="Times New Roman" panose="02020603050405020304" pitchFamily="18" charset="0"/>
+                <a:cs typeface="Times New Roman" panose="02020603050405020304" pitchFamily="18" charset="0"/>
+              </a:rPr>
+              <a:t>encoding</a:t>
+            </a:r>
+            <a:r>
+              <a:rPr lang="en-US" sz="1000" dirty="0">
+                <a:solidFill>
+                  <a:srgbClr val="000000"/>
+                </a:solidFill>
+                <a:effectLst/>
+                <a:latin typeface="Courier New" panose="02070309020205020404" pitchFamily="49" charset="0"/>
+                <a:ea typeface="Times New Roman" panose="02020603050405020304" pitchFamily="18" charset="0"/>
+                <a:cs typeface="Times New Roman" panose="02020603050405020304" pitchFamily="18" charset="0"/>
+              </a:rPr>
+              <a:t>=</a:t>
+            </a:r>
+            <a:r>
+              <a:rPr lang="en-US" sz="1000" b="1" dirty="0">
+                <a:solidFill>
+                  <a:srgbClr val="8000FF"/>
+                </a:solidFill>
+                <a:effectLst/>
+                <a:latin typeface="Courier New" panose="02070309020205020404" pitchFamily="49" charset="0"/>
+                <a:ea typeface="Times New Roman" panose="02020603050405020304" pitchFamily="18" charset="0"/>
+                <a:cs typeface="Times New Roman" panose="02020603050405020304" pitchFamily="18" charset="0"/>
+              </a:rPr>
+              <a:t>"UTF-8"</a:t>
+            </a:r>
+            <a:r>
+              <a:rPr lang="en-US" sz="1000" dirty="0">
+                <a:solidFill>
+                  <a:srgbClr val="FF0000"/>
+                </a:solidFill>
+                <a:effectLst/>
+                <a:latin typeface="Courier New" panose="02070309020205020404" pitchFamily="49" charset="0"/>
+                <a:ea typeface="Times New Roman" panose="02020603050405020304" pitchFamily="18" charset="0"/>
+                <a:cs typeface="Times New Roman" panose="02020603050405020304" pitchFamily="18" charset="0"/>
+              </a:rPr>
+              <a:t>?&gt;</a:t>
+            </a:r>
+            <a:r>
+              <a:rPr lang="en-US" sz="1000" b="1" dirty="0">
+                <a:solidFill>
+                  <a:srgbClr val="000000"/>
+                </a:solidFill>
+                <a:effectLst/>
+                <a:latin typeface="Courier New" panose="02070309020205020404" pitchFamily="49" charset="0"/>
+                <a:ea typeface="Times New Roman" panose="02020603050405020304" pitchFamily="18" charset="0"/>
+                <a:cs typeface="Times New Roman" panose="02020603050405020304" pitchFamily="18" charset="0"/>
+              </a:rPr>
+              <a:t> </a:t>
+            </a:r>
+            <a:endParaRPr lang="en-US" sz="1000" dirty="0">
+              <a:effectLst/>
+              <a:latin typeface="Arial" panose="020B0604020202020204" pitchFamily="34" charset="0"/>
+              <a:ea typeface="Calibri" panose="020F0502020204030204" pitchFamily="34" charset="0"/>
+              <a:cs typeface="Times New Roman" panose="02020603050405020304" pitchFamily="18" charset="0"/>
+            </a:endParaRPr>
+          </a:p>
+          <a:p>
+            <a:pPr marL="0" marR="0" algn="l">
+              <a:lnSpc>
+                <a:spcPct val="107000"/>
+              </a:lnSpc>
+              <a:spcBef>
+                <a:spcPts val="0"/>
+              </a:spcBef>
+              <a:spcAft>
+                <a:spcPts val="0"/>
+              </a:spcAft>
+            </a:pPr>
+            <a:r>
+              <a:rPr lang="en-US" sz="1000" dirty="0">
+                <a:solidFill>
+                  <a:srgbClr val="0000FF"/>
+                </a:solidFill>
+                <a:effectLst/>
+                <a:latin typeface="Courier New" panose="02070309020205020404" pitchFamily="49" charset="0"/>
+                <a:ea typeface="Times New Roman" panose="02020603050405020304" pitchFamily="18" charset="0"/>
+                <a:cs typeface="Times New Roman" panose="02020603050405020304" pitchFamily="18" charset="0"/>
+              </a:rPr>
+              <a:t>&lt;breakdown&gt;</a:t>
+            </a:r>
+            <a:endParaRPr lang="en-US" sz="1000" dirty="0">
+              <a:effectLst/>
+              <a:latin typeface="Arial" panose="020B0604020202020204" pitchFamily="34" charset="0"/>
+              <a:ea typeface="Calibri" panose="020F0502020204030204" pitchFamily="34" charset="0"/>
+              <a:cs typeface="Times New Roman" panose="02020603050405020304" pitchFamily="18" charset="0"/>
+            </a:endParaRPr>
+          </a:p>
+          <a:p>
+            <a:pPr marL="0" marR="0" algn="l">
+              <a:lnSpc>
+                <a:spcPct val="107000"/>
+              </a:lnSpc>
+              <a:spcBef>
+                <a:spcPts val="0"/>
+              </a:spcBef>
+              <a:spcAft>
+                <a:spcPts val="0"/>
+              </a:spcAft>
+            </a:pPr>
+            <a:r>
+              <a:rPr lang="en-US" sz="1000" b="1" dirty="0">
+                <a:solidFill>
+                  <a:srgbClr val="000000"/>
+                </a:solidFill>
+                <a:effectLst/>
+                <a:latin typeface="Courier New" panose="02070309020205020404" pitchFamily="49" charset="0"/>
+                <a:ea typeface="Times New Roman" panose="02020603050405020304" pitchFamily="18" charset="0"/>
+                <a:cs typeface="Times New Roman" panose="02020603050405020304" pitchFamily="18" charset="0"/>
+              </a:rPr>
+              <a:t>     </a:t>
+            </a:r>
+            <a:r>
+              <a:rPr lang="en-US" sz="1000" dirty="0">
+                <a:solidFill>
+                  <a:srgbClr val="0000FF"/>
+                </a:solidFill>
+                <a:effectLst/>
+                <a:latin typeface="Courier New" panose="02070309020205020404" pitchFamily="49" charset="0"/>
+                <a:ea typeface="Times New Roman" panose="02020603050405020304" pitchFamily="18" charset="0"/>
+                <a:cs typeface="Times New Roman" panose="02020603050405020304" pitchFamily="18" charset="0"/>
+              </a:rPr>
+              <a:t>&lt;</a:t>
+            </a:r>
+            <a:r>
+              <a:rPr lang="en-US" sz="1000" dirty="0" err="1">
+                <a:solidFill>
+                  <a:srgbClr val="0000FF"/>
+                </a:solidFill>
+                <a:effectLst/>
+                <a:latin typeface="Courier New" panose="02070309020205020404" pitchFamily="49" charset="0"/>
+                <a:ea typeface="Times New Roman" panose="02020603050405020304" pitchFamily="18" charset="0"/>
+                <a:cs typeface="Times New Roman" panose="02020603050405020304" pitchFamily="18" charset="0"/>
+              </a:rPr>
+              <a:t>train_id</a:t>
+            </a:r>
+            <a:r>
+              <a:rPr lang="en-US" sz="1000" dirty="0">
+                <a:solidFill>
+                  <a:srgbClr val="0000FF"/>
+                </a:solidFill>
+                <a:effectLst/>
+                <a:latin typeface="Courier New" panose="02070309020205020404" pitchFamily="49" charset="0"/>
+                <a:ea typeface="Times New Roman" panose="02020603050405020304" pitchFamily="18" charset="0"/>
+                <a:cs typeface="Times New Roman" panose="02020603050405020304" pitchFamily="18" charset="0"/>
+              </a:rPr>
+              <a:t>&gt;</a:t>
+            </a:r>
+            <a:r>
+              <a:rPr lang="en-US" sz="1000" b="1" dirty="0">
+                <a:solidFill>
+                  <a:srgbClr val="000000"/>
+                </a:solidFill>
+                <a:effectLst/>
+                <a:latin typeface="Courier New" panose="02070309020205020404" pitchFamily="49" charset="0"/>
+                <a:ea typeface="Times New Roman" panose="02020603050405020304" pitchFamily="18" charset="0"/>
+                <a:cs typeface="Times New Roman" panose="02020603050405020304" pitchFamily="18" charset="0"/>
+              </a:rPr>
+              <a:t>3</a:t>
+            </a:r>
+            <a:r>
+              <a:rPr lang="en-US" sz="1000" dirty="0">
+                <a:solidFill>
+                  <a:srgbClr val="0000FF"/>
+                </a:solidFill>
+                <a:effectLst/>
+                <a:latin typeface="Courier New" panose="02070309020205020404" pitchFamily="49" charset="0"/>
+                <a:ea typeface="Times New Roman" panose="02020603050405020304" pitchFamily="18" charset="0"/>
+                <a:cs typeface="Times New Roman" panose="02020603050405020304" pitchFamily="18" charset="0"/>
+              </a:rPr>
+              <a:t>&lt;/</a:t>
+            </a:r>
+            <a:r>
+              <a:rPr lang="en-US" sz="1000" dirty="0" err="1">
+                <a:solidFill>
+                  <a:srgbClr val="0000FF"/>
+                </a:solidFill>
+                <a:effectLst/>
+                <a:latin typeface="Courier New" panose="02070309020205020404" pitchFamily="49" charset="0"/>
+                <a:ea typeface="Times New Roman" panose="02020603050405020304" pitchFamily="18" charset="0"/>
+                <a:cs typeface="Times New Roman" panose="02020603050405020304" pitchFamily="18" charset="0"/>
+              </a:rPr>
+              <a:t>train_id</a:t>
+            </a:r>
+            <a:r>
+              <a:rPr lang="en-US" sz="1000" dirty="0">
+                <a:solidFill>
+                  <a:srgbClr val="0000FF"/>
+                </a:solidFill>
+                <a:effectLst/>
+                <a:latin typeface="Courier New" panose="02070309020205020404" pitchFamily="49" charset="0"/>
+                <a:ea typeface="Times New Roman" panose="02020603050405020304" pitchFamily="18" charset="0"/>
+                <a:cs typeface="Times New Roman" panose="02020603050405020304" pitchFamily="18" charset="0"/>
+              </a:rPr>
+              <a:t>&gt;</a:t>
+            </a:r>
+            <a:r>
+              <a:rPr lang="en-US" sz="1000" b="1" dirty="0">
+                <a:solidFill>
+                  <a:srgbClr val="000000"/>
+                </a:solidFill>
+                <a:effectLst/>
+                <a:latin typeface="Courier New" panose="02070309020205020404" pitchFamily="49" charset="0"/>
+                <a:ea typeface="Times New Roman" panose="02020603050405020304" pitchFamily="18" charset="0"/>
+                <a:cs typeface="Times New Roman" panose="02020603050405020304" pitchFamily="18" charset="0"/>
+              </a:rPr>
+              <a:t>     </a:t>
+            </a:r>
+            <a:endParaRPr lang="en-US" sz="1000" dirty="0">
+              <a:effectLst/>
+              <a:latin typeface="Arial" panose="020B0604020202020204" pitchFamily="34" charset="0"/>
+              <a:ea typeface="Calibri" panose="020F0502020204030204" pitchFamily="34" charset="0"/>
+              <a:cs typeface="Times New Roman" panose="02020603050405020304" pitchFamily="18" charset="0"/>
+            </a:endParaRPr>
+          </a:p>
+          <a:p>
+            <a:pPr marL="0" marR="0" algn="l">
+              <a:lnSpc>
+                <a:spcPct val="107000"/>
+              </a:lnSpc>
+              <a:spcBef>
+                <a:spcPts val="0"/>
+              </a:spcBef>
+              <a:spcAft>
+                <a:spcPts val="0"/>
+              </a:spcAft>
+            </a:pPr>
+            <a:r>
+              <a:rPr lang="en-US" sz="1000" b="1" dirty="0">
+                <a:solidFill>
+                  <a:srgbClr val="000000"/>
+                </a:solidFill>
+                <a:effectLst/>
+                <a:latin typeface="Courier New" panose="02070309020205020404" pitchFamily="49" charset="0"/>
+                <a:ea typeface="Times New Roman" panose="02020603050405020304" pitchFamily="18" charset="0"/>
+                <a:cs typeface="Times New Roman" panose="02020603050405020304" pitchFamily="18" charset="0"/>
+              </a:rPr>
+              <a:t>     </a:t>
+            </a:r>
+            <a:r>
+              <a:rPr lang="en-US" sz="1000" dirty="0">
+                <a:solidFill>
+                  <a:srgbClr val="0000FF"/>
+                </a:solidFill>
+                <a:effectLst/>
+                <a:latin typeface="Courier New" panose="02070309020205020404" pitchFamily="49" charset="0"/>
+                <a:ea typeface="Times New Roman" panose="02020603050405020304" pitchFamily="18" charset="0"/>
+                <a:cs typeface="Times New Roman" panose="02020603050405020304" pitchFamily="18" charset="0"/>
+              </a:rPr>
+              <a:t>&lt;</a:t>
+            </a:r>
+            <a:r>
+              <a:rPr lang="en-US" sz="1000" dirty="0" err="1">
+                <a:solidFill>
+                  <a:srgbClr val="0000FF"/>
+                </a:solidFill>
+                <a:effectLst/>
+                <a:latin typeface="Courier New" panose="02070309020205020404" pitchFamily="49" charset="0"/>
+                <a:ea typeface="Times New Roman" panose="02020603050405020304" pitchFamily="18" charset="0"/>
+                <a:cs typeface="Times New Roman" panose="02020603050405020304" pitchFamily="18" charset="0"/>
+              </a:rPr>
+              <a:t>faultType</a:t>
+            </a:r>
+            <a:r>
+              <a:rPr lang="en-US" sz="1000" dirty="0">
+                <a:solidFill>
+                  <a:srgbClr val="0000FF"/>
+                </a:solidFill>
+                <a:effectLst/>
+                <a:latin typeface="Courier New" panose="02070309020205020404" pitchFamily="49" charset="0"/>
+                <a:ea typeface="Times New Roman" panose="02020603050405020304" pitchFamily="18" charset="0"/>
+                <a:cs typeface="Times New Roman" panose="02020603050405020304" pitchFamily="18" charset="0"/>
+              </a:rPr>
+              <a:t>&gt;</a:t>
+            </a:r>
+            <a:r>
+              <a:rPr lang="en-US" sz="1000" b="1" dirty="0">
+                <a:solidFill>
+                  <a:srgbClr val="000000"/>
+                </a:solidFill>
+                <a:effectLst/>
+                <a:latin typeface="Courier New" panose="02070309020205020404" pitchFamily="49" charset="0"/>
+                <a:ea typeface="Times New Roman" panose="02020603050405020304" pitchFamily="18" charset="0"/>
+                <a:cs typeface="Times New Roman" panose="02020603050405020304" pitchFamily="18" charset="0"/>
+              </a:rPr>
+              <a:t>Train Fault</a:t>
+            </a:r>
+            <a:r>
+              <a:rPr lang="en-US" sz="1000" dirty="0">
+                <a:solidFill>
+                  <a:srgbClr val="0000FF"/>
+                </a:solidFill>
+                <a:effectLst/>
+                <a:latin typeface="Courier New" panose="02070309020205020404" pitchFamily="49" charset="0"/>
+                <a:ea typeface="Times New Roman" panose="02020603050405020304" pitchFamily="18" charset="0"/>
+                <a:cs typeface="Times New Roman" panose="02020603050405020304" pitchFamily="18" charset="0"/>
+              </a:rPr>
+              <a:t>&lt;/</a:t>
+            </a:r>
+            <a:r>
+              <a:rPr lang="en-US" sz="1000" dirty="0" err="1">
+                <a:solidFill>
+                  <a:srgbClr val="0000FF"/>
+                </a:solidFill>
+                <a:effectLst/>
+                <a:latin typeface="Courier New" panose="02070309020205020404" pitchFamily="49" charset="0"/>
+                <a:ea typeface="Times New Roman" panose="02020603050405020304" pitchFamily="18" charset="0"/>
+                <a:cs typeface="Times New Roman" panose="02020603050405020304" pitchFamily="18" charset="0"/>
+              </a:rPr>
+              <a:t>faultType</a:t>
+            </a:r>
+            <a:r>
+              <a:rPr lang="en-US" sz="1000" dirty="0">
+                <a:solidFill>
+                  <a:srgbClr val="0000FF"/>
+                </a:solidFill>
+                <a:effectLst/>
+                <a:latin typeface="Courier New" panose="02070309020205020404" pitchFamily="49" charset="0"/>
+                <a:ea typeface="Times New Roman" panose="02020603050405020304" pitchFamily="18" charset="0"/>
+                <a:cs typeface="Times New Roman" panose="02020603050405020304" pitchFamily="18" charset="0"/>
+              </a:rPr>
+              <a:t>&gt;</a:t>
+            </a:r>
+            <a:r>
+              <a:rPr lang="en-US" sz="1000" b="1" dirty="0">
+                <a:solidFill>
+                  <a:srgbClr val="000000"/>
+                </a:solidFill>
+                <a:effectLst/>
+                <a:latin typeface="Courier New" panose="02070309020205020404" pitchFamily="49" charset="0"/>
+                <a:ea typeface="Times New Roman" panose="02020603050405020304" pitchFamily="18" charset="0"/>
+                <a:cs typeface="Times New Roman" panose="02020603050405020304" pitchFamily="18" charset="0"/>
+              </a:rPr>
+              <a:t>     </a:t>
+            </a:r>
+            <a:endParaRPr lang="en-US" sz="1000" dirty="0">
+              <a:effectLst/>
+              <a:latin typeface="Arial" panose="020B0604020202020204" pitchFamily="34" charset="0"/>
+              <a:ea typeface="Calibri" panose="020F0502020204030204" pitchFamily="34" charset="0"/>
+              <a:cs typeface="Times New Roman" panose="02020603050405020304" pitchFamily="18" charset="0"/>
+            </a:endParaRPr>
+          </a:p>
+          <a:p>
+            <a:pPr marL="0" marR="0" algn="l">
+              <a:lnSpc>
+                <a:spcPct val="107000"/>
+              </a:lnSpc>
+              <a:spcBef>
+                <a:spcPts val="0"/>
+              </a:spcBef>
+              <a:spcAft>
+                <a:spcPts val="0"/>
+              </a:spcAft>
+            </a:pPr>
+            <a:r>
+              <a:rPr lang="en-US" sz="1000" b="1" dirty="0">
+                <a:solidFill>
+                  <a:srgbClr val="000000"/>
+                </a:solidFill>
+                <a:effectLst/>
+                <a:latin typeface="Courier New" panose="02070309020205020404" pitchFamily="49" charset="0"/>
+                <a:ea typeface="Times New Roman" panose="02020603050405020304" pitchFamily="18" charset="0"/>
+                <a:cs typeface="Times New Roman" panose="02020603050405020304" pitchFamily="18" charset="0"/>
+              </a:rPr>
+              <a:t>     </a:t>
+            </a:r>
+            <a:r>
+              <a:rPr lang="en-US" sz="1000" dirty="0">
+                <a:solidFill>
+                  <a:srgbClr val="0000FF"/>
+                </a:solidFill>
+                <a:effectLst/>
+                <a:latin typeface="Courier New" panose="02070309020205020404" pitchFamily="49" charset="0"/>
+                <a:ea typeface="Times New Roman" panose="02020603050405020304" pitchFamily="18" charset="0"/>
+                <a:cs typeface="Times New Roman" panose="02020603050405020304" pitchFamily="18" charset="0"/>
+              </a:rPr>
+              <a:t>&lt;timestamp&gt;</a:t>
+            </a:r>
+            <a:r>
+              <a:rPr lang="en-US" sz="1000" b="1" dirty="0">
+                <a:solidFill>
+                  <a:srgbClr val="000000"/>
+                </a:solidFill>
+                <a:effectLst/>
+                <a:latin typeface="Courier New" panose="02070309020205020404" pitchFamily="49" charset="0"/>
+                <a:ea typeface="Times New Roman" panose="02020603050405020304" pitchFamily="18" charset="0"/>
+                <a:cs typeface="Times New Roman" panose="02020603050405020304" pitchFamily="18" charset="0"/>
+              </a:rPr>
+              <a:t>2018-02-20T09:00:00</a:t>
+            </a:r>
+            <a:r>
+              <a:rPr lang="en-US" sz="1000" dirty="0">
+                <a:solidFill>
+                  <a:srgbClr val="0000FF"/>
+                </a:solidFill>
+                <a:effectLst/>
+                <a:latin typeface="Courier New" panose="02070309020205020404" pitchFamily="49" charset="0"/>
+                <a:ea typeface="Times New Roman" panose="02020603050405020304" pitchFamily="18" charset="0"/>
+                <a:cs typeface="Times New Roman" panose="02020603050405020304" pitchFamily="18" charset="0"/>
+              </a:rPr>
+              <a:t>&lt;/timestamp&gt;</a:t>
+            </a:r>
+            <a:r>
+              <a:rPr lang="en-US" sz="1000" b="1" dirty="0">
+                <a:solidFill>
+                  <a:srgbClr val="000000"/>
+                </a:solidFill>
+                <a:effectLst/>
+                <a:latin typeface="Courier New" panose="02070309020205020404" pitchFamily="49" charset="0"/>
+                <a:ea typeface="Times New Roman" panose="02020603050405020304" pitchFamily="18" charset="0"/>
+                <a:cs typeface="Times New Roman" panose="02020603050405020304" pitchFamily="18" charset="0"/>
+              </a:rPr>
+              <a:t>     </a:t>
+            </a:r>
+            <a:endParaRPr lang="en-US" sz="1000" dirty="0">
+              <a:effectLst/>
+              <a:latin typeface="Arial" panose="020B0604020202020204" pitchFamily="34" charset="0"/>
+              <a:ea typeface="Calibri" panose="020F0502020204030204" pitchFamily="34" charset="0"/>
+              <a:cs typeface="Times New Roman" panose="02020603050405020304" pitchFamily="18" charset="0"/>
+            </a:endParaRPr>
+          </a:p>
+          <a:p>
+            <a:pPr marL="0" marR="0" algn="l">
+              <a:lnSpc>
+                <a:spcPct val="107000"/>
+              </a:lnSpc>
+              <a:spcBef>
+                <a:spcPts val="0"/>
+              </a:spcBef>
+              <a:spcAft>
+                <a:spcPts val="0"/>
+              </a:spcAft>
+            </a:pPr>
+            <a:r>
+              <a:rPr lang="en-US" sz="1000" b="1" dirty="0">
+                <a:solidFill>
+                  <a:srgbClr val="000000"/>
+                </a:solidFill>
+                <a:effectLst/>
+                <a:latin typeface="Courier New" panose="02070309020205020404" pitchFamily="49" charset="0"/>
+                <a:ea typeface="Times New Roman" panose="02020603050405020304" pitchFamily="18" charset="0"/>
+                <a:cs typeface="Times New Roman" panose="02020603050405020304" pitchFamily="18" charset="0"/>
+              </a:rPr>
+              <a:t>     </a:t>
+            </a:r>
+            <a:r>
+              <a:rPr lang="en-US" sz="1000" dirty="0">
+                <a:solidFill>
+                  <a:srgbClr val="0000FF"/>
+                </a:solidFill>
+                <a:effectLst/>
+                <a:latin typeface="Courier New" panose="02070309020205020404" pitchFamily="49" charset="0"/>
+                <a:ea typeface="Times New Roman" panose="02020603050405020304" pitchFamily="18" charset="0"/>
+                <a:cs typeface="Times New Roman" panose="02020603050405020304" pitchFamily="18" charset="0"/>
+              </a:rPr>
+              <a:t>&lt;coordinates&gt;</a:t>
+            </a:r>
+            <a:r>
+              <a:rPr lang="en-US" sz="1000" b="1" dirty="0">
+                <a:solidFill>
+                  <a:srgbClr val="000000"/>
+                </a:solidFill>
+                <a:effectLst/>
+                <a:latin typeface="Courier New" panose="02070309020205020404" pitchFamily="49" charset="0"/>
+                <a:ea typeface="Times New Roman" panose="02020603050405020304" pitchFamily="18" charset="0"/>
+                <a:cs typeface="Times New Roman" panose="02020603050405020304" pitchFamily="18" charset="0"/>
+              </a:rPr>
+              <a:t>1.3272383,103.9443528</a:t>
+            </a:r>
+            <a:r>
+              <a:rPr lang="en-US" sz="1000" dirty="0">
+                <a:solidFill>
+                  <a:srgbClr val="0000FF"/>
+                </a:solidFill>
+                <a:effectLst/>
+                <a:latin typeface="Courier New" panose="02070309020205020404" pitchFamily="49" charset="0"/>
+                <a:ea typeface="Times New Roman" panose="02020603050405020304" pitchFamily="18" charset="0"/>
+                <a:cs typeface="Times New Roman" panose="02020603050405020304" pitchFamily="18" charset="0"/>
+              </a:rPr>
+              <a:t>&lt;/coordinates&gt;</a:t>
+            </a:r>
+            <a:r>
+              <a:rPr lang="en-US" sz="1000" b="1" dirty="0">
+                <a:solidFill>
+                  <a:srgbClr val="000000"/>
+                </a:solidFill>
+                <a:effectLst/>
+                <a:latin typeface="Courier New" panose="02070309020205020404" pitchFamily="49" charset="0"/>
+                <a:ea typeface="Times New Roman" panose="02020603050405020304" pitchFamily="18" charset="0"/>
+                <a:cs typeface="Times New Roman" panose="02020603050405020304" pitchFamily="18" charset="0"/>
+              </a:rPr>
+              <a:t>     </a:t>
+            </a:r>
+            <a:endParaRPr lang="en-US" sz="1000" dirty="0">
+              <a:effectLst/>
+              <a:latin typeface="Arial" panose="020B0604020202020204" pitchFamily="34" charset="0"/>
+              <a:ea typeface="Calibri" panose="020F0502020204030204" pitchFamily="34" charset="0"/>
+              <a:cs typeface="Times New Roman" panose="02020603050405020304" pitchFamily="18" charset="0"/>
+            </a:endParaRPr>
+          </a:p>
+          <a:p>
+            <a:pPr marL="0" marR="0" algn="l">
+              <a:lnSpc>
+                <a:spcPct val="107000"/>
+              </a:lnSpc>
+              <a:spcBef>
+                <a:spcPts val="0"/>
+              </a:spcBef>
+              <a:spcAft>
+                <a:spcPts val="0"/>
+              </a:spcAft>
+            </a:pPr>
+            <a:r>
+              <a:rPr lang="en-US" sz="1000" b="1" dirty="0">
+                <a:solidFill>
+                  <a:srgbClr val="000000"/>
+                </a:solidFill>
+                <a:effectLst/>
+                <a:latin typeface="Courier New" panose="02070309020205020404" pitchFamily="49" charset="0"/>
+                <a:ea typeface="Times New Roman" panose="02020603050405020304" pitchFamily="18" charset="0"/>
+                <a:cs typeface="Times New Roman" panose="02020603050405020304" pitchFamily="18" charset="0"/>
+              </a:rPr>
+              <a:t>     </a:t>
+            </a:r>
+            <a:r>
+              <a:rPr lang="en-US" sz="1000" dirty="0">
+                <a:solidFill>
+                  <a:srgbClr val="0000FF"/>
+                </a:solidFill>
+                <a:effectLst/>
+                <a:latin typeface="Courier New" panose="02070309020205020404" pitchFamily="49" charset="0"/>
+                <a:ea typeface="Times New Roman" panose="02020603050405020304" pitchFamily="18" charset="0"/>
+                <a:cs typeface="Times New Roman" panose="02020603050405020304" pitchFamily="18" charset="0"/>
+              </a:rPr>
+              <a:t>&lt;remark&gt;</a:t>
+            </a:r>
+            <a:r>
+              <a:rPr lang="en-US" sz="1000" b="1" dirty="0">
+                <a:solidFill>
+                  <a:srgbClr val="000000"/>
+                </a:solidFill>
+                <a:effectLst/>
+                <a:latin typeface="Courier New" panose="02070309020205020404" pitchFamily="49" charset="0"/>
+                <a:ea typeface="Times New Roman" panose="02020603050405020304" pitchFamily="18" charset="0"/>
+                <a:cs typeface="Times New Roman" panose="02020603050405020304" pitchFamily="18" charset="0"/>
+              </a:rPr>
+              <a:t>Tanah Merah Station</a:t>
+            </a:r>
+            <a:r>
+              <a:rPr lang="en-US" sz="1000" dirty="0">
+                <a:solidFill>
+                  <a:srgbClr val="0000FF"/>
+                </a:solidFill>
+                <a:effectLst/>
+                <a:latin typeface="Courier New" panose="02070309020205020404" pitchFamily="49" charset="0"/>
+                <a:ea typeface="Times New Roman" panose="02020603050405020304" pitchFamily="18" charset="0"/>
+                <a:cs typeface="Times New Roman" panose="02020603050405020304" pitchFamily="18" charset="0"/>
+              </a:rPr>
+              <a:t>&lt;/remark&gt;</a:t>
+            </a:r>
+            <a:r>
+              <a:rPr lang="en-US" sz="1000" b="1" dirty="0">
+                <a:solidFill>
+                  <a:srgbClr val="000000"/>
+                </a:solidFill>
+                <a:effectLst/>
+                <a:latin typeface="Courier New" panose="02070309020205020404" pitchFamily="49" charset="0"/>
+                <a:ea typeface="Times New Roman" panose="02020603050405020304" pitchFamily="18" charset="0"/>
+                <a:cs typeface="Times New Roman" panose="02020603050405020304" pitchFamily="18" charset="0"/>
+              </a:rPr>
+              <a:t> </a:t>
+            </a:r>
+            <a:endParaRPr lang="en-US" sz="1000" dirty="0">
+              <a:effectLst/>
+              <a:latin typeface="Arial" panose="020B0604020202020204" pitchFamily="34" charset="0"/>
+              <a:ea typeface="Calibri" panose="020F0502020204030204" pitchFamily="34" charset="0"/>
+              <a:cs typeface="Times New Roman" panose="02020603050405020304" pitchFamily="18" charset="0"/>
+            </a:endParaRPr>
+          </a:p>
+          <a:p>
+            <a:pPr marL="0" marR="0" algn="l">
+              <a:lnSpc>
+                <a:spcPct val="107000"/>
+              </a:lnSpc>
+              <a:spcBef>
+                <a:spcPts val="0"/>
+              </a:spcBef>
+              <a:spcAft>
+                <a:spcPts val="0"/>
+              </a:spcAft>
+            </a:pPr>
+            <a:r>
+              <a:rPr lang="en-US" sz="1000" dirty="0">
+                <a:solidFill>
+                  <a:srgbClr val="0000FF"/>
+                </a:solidFill>
+                <a:effectLst/>
+                <a:latin typeface="Courier New" panose="02070309020205020404" pitchFamily="49" charset="0"/>
+                <a:ea typeface="Times New Roman" panose="02020603050405020304" pitchFamily="18" charset="0"/>
+                <a:cs typeface="Times New Roman" panose="02020603050405020304" pitchFamily="18" charset="0"/>
+              </a:rPr>
+              <a:t>&lt;/breakdown&gt;</a:t>
+            </a:r>
+            <a:endParaRPr lang="en-US" sz="1000" dirty="0">
+              <a:effectLst/>
+              <a:latin typeface="Arial" panose="020B0604020202020204" pitchFamily="34" charset="0"/>
+              <a:ea typeface="Calibri" panose="020F0502020204030204" pitchFamily="34" charset="0"/>
+              <a:cs typeface="Times New Roman" panose="02020603050405020304" pitchFamily="18" charset="0"/>
+            </a:endParaRPr>
+          </a:p>
+        </p:txBody>
+      </p:sp>
+      <p:sp>
+        <p:nvSpPr>
+          <p:cNvPr id="9" name="TextBox 8">
+            <a:extLst>
+              <a:ext uri="{FF2B5EF4-FFF2-40B4-BE49-F238E27FC236}">
+                <a16:creationId xmlns:a16="http://schemas.microsoft.com/office/drawing/2014/main" id="{09987B6F-467F-4ECB-AE35-C3BD65DC41EB}"/>
+              </a:ext>
+            </a:extLst>
+          </p:cNvPr>
+          <p:cNvSpPr txBox="1"/>
+          <p:nvPr/>
+        </p:nvSpPr>
+        <p:spPr>
+          <a:xfrm>
+            <a:off x="1360276" y="6068265"/>
+            <a:ext cx="3182474" cy="369332"/>
+          </a:xfrm>
+          <a:prstGeom prst="rect">
+            <a:avLst/>
+          </a:prstGeom>
+          <a:noFill/>
+        </p:spPr>
+        <p:txBody>
+          <a:bodyPr wrap="none" rtlCol="0">
+            <a:spAutoFit/>
+          </a:bodyPr>
+          <a:lstStyle/>
+          <a:p>
+            <a:r>
+              <a:rPr lang="en-US" dirty="0"/>
+              <a:t>new_breakdown_formatted.xsd</a:t>
+            </a:r>
           </a:p>
         </p:txBody>
       </p:sp>
     </p:spTree>
     <p:extLst>
       <p:ext uri="{BB962C8B-B14F-4D97-AF65-F5344CB8AC3E}">
-        <p14:creationId xmlns:p14="http://schemas.microsoft.com/office/powerpoint/2010/main" val="1763506197"/>
+        <p14:creationId xmlns:p14="http://schemas.microsoft.com/office/powerpoint/2010/main" val="2088767261"/>
       </p:ext>
     </p:extLst>
   </p:cSld>
@@ -8731,7 +10914,7 @@
           <p:cNvPr id="2" name="Title 1">
             <a:extLst>
               <a:ext uri="{FF2B5EF4-FFF2-40B4-BE49-F238E27FC236}">
-                <a16:creationId xmlns:a16="http://schemas.microsoft.com/office/drawing/2014/main" id="{B07C778A-F5E1-4402-815A-96BEA14E6883}"/>
+                <a16:creationId xmlns:a16="http://schemas.microsoft.com/office/drawing/2014/main" id="{37FD307A-8AC0-4F40-A76C-38FD37BF20F8}"/>
               </a:ext>
             </a:extLst>
           </p:cNvPr>
@@ -8749,40 +10932,1549 @@
           <a:p>
             <a:r>
               <a:rPr lang="en-US" dirty="0"/>
-              <a:t>Data Transformation</a:t>
+              <a:t>XML</a:t>
             </a:r>
           </a:p>
         </p:txBody>
       </p:sp>
       <p:sp>
         <p:nvSpPr>
-          <p:cNvPr id="3" name="Content Placeholder 2">
-            <a:extLst>
-              <a:ext uri="{FF2B5EF4-FFF2-40B4-BE49-F238E27FC236}">
-                <a16:creationId xmlns:a16="http://schemas.microsoft.com/office/drawing/2014/main" id="{4693C19A-DDF9-438D-A19B-4B14DD418721}"/>
-              </a:ext>
-            </a:extLst>
-          </p:cNvPr>
-          <p:cNvSpPr>
-            <a:spLocks noGrp="1"/>
+          <p:cNvPr id="9" name="TextBox 8">
+            <a:extLst>
+              <a:ext uri="{FF2B5EF4-FFF2-40B4-BE49-F238E27FC236}">
+                <a16:creationId xmlns:a16="http://schemas.microsoft.com/office/drawing/2014/main" id="{09987B6F-467F-4ECB-AE35-C3BD65DC41EB}"/>
+              </a:ext>
+            </a:extLst>
+          </p:cNvPr>
+          <p:cNvSpPr txBox="1"/>
+          <p:nvPr/>
+        </p:nvSpPr>
+        <p:spPr>
+          <a:xfrm>
+            <a:off x="1866374" y="3187905"/>
+            <a:ext cx="1645066" cy="369332"/>
+          </a:xfrm>
+          <a:prstGeom prst="rect">
+            <a:avLst/>
+          </a:prstGeom>
+          <a:noFill/>
+        </p:spPr>
+        <p:txBody>
+          <a:bodyPr wrap="none" rtlCol="0">
+            <a:spAutoFit/>
+          </a:bodyPr>
+          <a:lstStyle/>
+          <a:p>
+            <a:r>
+              <a:rPr lang="en-US" dirty="0"/>
+              <a:t>busRequest.xsd</a:t>
+            </a:r>
+          </a:p>
+        </p:txBody>
+      </p:sp>
+      <p:pic>
+        <p:nvPicPr>
+          <p:cNvPr id="10" name="Picture 9">
+            <a:extLst>
+              <a:ext uri="{FF2B5EF4-FFF2-40B4-BE49-F238E27FC236}">
+                <a16:creationId xmlns:a16="http://schemas.microsoft.com/office/drawing/2014/main" id="{AED48D7C-AFFA-4DD1-BB39-FBA01AF56AC3}"/>
+              </a:ext>
+            </a:extLst>
+          </p:cNvPr>
+          <p:cNvPicPr/>
+          <p:nvPr/>
+        </p:nvPicPr>
+        <p:blipFill rotWithShape="1">
+          <a:blip r:embed="rId2"/>
+          <a:srcRect l="9148" t="9318" r="65245" b="75396"/>
+          <a:stretch/>
+        </p:blipFill>
+        <p:spPr bwMode="auto">
+          <a:xfrm>
+            <a:off x="838200" y="1570037"/>
+            <a:ext cx="3701415" cy="1472565"/>
+          </a:xfrm>
+          <a:prstGeom prst="rect">
+            <a:avLst/>
+          </a:prstGeom>
+          <a:ln>
+            <a:noFill/>
+          </a:ln>
+          <a:extLst>
+            <a:ext uri="{53640926-AAD7-44D8-BBD7-CCE9431645EC}">
+              <a14:shadowObscured xmlns:a14="http://schemas.microsoft.com/office/drawing/2010/main"/>
+            </a:ext>
+          </a:extLst>
+        </p:spPr>
+      </p:pic>
+      <p:sp>
+        <p:nvSpPr>
+          <p:cNvPr id="11" name="Text Box 2">
+            <a:extLst>
+              <a:ext uri="{FF2B5EF4-FFF2-40B4-BE49-F238E27FC236}">
+                <a16:creationId xmlns:a16="http://schemas.microsoft.com/office/drawing/2014/main" id="{4E158C6D-14E6-4678-8F20-291AE2B06ECB}"/>
+              </a:ext>
+            </a:extLst>
+          </p:cNvPr>
+          <p:cNvSpPr txBox="1">
+            <a:spLocks noChangeArrowheads="1"/>
           </p:cNvSpPr>
-          <p:nvPr>
-            <p:ph idx="1"/>
-          </p:nvPr>
+          <p:nvPr/>
         </p:nvSpPr>
-        <p:spPr/>
+        <p:spPr bwMode="auto">
+          <a:xfrm>
+            <a:off x="5360352" y="1391919"/>
+            <a:ext cx="4982528" cy="1828800"/>
+          </a:xfrm>
+          <a:prstGeom prst="rect">
+            <a:avLst/>
+          </a:prstGeom>
+          <a:solidFill>
+            <a:srgbClr val="FFFFFF"/>
+          </a:solidFill>
+          <a:ln w="9525">
+            <a:solidFill>
+              <a:srgbClr val="000000"/>
+            </a:solidFill>
+            <a:miter lim="800000"/>
+            <a:headEnd/>
+            <a:tailEnd/>
+          </a:ln>
+        </p:spPr>
         <p:txBody>
-          <a:bodyPr/>
+          <a:bodyPr rot="0" vert="horz" wrap="square" lIns="91440" tIns="45720" rIns="91440" bIns="45720" anchor="t" anchorCtr="0">
+            <a:noAutofit/>
+          </a:bodyPr>
           <a:lstStyle/>
           <a:p>
-            <a:endParaRPr lang="en-US" dirty="0"/>
+            <a:pPr marL="0" marR="0" algn="just">
+              <a:lnSpc>
+                <a:spcPct val="107000"/>
+              </a:lnSpc>
+              <a:spcBef>
+                <a:spcPts val="0"/>
+              </a:spcBef>
+              <a:spcAft>
+                <a:spcPts val="800"/>
+              </a:spcAft>
+            </a:pPr>
+            <a:r>
+              <a:rPr lang="en-US" sz="1000">
+                <a:solidFill>
+                  <a:srgbClr val="FF0000"/>
+                </a:solidFill>
+                <a:effectLst/>
+                <a:latin typeface="Courier New" panose="02070309020205020404" pitchFamily="49" charset="0"/>
+                <a:ea typeface="Times New Roman" panose="02020603050405020304" pitchFamily="18" charset="0"/>
+                <a:cs typeface="Times New Roman" panose="02020603050405020304" pitchFamily="18" charset="0"/>
+              </a:rPr>
+              <a:t>&lt;?</a:t>
+            </a:r>
+            <a:r>
+              <a:rPr lang="en-US" sz="1000">
+                <a:solidFill>
+                  <a:srgbClr val="0000FF"/>
+                </a:solidFill>
+                <a:effectLst/>
+                <a:latin typeface="Courier New" panose="02070309020205020404" pitchFamily="49" charset="0"/>
+                <a:ea typeface="Times New Roman" panose="02020603050405020304" pitchFamily="18" charset="0"/>
+                <a:cs typeface="Times New Roman" panose="02020603050405020304" pitchFamily="18" charset="0"/>
+              </a:rPr>
+              <a:t>xml</a:t>
+            </a:r>
+            <a:r>
+              <a:rPr lang="en-US" sz="1000">
+                <a:solidFill>
+                  <a:srgbClr val="000000"/>
+                </a:solidFill>
+                <a:effectLst/>
+                <a:latin typeface="Courier New" panose="02070309020205020404" pitchFamily="49" charset="0"/>
+                <a:ea typeface="Times New Roman" panose="02020603050405020304" pitchFamily="18" charset="0"/>
+                <a:cs typeface="Times New Roman" panose="02020603050405020304" pitchFamily="18" charset="0"/>
+              </a:rPr>
+              <a:t> </a:t>
+            </a:r>
+            <a:r>
+              <a:rPr lang="en-US" sz="1000">
+                <a:solidFill>
+                  <a:srgbClr val="FF0000"/>
+                </a:solidFill>
+                <a:effectLst/>
+                <a:latin typeface="Courier New" panose="02070309020205020404" pitchFamily="49" charset="0"/>
+                <a:ea typeface="Times New Roman" panose="02020603050405020304" pitchFamily="18" charset="0"/>
+                <a:cs typeface="Times New Roman" panose="02020603050405020304" pitchFamily="18" charset="0"/>
+              </a:rPr>
+              <a:t>version</a:t>
+            </a:r>
+            <a:r>
+              <a:rPr lang="en-US" sz="1000">
+                <a:solidFill>
+                  <a:srgbClr val="000000"/>
+                </a:solidFill>
+                <a:effectLst/>
+                <a:latin typeface="Courier New" panose="02070309020205020404" pitchFamily="49" charset="0"/>
+                <a:ea typeface="Times New Roman" panose="02020603050405020304" pitchFamily="18" charset="0"/>
+                <a:cs typeface="Times New Roman" panose="02020603050405020304" pitchFamily="18" charset="0"/>
+              </a:rPr>
+              <a:t>=</a:t>
+            </a:r>
+            <a:r>
+              <a:rPr lang="en-US" sz="1000" b="1">
+                <a:solidFill>
+                  <a:srgbClr val="8000FF"/>
+                </a:solidFill>
+                <a:effectLst/>
+                <a:latin typeface="Courier New" panose="02070309020205020404" pitchFamily="49" charset="0"/>
+                <a:ea typeface="Times New Roman" panose="02020603050405020304" pitchFamily="18" charset="0"/>
+                <a:cs typeface="Times New Roman" panose="02020603050405020304" pitchFamily="18" charset="0"/>
+              </a:rPr>
+              <a:t>"1.0"</a:t>
+            </a:r>
+            <a:r>
+              <a:rPr lang="en-US" sz="1000">
+                <a:solidFill>
+                  <a:srgbClr val="000000"/>
+                </a:solidFill>
+                <a:effectLst/>
+                <a:latin typeface="Courier New" panose="02070309020205020404" pitchFamily="49" charset="0"/>
+                <a:ea typeface="Times New Roman" panose="02020603050405020304" pitchFamily="18" charset="0"/>
+                <a:cs typeface="Times New Roman" panose="02020603050405020304" pitchFamily="18" charset="0"/>
+              </a:rPr>
+              <a:t> </a:t>
+            </a:r>
+            <a:r>
+              <a:rPr lang="en-US" sz="1000">
+                <a:solidFill>
+                  <a:srgbClr val="FF0000"/>
+                </a:solidFill>
+                <a:effectLst/>
+                <a:latin typeface="Courier New" panose="02070309020205020404" pitchFamily="49" charset="0"/>
+                <a:ea typeface="Times New Roman" panose="02020603050405020304" pitchFamily="18" charset="0"/>
+                <a:cs typeface="Times New Roman" panose="02020603050405020304" pitchFamily="18" charset="0"/>
+              </a:rPr>
+              <a:t>encoding</a:t>
+            </a:r>
+            <a:r>
+              <a:rPr lang="en-US" sz="1000">
+                <a:solidFill>
+                  <a:srgbClr val="000000"/>
+                </a:solidFill>
+                <a:effectLst/>
+                <a:latin typeface="Courier New" panose="02070309020205020404" pitchFamily="49" charset="0"/>
+                <a:ea typeface="Times New Roman" panose="02020603050405020304" pitchFamily="18" charset="0"/>
+                <a:cs typeface="Times New Roman" panose="02020603050405020304" pitchFamily="18" charset="0"/>
+              </a:rPr>
+              <a:t>=</a:t>
+            </a:r>
+            <a:r>
+              <a:rPr lang="en-US" sz="1000" b="1">
+                <a:solidFill>
+                  <a:srgbClr val="8000FF"/>
+                </a:solidFill>
+                <a:effectLst/>
+                <a:latin typeface="Courier New" panose="02070309020205020404" pitchFamily="49" charset="0"/>
+                <a:ea typeface="Times New Roman" panose="02020603050405020304" pitchFamily="18" charset="0"/>
+                <a:cs typeface="Times New Roman" panose="02020603050405020304" pitchFamily="18" charset="0"/>
+              </a:rPr>
+              <a:t>"UTF-8"</a:t>
+            </a:r>
+            <a:r>
+              <a:rPr lang="en-US" sz="1000">
+                <a:solidFill>
+                  <a:srgbClr val="FF0000"/>
+                </a:solidFill>
+                <a:effectLst/>
+                <a:latin typeface="Courier New" panose="02070309020205020404" pitchFamily="49" charset="0"/>
+                <a:ea typeface="Times New Roman" panose="02020603050405020304" pitchFamily="18" charset="0"/>
+                <a:cs typeface="Times New Roman" panose="02020603050405020304" pitchFamily="18" charset="0"/>
+              </a:rPr>
+              <a:t>?&gt;</a:t>
+            </a:r>
+            <a:endParaRPr lang="en-US" sz="1000">
+              <a:effectLst/>
+              <a:latin typeface="Arial" panose="020B0604020202020204" pitchFamily="34" charset="0"/>
+              <a:ea typeface="Calibri" panose="020F0502020204030204" pitchFamily="34" charset="0"/>
+              <a:cs typeface="Times New Roman" panose="02020603050405020304" pitchFamily="18" charset="0"/>
+            </a:endParaRPr>
+          </a:p>
+          <a:p>
+            <a:pPr marL="0" marR="0" algn="l">
+              <a:lnSpc>
+                <a:spcPct val="107000"/>
+              </a:lnSpc>
+              <a:spcBef>
+                <a:spcPts val="0"/>
+              </a:spcBef>
+              <a:spcAft>
+                <a:spcPts val="0"/>
+              </a:spcAft>
+            </a:pPr>
+            <a:r>
+              <a:rPr lang="en-US" sz="1000">
+                <a:solidFill>
+                  <a:srgbClr val="0000FF"/>
+                </a:solidFill>
+                <a:effectLst/>
+                <a:latin typeface="Courier New" panose="02070309020205020404" pitchFamily="49" charset="0"/>
+                <a:ea typeface="Times New Roman" panose="02020603050405020304" pitchFamily="18" charset="0"/>
+                <a:cs typeface="Times New Roman" panose="02020603050405020304" pitchFamily="18" charset="0"/>
+              </a:rPr>
+              <a:t>&lt;busRequest&gt;</a:t>
+            </a:r>
+            <a:endParaRPr lang="en-US" sz="1000">
+              <a:effectLst/>
+              <a:latin typeface="Arial" panose="020B0604020202020204" pitchFamily="34" charset="0"/>
+              <a:ea typeface="Calibri" panose="020F0502020204030204" pitchFamily="34" charset="0"/>
+              <a:cs typeface="Times New Roman" panose="02020603050405020304" pitchFamily="18" charset="0"/>
+            </a:endParaRPr>
+          </a:p>
+          <a:p>
+            <a:pPr marL="0" marR="0" algn="l">
+              <a:lnSpc>
+                <a:spcPct val="107000"/>
+              </a:lnSpc>
+              <a:spcBef>
+                <a:spcPts val="0"/>
+              </a:spcBef>
+              <a:spcAft>
+                <a:spcPts val="0"/>
+              </a:spcAft>
+            </a:pPr>
+            <a:r>
+              <a:rPr lang="en-US" sz="1000" b="1">
+                <a:solidFill>
+                  <a:srgbClr val="000000"/>
+                </a:solidFill>
+                <a:effectLst/>
+                <a:latin typeface="Courier New" panose="02070309020205020404" pitchFamily="49" charset="0"/>
+                <a:ea typeface="Times New Roman" panose="02020603050405020304" pitchFamily="18" charset="0"/>
+                <a:cs typeface="Times New Roman" panose="02020603050405020304" pitchFamily="18" charset="0"/>
+              </a:rPr>
+              <a:t>     </a:t>
+            </a:r>
+            <a:r>
+              <a:rPr lang="en-US" sz="1000">
+                <a:solidFill>
+                  <a:srgbClr val="0000FF"/>
+                </a:solidFill>
+                <a:effectLst/>
+                <a:latin typeface="Courier New" panose="02070309020205020404" pitchFamily="49" charset="0"/>
+                <a:ea typeface="Times New Roman" panose="02020603050405020304" pitchFamily="18" charset="0"/>
+                <a:cs typeface="Times New Roman" panose="02020603050405020304" pitchFamily="18" charset="0"/>
+              </a:rPr>
+              <a:t>&lt;station&gt;</a:t>
+            </a:r>
+            <a:r>
+              <a:rPr lang="en-US" sz="1000" b="1">
+                <a:solidFill>
+                  <a:srgbClr val="000000"/>
+                </a:solidFill>
+                <a:effectLst/>
+                <a:latin typeface="Courier New" panose="02070309020205020404" pitchFamily="49" charset="0"/>
+                <a:ea typeface="Times New Roman" panose="02020603050405020304" pitchFamily="18" charset="0"/>
+                <a:cs typeface="Times New Roman" panose="02020603050405020304" pitchFamily="18" charset="0"/>
+              </a:rPr>
+              <a:t>Tanah Merah Station</a:t>
+            </a:r>
+            <a:r>
+              <a:rPr lang="en-US" sz="1000">
+                <a:solidFill>
+                  <a:srgbClr val="0000FF"/>
+                </a:solidFill>
+                <a:effectLst/>
+                <a:latin typeface="Courier New" panose="02070309020205020404" pitchFamily="49" charset="0"/>
+                <a:ea typeface="Times New Roman" panose="02020603050405020304" pitchFamily="18" charset="0"/>
+                <a:cs typeface="Times New Roman" panose="02020603050405020304" pitchFamily="18" charset="0"/>
+              </a:rPr>
+              <a:t>&lt;/station&gt;</a:t>
+            </a:r>
+            <a:endParaRPr lang="en-US" sz="1000">
+              <a:effectLst/>
+              <a:latin typeface="Arial" panose="020B0604020202020204" pitchFamily="34" charset="0"/>
+              <a:ea typeface="Calibri" panose="020F0502020204030204" pitchFamily="34" charset="0"/>
+              <a:cs typeface="Times New Roman" panose="02020603050405020304" pitchFamily="18" charset="0"/>
+            </a:endParaRPr>
+          </a:p>
+          <a:p>
+            <a:pPr marL="0" marR="0" algn="l">
+              <a:lnSpc>
+                <a:spcPct val="107000"/>
+              </a:lnSpc>
+              <a:spcBef>
+                <a:spcPts val="0"/>
+              </a:spcBef>
+              <a:spcAft>
+                <a:spcPts val="0"/>
+              </a:spcAft>
+            </a:pPr>
+            <a:r>
+              <a:rPr lang="en-US" sz="1000" b="1">
+                <a:solidFill>
+                  <a:srgbClr val="000000"/>
+                </a:solidFill>
+                <a:effectLst/>
+                <a:latin typeface="Courier New" panose="02070309020205020404" pitchFamily="49" charset="0"/>
+                <a:ea typeface="Times New Roman" panose="02020603050405020304" pitchFamily="18" charset="0"/>
+                <a:cs typeface="Times New Roman" panose="02020603050405020304" pitchFamily="18" charset="0"/>
+              </a:rPr>
+              <a:t>     </a:t>
+            </a:r>
+            <a:r>
+              <a:rPr lang="en-US" sz="1000">
+                <a:solidFill>
+                  <a:srgbClr val="0000FF"/>
+                </a:solidFill>
+                <a:effectLst/>
+                <a:latin typeface="Courier New" panose="02070309020205020404" pitchFamily="49" charset="0"/>
+                <a:ea typeface="Times New Roman" panose="02020603050405020304" pitchFamily="18" charset="0"/>
+                <a:cs typeface="Times New Roman" panose="02020603050405020304" pitchFamily="18" charset="0"/>
+              </a:rPr>
+              <a:t>&lt;reason&gt;</a:t>
+            </a:r>
+            <a:r>
+              <a:rPr lang="en-US" sz="1000" b="1">
+                <a:solidFill>
+                  <a:srgbClr val="000000"/>
+                </a:solidFill>
+                <a:effectLst/>
+                <a:latin typeface="Courier New" panose="02070309020205020404" pitchFamily="49" charset="0"/>
+                <a:ea typeface="Times New Roman" panose="02020603050405020304" pitchFamily="18" charset="0"/>
+                <a:cs typeface="Times New Roman" panose="02020603050405020304" pitchFamily="18" charset="0"/>
+              </a:rPr>
+              <a:t>Train Fault</a:t>
+            </a:r>
+            <a:r>
+              <a:rPr lang="en-US" sz="1000">
+                <a:solidFill>
+                  <a:srgbClr val="0000FF"/>
+                </a:solidFill>
+                <a:effectLst/>
+                <a:latin typeface="Courier New" panose="02070309020205020404" pitchFamily="49" charset="0"/>
+                <a:ea typeface="Times New Roman" panose="02020603050405020304" pitchFamily="18" charset="0"/>
+                <a:cs typeface="Times New Roman" panose="02020603050405020304" pitchFamily="18" charset="0"/>
+              </a:rPr>
+              <a:t>&lt;/reason&gt;</a:t>
+            </a:r>
+            <a:endParaRPr lang="en-US" sz="1000">
+              <a:effectLst/>
+              <a:latin typeface="Arial" panose="020B0604020202020204" pitchFamily="34" charset="0"/>
+              <a:ea typeface="Calibri" panose="020F0502020204030204" pitchFamily="34" charset="0"/>
+              <a:cs typeface="Times New Roman" panose="02020603050405020304" pitchFamily="18" charset="0"/>
+            </a:endParaRPr>
+          </a:p>
+          <a:p>
+            <a:pPr marL="0" marR="0" algn="l">
+              <a:lnSpc>
+                <a:spcPct val="107000"/>
+              </a:lnSpc>
+              <a:spcBef>
+                <a:spcPts val="0"/>
+              </a:spcBef>
+              <a:spcAft>
+                <a:spcPts val="0"/>
+              </a:spcAft>
+            </a:pPr>
+            <a:r>
+              <a:rPr lang="en-US" sz="1000" b="1">
+                <a:solidFill>
+                  <a:srgbClr val="000000"/>
+                </a:solidFill>
+                <a:effectLst/>
+                <a:latin typeface="Courier New" panose="02070309020205020404" pitchFamily="49" charset="0"/>
+                <a:ea typeface="Times New Roman" panose="02020603050405020304" pitchFamily="18" charset="0"/>
+                <a:cs typeface="Times New Roman" panose="02020603050405020304" pitchFamily="18" charset="0"/>
+              </a:rPr>
+              <a:t>     </a:t>
+            </a:r>
+            <a:r>
+              <a:rPr lang="en-US" sz="1000">
+                <a:solidFill>
+                  <a:srgbClr val="0000FF"/>
+                </a:solidFill>
+                <a:effectLst/>
+                <a:latin typeface="Courier New" panose="02070309020205020404" pitchFamily="49" charset="0"/>
+                <a:ea typeface="Times New Roman" panose="02020603050405020304" pitchFamily="18" charset="0"/>
+                <a:cs typeface="Times New Roman" panose="02020603050405020304" pitchFamily="18" charset="0"/>
+              </a:rPr>
+              <a:t>&lt;timestamp&gt;</a:t>
+            </a:r>
+            <a:r>
+              <a:rPr lang="en-US" sz="1000" b="1">
+                <a:solidFill>
+                  <a:srgbClr val="000000"/>
+                </a:solidFill>
+                <a:effectLst/>
+                <a:latin typeface="Courier New" panose="02070309020205020404" pitchFamily="49" charset="0"/>
+                <a:ea typeface="Times New Roman" panose="02020603050405020304" pitchFamily="18" charset="0"/>
+                <a:cs typeface="Times New Roman" panose="02020603050405020304" pitchFamily="18" charset="0"/>
+              </a:rPr>
+              <a:t>2018-02-20T09:00:00</a:t>
+            </a:r>
+            <a:r>
+              <a:rPr lang="en-US" sz="1000">
+                <a:solidFill>
+                  <a:srgbClr val="0000FF"/>
+                </a:solidFill>
+                <a:effectLst/>
+                <a:latin typeface="Courier New" panose="02070309020205020404" pitchFamily="49" charset="0"/>
+                <a:ea typeface="Times New Roman" panose="02020603050405020304" pitchFamily="18" charset="0"/>
+                <a:cs typeface="Times New Roman" panose="02020603050405020304" pitchFamily="18" charset="0"/>
+              </a:rPr>
+              <a:t>&lt;/timestamp&gt;</a:t>
+            </a:r>
+            <a:endParaRPr lang="en-US" sz="1000">
+              <a:effectLst/>
+              <a:latin typeface="Arial" panose="020B0604020202020204" pitchFamily="34" charset="0"/>
+              <a:ea typeface="Calibri" panose="020F0502020204030204" pitchFamily="34" charset="0"/>
+              <a:cs typeface="Times New Roman" panose="02020603050405020304" pitchFamily="18" charset="0"/>
+            </a:endParaRPr>
+          </a:p>
+          <a:p>
+            <a:pPr marL="0" marR="0" algn="l">
+              <a:lnSpc>
+                <a:spcPct val="107000"/>
+              </a:lnSpc>
+              <a:spcBef>
+                <a:spcPts val="0"/>
+              </a:spcBef>
+              <a:spcAft>
+                <a:spcPts val="0"/>
+              </a:spcAft>
+            </a:pPr>
+            <a:r>
+              <a:rPr lang="en-US" sz="1000" b="1">
+                <a:solidFill>
+                  <a:srgbClr val="000000"/>
+                </a:solidFill>
+                <a:effectLst/>
+                <a:latin typeface="Courier New" panose="02070309020205020404" pitchFamily="49" charset="0"/>
+                <a:ea typeface="Times New Roman" panose="02020603050405020304" pitchFamily="18" charset="0"/>
+                <a:cs typeface="Times New Roman" panose="02020603050405020304" pitchFamily="18" charset="0"/>
+              </a:rPr>
+              <a:t>     </a:t>
+            </a:r>
+            <a:r>
+              <a:rPr lang="en-US" sz="1000">
+                <a:solidFill>
+                  <a:srgbClr val="0000FF"/>
+                </a:solidFill>
+                <a:effectLst/>
+                <a:latin typeface="Courier New" panose="02070309020205020404" pitchFamily="49" charset="0"/>
+                <a:ea typeface="Times New Roman" panose="02020603050405020304" pitchFamily="18" charset="0"/>
+                <a:cs typeface="Times New Roman" panose="02020603050405020304" pitchFamily="18" charset="0"/>
+              </a:rPr>
+              <a:t>&lt;coords&gt;</a:t>
+            </a:r>
+            <a:endParaRPr lang="en-US" sz="1000">
+              <a:effectLst/>
+              <a:latin typeface="Arial" panose="020B0604020202020204" pitchFamily="34" charset="0"/>
+              <a:ea typeface="Calibri" panose="020F0502020204030204" pitchFamily="34" charset="0"/>
+              <a:cs typeface="Times New Roman" panose="02020603050405020304" pitchFamily="18" charset="0"/>
+            </a:endParaRPr>
+          </a:p>
+          <a:p>
+            <a:pPr marL="0" marR="0" algn="l">
+              <a:lnSpc>
+                <a:spcPct val="107000"/>
+              </a:lnSpc>
+              <a:spcBef>
+                <a:spcPts val="0"/>
+              </a:spcBef>
+              <a:spcAft>
+                <a:spcPts val="0"/>
+              </a:spcAft>
+            </a:pPr>
+            <a:r>
+              <a:rPr lang="en-US" sz="1000" b="1">
+                <a:solidFill>
+                  <a:srgbClr val="000000"/>
+                </a:solidFill>
+                <a:effectLst/>
+                <a:latin typeface="Courier New" panose="02070309020205020404" pitchFamily="49" charset="0"/>
+                <a:ea typeface="Times New Roman" panose="02020603050405020304" pitchFamily="18" charset="0"/>
+                <a:cs typeface="Times New Roman" panose="02020603050405020304" pitchFamily="18" charset="0"/>
+              </a:rPr>
+              <a:t>        </a:t>
+            </a:r>
+            <a:r>
+              <a:rPr lang="en-US" sz="1000">
+                <a:solidFill>
+                  <a:srgbClr val="0000FF"/>
+                </a:solidFill>
+                <a:effectLst/>
+                <a:latin typeface="Courier New" panose="02070309020205020404" pitchFamily="49" charset="0"/>
+                <a:ea typeface="Times New Roman" panose="02020603050405020304" pitchFamily="18" charset="0"/>
+                <a:cs typeface="Times New Roman" panose="02020603050405020304" pitchFamily="18" charset="0"/>
+              </a:rPr>
+              <a:t>&lt;lat&gt;</a:t>
+            </a:r>
+            <a:r>
+              <a:rPr lang="en-US" sz="1000" b="1">
+                <a:solidFill>
+                  <a:srgbClr val="000000"/>
+                </a:solidFill>
+                <a:effectLst/>
+                <a:latin typeface="Courier New" panose="02070309020205020404" pitchFamily="49" charset="0"/>
+                <a:ea typeface="Times New Roman" panose="02020603050405020304" pitchFamily="18" charset="0"/>
+                <a:cs typeface="Times New Roman" panose="02020603050405020304" pitchFamily="18" charset="0"/>
+              </a:rPr>
+              <a:t>1.3272383</a:t>
+            </a:r>
+            <a:r>
+              <a:rPr lang="en-US" sz="1000">
+                <a:solidFill>
+                  <a:srgbClr val="0000FF"/>
+                </a:solidFill>
+                <a:effectLst/>
+                <a:latin typeface="Courier New" panose="02070309020205020404" pitchFamily="49" charset="0"/>
+                <a:ea typeface="Times New Roman" panose="02020603050405020304" pitchFamily="18" charset="0"/>
+                <a:cs typeface="Times New Roman" panose="02020603050405020304" pitchFamily="18" charset="0"/>
+              </a:rPr>
+              <a:t>&lt;/lat&gt;</a:t>
+            </a:r>
+            <a:endParaRPr lang="en-US" sz="1000">
+              <a:effectLst/>
+              <a:latin typeface="Arial" panose="020B0604020202020204" pitchFamily="34" charset="0"/>
+              <a:ea typeface="Calibri" panose="020F0502020204030204" pitchFamily="34" charset="0"/>
+              <a:cs typeface="Times New Roman" panose="02020603050405020304" pitchFamily="18" charset="0"/>
+            </a:endParaRPr>
+          </a:p>
+          <a:p>
+            <a:pPr marL="0" marR="0" algn="l">
+              <a:lnSpc>
+                <a:spcPct val="107000"/>
+              </a:lnSpc>
+              <a:spcBef>
+                <a:spcPts val="0"/>
+              </a:spcBef>
+              <a:spcAft>
+                <a:spcPts val="0"/>
+              </a:spcAft>
+            </a:pPr>
+            <a:r>
+              <a:rPr lang="en-US" sz="1000" b="1">
+                <a:solidFill>
+                  <a:srgbClr val="000000"/>
+                </a:solidFill>
+                <a:effectLst/>
+                <a:latin typeface="Courier New" panose="02070309020205020404" pitchFamily="49" charset="0"/>
+                <a:ea typeface="Times New Roman" panose="02020603050405020304" pitchFamily="18" charset="0"/>
+                <a:cs typeface="Times New Roman" panose="02020603050405020304" pitchFamily="18" charset="0"/>
+              </a:rPr>
+              <a:t>        </a:t>
+            </a:r>
+            <a:r>
+              <a:rPr lang="en-US" sz="1000">
+                <a:solidFill>
+                  <a:srgbClr val="0000FF"/>
+                </a:solidFill>
+                <a:effectLst/>
+                <a:latin typeface="Courier New" panose="02070309020205020404" pitchFamily="49" charset="0"/>
+                <a:ea typeface="Times New Roman" panose="02020603050405020304" pitchFamily="18" charset="0"/>
+                <a:cs typeface="Times New Roman" panose="02020603050405020304" pitchFamily="18" charset="0"/>
+              </a:rPr>
+              <a:t>&lt;long&gt;</a:t>
+            </a:r>
+            <a:r>
+              <a:rPr lang="en-US" sz="1000" b="1">
+                <a:solidFill>
+                  <a:srgbClr val="000000"/>
+                </a:solidFill>
+                <a:effectLst/>
+                <a:latin typeface="Courier New" panose="02070309020205020404" pitchFamily="49" charset="0"/>
+                <a:ea typeface="Times New Roman" panose="02020603050405020304" pitchFamily="18" charset="0"/>
+                <a:cs typeface="Times New Roman" panose="02020603050405020304" pitchFamily="18" charset="0"/>
+              </a:rPr>
+              <a:t>103.9443528</a:t>
+            </a:r>
+            <a:r>
+              <a:rPr lang="en-US" sz="1000">
+                <a:solidFill>
+                  <a:srgbClr val="0000FF"/>
+                </a:solidFill>
+                <a:effectLst/>
+                <a:latin typeface="Courier New" panose="02070309020205020404" pitchFamily="49" charset="0"/>
+                <a:ea typeface="Times New Roman" panose="02020603050405020304" pitchFamily="18" charset="0"/>
+                <a:cs typeface="Times New Roman" panose="02020603050405020304" pitchFamily="18" charset="0"/>
+              </a:rPr>
+              <a:t>&lt;/long&gt;</a:t>
+            </a:r>
+            <a:r>
+              <a:rPr lang="en-US" sz="1000" b="1">
+                <a:solidFill>
+                  <a:srgbClr val="000000"/>
+                </a:solidFill>
+                <a:effectLst/>
+                <a:latin typeface="Courier New" panose="02070309020205020404" pitchFamily="49" charset="0"/>
+                <a:ea typeface="Times New Roman" panose="02020603050405020304" pitchFamily="18" charset="0"/>
+                <a:cs typeface="Times New Roman" panose="02020603050405020304" pitchFamily="18" charset="0"/>
+              </a:rPr>
+              <a:t>     </a:t>
+            </a:r>
+            <a:endParaRPr lang="en-US" sz="1000">
+              <a:effectLst/>
+              <a:latin typeface="Arial" panose="020B0604020202020204" pitchFamily="34" charset="0"/>
+              <a:ea typeface="Calibri" panose="020F0502020204030204" pitchFamily="34" charset="0"/>
+              <a:cs typeface="Times New Roman" panose="02020603050405020304" pitchFamily="18" charset="0"/>
+            </a:endParaRPr>
+          </a:p>
+          <a:p>
+            <a:pPr marL="0" marR="0" algn="l">
+              <a:lnSpc>
+                <a:spcPct val="107000"/>
+              </a:lnSpc>
+              <a:spcBef>
+                <a:spcPts val="0"/>
+              </a:spcBef>
+              <a:spcAft>
+                <a:spcPts val="0"/>
+              </a:spcAft>
+            </a:pPr>
+            <a:r>
+              <a:rPr lang="en-US" sz="1000" b="1">
+                <a:solidFill>
+                  <a:srgbClr val="000000"/>
+                </a:solidFill>
+                <a:effectLst/>
+                <a:latin typeface="Courier New" panose="02070309020205020404" pitchFamily="49" charset="0"/>
+                <a:ea typeface="Times New Roman" panose="02020603050405020304" pitchFamily="18" charset="0"/>
+                <a:cs typeface="Times New Roman" panose="02020603050405020304" pitchFamily="18" charset="0"/>
+              </a:rPr>
+              <a:t>     </a:t>
+            </a:r>
+            <a:r>
+              <a:rPr lang="en-US" sz="1000">
+                <a:solidFill>
+                  <a:srgbClr val="0000FF"/>
+                </a:solidFill>
+                <a:effectLst/>
+                <a:latin typeface="Courier New" panose="02070309020205020404" pitchFamily="49" charset="0"/>
+                <a:ea typeface="Times New Roman" panose="02020603050405020304" pitchFamily="18" charset="0"/>
+                <a:cs typeface="Times New Roman" panose="02020603050405020304" pitchFamily="18" charset="0"/>
+              </a:rPr>
+              <a:t>&lt;/coords&gt;</a:t>
+            </a:r>
+            <a:r>
+              <a:rPr lang="en-US" sz="1000" b="1">
+                <a:solidFill>
+                  <a:srgbClr val="000000"/>
+                </a:solidFill>
+                <a:effectLst/>
+                <a:latin typeface="Courier New" panose="02070309020205020404" pitchFamily="49" charset="0"/>
+                <a:ea typeface="Times New Roman" panose="02020603050405020304" pitchFamily="18" charset="0"/>
+                <a:cs typeface="Times New Roman" panose="02020603050405020304" pitchFamily="18" charset="0"/>
+              </a:rPr>
+              <a:t> </a:t>
+            </a:r>
+            <a:endParaRPr lang="en-US" sz="1000">
+              <a:effectLst/>
+              <a:latin typeface="Arial" panose="020B0604020202020204" pitchFamily="34" charset="0"/>
+              <a:ea typeface="Calibri" panose="020F0502020204030204" pitchFamily="34" charset="0"/>
+              <a:cs typeface="Times New Roman" panose="02020603050405020304" pitchFamily="18" charset="0"/>
+            </a:endParaRPr>
+          </a:p>
+          <a:p>
+            <a:pPr marL="0" marR="0" algn="l">
+              <a:lnSpc>
+                <a:spcPct val="107000"/>
+              </a:lnSpc>
+              <a:spcBef>
+                <a:spcPts val="0"/>
+              </a:spcBef>
+              <a:spcAft>
+                <a:spcPts val="0"/>
+              </a:spcAft>
+            </a:pPr>
+            <a:r>
+              <a:rPr lang="en-US" sz="1000">
+                <a:solidFill>
+                  <a:srgbClr val="0000FF"/>
+                </a:solidFill>
+                <a:effectLst/>
+                <a:latin typeface="Courier New" panose="02070309020205020404" pitchFamily="49" charset="0"/>
+                <a:ea typeface="Times New Roman" panose="02020603050405020304" pitchFamily="18" charset="0"/>
+                <a:cs typeface="Times New Roman" panose="02020603050405020304" pitchFamily="18" charset="0"/>
+              </a:rPr>
+              <a:t>&lt;/busRequest&gt;</a:t>
+            </a:r>
+            <a:endParaRPr lang="en-US" sz="1000">
+              <a:effectLst/>
+              <a:latin typeface="Arial" panose="020B0604020202020204" pitchFamily="34" charset="0"/>
+              <a:ea typeface="Calibri" panose="020F0502020204030204" pitchFamily="34" charset="0"/>
+              <a:cs typeface="Times New Roman" panose="02020603050405020304" pitchFamily="18" charset="0"/>
+            </a:endParaRPr>
+          </a:p>
+          <a:p>
+            <a:pPr marL="0" marR="0" algn="just">
+              <a:lnSpc>
+                <a:spcPct val="107000"/>
+              </a:lnSpc>
+              <a:spcBef>
+                <a:spcPts val="0"/>
+              </a:spcBef>
+              <a:spcAft>
+                <a:spcPts val="800"/>
+              </a:spcAft>
+            </a:pPr>
+            <a:r>
+              <a:rPr lang="en-GB" sz="1000">
+                <a:effectLst/>
+                <a:latin typeface="Arial" panose="020B0604020202020204" pitchFamily="34" charset="0"/>
+                <a:ea typeface="Calibri" panose="020F0502020204030204" pitchFamily="34" charset="0"/>
+                <a:cs typeface="Times New Roman" panose="02020603050405020304" pitchFamily="18" charset="0"/>
+              </a:rPr>
+              <a:t> </a:t>
+            </a:r>
+            <a:endParaRPr lang="en-US" sz="1000">
+              <a:effectLst/>
+              <a:latin typeface="Arial" panose="020B0604020202020204" pitchFamily="34" charset="0"/>
+              <a:ea typeface="Calibri" panose="020F0502020204030204" pitchFamily="34" charset="0"/>
+              <a:cs typeface="Times New Roman" panose="02020603050405020304" pitchFamily="18" charset="0"/>
+            </a:endParaRPr>
+          </a:p>
+        </p:txBody>
+      </p:sp>
+      <p:pic>
+        <p:nvPicPr>
+          <p:cNvPr id="12" name="Picture 11">
+            <a:extLst>
+              <a:ext uri="{FF2B5EF4-FFF2-40B4-BE49-F238E27FC236}">
+                <a16:creationId xmlns:a16="http://schemas.microsoft.com/office/drawing/2014/main" id="{9EB3F8CA-A722-4976-A15D-221B9C25224E}"/>
+              </a:ext>
+            </a:extLst>
+          </p:cNvPr>
+          <p:cNvPicPr/>
+          <p:nvPr/>
+        </p:nvPicPr>
+        <p:blipFill rotWithShape="1">
+          <a:blip r:embed="rId3"/>
+          <a:srcRect l="9308" t="9627" r="63416" b="70327"/>
+          <a:stretch/>
+        </p:blipFill>
+        <p:spPr bwMode="auto">
+          <a:xfrm>
+            <a:off x="838200" y="3903027"/>
+            <a:ext cx="4410075" cy="2089785"/>
+          </a:xfrm>
+          <a:prstGeom prst="rect">
+            <a:avLst/>
+          </a:prstGeom>
+          <a:ln>
+            <a:noFill/>
+          </a:ln>
+          <a:extLst>
+            <a:ext uri="{53640926-AAD7-44D8-BBD7-CCE9431645EC}">
+              <a14:shadowObscured xmlns:a14="http://schemas.microsoft.com/office/drawing/2010/main"/>
+            </a:ext>
+          </a:extLst>
+        </p:spPr>
+      </p:pic>
+      <p:sp>
+        <p:nvSpPr>
+          <p:cNvPr id="13" name="TextBox 12">
+            <a:extLst>
+              <a:ext uri="{FF2B5EF4-FFF2-40B4-BE49-F238E27FC236}">
+                <a16:creationId xmlns:a16="http://schemas.microsoft.com/office/drawing/2014/main" id="{195F7C3C-093E-45EB-909E-489CE6FFC402}"/>
+              </a:ext>
+            </a:extLst>
+          </p:cNvPr>
+          <p:cNvSpPr txBox="1"/>
+          <p:nvPr/>
+        </p:nvSpPr>
+        <p:spPr>
+          <a:xfrm>
+            <a:off x="1866374" y="6012583"/>
+            <a:ext cx="1310102" cy="369332"/>
+          </a:xfrm>
+          <a:prstGeom prst="rect">
+            <a:avLst/>
+          </a:prstGeom>
+          <a:noFill/>
+        </p:spPr>
+        <p:txBody>
+          <a:bodyPr wrap="none" rtlCol="0">
+            <a:spAutoFit/>
+          </a:bodyPr>
+          <a:lstStyle/>
+          <a:p>
+            <a:r>
+              <a:rPr lang="en-US" dirty="0"/>
+              <a:t>weather.xsd</a:t>
+            </a:r>
+          </a:p>
+        </p:txBody>
+      </p:sp>
+      <p:sp>
+        <p:nvSpPr>
+          <p:cNvPr id="14" name="Text Box 2">
+            <a:extLst>
+              <a:ext uri="{FF2B5EF4-FFF2-40B4-BE49-F238E27FC236}">
+                <a16:creationId xmlns:a16="http://schemas.microsoft.com/office/drawing/2014/main" id="{6109AFCB-0F14-4A8D-A5EB-0AABBB587842}"/>
+              </a:ext>
+            </a:extLst>
+          </p:cNvPr>
+          <p:cNvSpPr txBox="1">
+            <a:spLocks noChangeArrowheads="1"/>
+          </p:cNvSpPr>
+          <p:nvPr/>
+        </p:nvSpPr>
+        <p:spPr bwMode="auto">
+          <a:xfrm>
+            <a:off x="5360352" y="4144645"/>
+            <a:ext cx="4982528" cy="1737360"/>
+          </a:xfrm>
+          <a:prstGeom prst="rect">
+            <a:avLst/>
+          </a:prstGeom>
+          <a:solidFill>
+            <a:srgbClr val="FFFFFF"/>
+          </a:solidFill>
+          <a:ln w="9525">
+            <a:solidFill>
+              <a:srgbClr val="000000"/>
+            </a:solidFill>
+            <a:miter lim="800000"/>
+            <a:headEnd/>
+            <a:tailEnd/>
+          </a:ln>
+        </p:spPr>
+        <p:txBody>
+          <a:bodyPr rot="0" vert="horz" wrap="square" lIns="91440" tIns="45720" rIns="91440" bIns="45720" anchor="t" anchorCtr="0">
+            <a:spAutoFit/>
+          </a:bodyPr>
+          <a:lstStyle/>
+          <a:p>
+            <a:pPr marL="0" marR="0" algn="l">
+              <a:lnSpc>
+                <a:spcPct val="107000"/>
+              </a:lnSpc>
+              <a:spcBef>
+                <a:spcPts val="0"/>
+              </a:spcBef>
+              <a:spcAft>
+                <a:spcPts val="0"/>
+              </a:spcAft>
+            </a:pPr>
+            <a:r>
+              <a:rPr lang="en-US" sz="900">
+                <a:solidFill>
+                  <a:srgbClr val="0000FF"/>
+                </a:solidFill>
+                <a:effectLst/>
+                <a:latin typeface="Courier New" panose="02070309020205020404" pitchFamily="49" charset="0"/>
+                <a:ea typeface="Times New Roman" panose="02020603050405020304" pitchFamily="18" charset="0"/>
+                <a:cs typeface="Times New Roman" panose="02020603050405020304" pitchFamily="18" charset="0"/>
+              </a:rPr>
+              <a:t>&lt;channel&gt;</a:t>
+            </a:r>
+            <a:endParaRPr lang="en-US" sz="1000">
+              <a:effectLst/>
+              <a:latin typeface="Arial" panose="020B0604020202020204" pitchFamily="34" charset="0"/>
+              <a:ea typeface="Calibri" panose="020F0502020204030204" pitchFamily="34" charset="0"/>
+              <a:cs typeface="Times New Roman" panose="02020603050405020304" pitchFamily="18" charset="0"/>
+            </a:endParaRPr>
+          </a:p>
+          <a:p>
+            <a:pPr marL="0" marR="0" algn="l">
+              <a:lnSpc>
+                <a:spcPct val="107000"/>
+              </a:lnSpc>
+              <a:spcBef>
+                <a:spcPts val="0"/>
+              </a:spcBef>
+              <a:spcAft>
+                <a:spcPts val="0"/>
+              </a:spcAft>
+            </a:pPr>
+            <a:r>
+              <a:rPr lang="en-US" sz="900" b="1">
+                <a:solidFill>
+                  <a:srgbClr val="000000"/>
+                </a:solidFill>
+                <a:effectLst/>
+                <a:latin typeface="Courier New" panose="02070309020205020404" pitchFamily="49" charset="0"/>
+                <a:ea typeface="Times New Roman" panose="02020603050405020304" pitchFamily="18" charset="0"/>
+                <a:cs typeface="Times New Roman" panose="02020603050405020304" pitchFamily="18" charset="0"/>
+              </a:rPr>
+              <a:t>    </a:t>
+            </a:r>
+            <a:r>
+              <a:rPr lang="en-US" sz="900">
+                <a:solidFill>
+                  <a:srgbClr val="0000FF"/>
+                </a:solidFill>
+                <a:effectLst/>
+                <a:latin typeface="Courier New" panose="02070309020205020404" pitchFamily="49" charset="0"/>
+                <a:ea typeface="Times New Roman" panose="02020603050405020304" pitchFamily="18" charset="0"/>
+                <a:cs typeface="Times New Roman" panose="02020603050405020304" pitchFamily="18" charset="0"/>
+              </a:rPr>
+              <a:t>&lt;title&gt;</a:t>
+            </a:r>
+            <a:r>
+              <a:rPr lang="en-US" sz="900" b="1">
+                <a:solidFill>
+                  <a:srgbClr val="000000"/>
+                </a:solidFill>
+                <a:effectLst/>
+                <a:latin typeface="Courier New" panose="02070309020205020404" pitchFamily="49" charset="0"/>
+                <a:ea typeface="Times New Roman" panose="02020603050405020304" pitchFamily="18" charset="0"/>
+                <a:cs typeface="Times New Roman" panose="02020603050405020304" pitchFamily="18" charset="0"/>
+              </a:rPr>
+              <a:t>Heavy Rain Warning</a:t>
+            </a:r>
+            <a:r>
+              <a:rPr lang="en-US" sz="900">
+                <a:solidFill>
+                  <a:srgbClr val="0000FF"/>
+                </a:solidFill>
+                <a:effectLst/>
+                <a:latin typeface="Courier New" panose="02070309020205020404" pitchFamily="49" charset="0"/>
+                <a:ea typeface="Times New Roman" panose="02020603050405020304" pitchFamily="18" charset="0"/>
+                <a:cs typeface="Times New Roman" panose="02020603050405020304" pitchFamily="18" charset="0"/>
+              </a:rPr>
+              <a:t>&lt;/title&gt;</a:t>
+            </a:r>
+            <a:endParaRPr lang="en-US" sz="1000">
+              <a:effectLst/>
+              <a:latin typeface="Arial" panose="020B0604020202020204" pitchFamily="34" charset="0"/>
+              <a:ea typeface="Calibri" panose="020F0502020204030204" pitchFamily="34" charset="0"/>
+              <a:cs typeface="Times New Roman" panose="02020603050405020304" pitchFamily="18" charset="0"/>
+            </a:endParaRPr>
+          </a:p>
+          <a:p>
+            <a:pPr marL="0" marR="0" algn="l">
+              <a:lnSpc>
+                <a:spcPct val="107000"/>
+              </a:lnSpc>
+              <a:spcBef>
+                <a:spcPts val="0"/>
+              </a:spcBef>
+              <a:spcAft>
+                <a:spcPts val="0"/>
+              </a:spcAft>
+            </a:pPr>
+            <a:r>
+              <a:rPr lang="en-US" sz="900" b="1">
+                <a:solidFill>
+                  <a:srgbClr val="000000"/>
+                </a:solidFill>
+                <a:effectLst/>
+                <a:latin typeface="Courier New" panose="02070309020205020404" pitchFamily="49" charset="0"/>
+                <a:ea typeface="Times New Roman" panose="02020603050405020304" pitchFamily="18" charset="0"/>
+                <a:cs typeface="Times New Roman" panose="02020603050405020304" pitchFamily="18" charset="0"/>
+              </a:rPr>
+              <a:t>    </a:t>
+            </a:r>
+            <a:r>
+              <a:rPr lang="en-US" sz="900">
+                <a:solidFill>
+                  <a:srgbClr val="0000FF"/>
+                </a:solidFill>
+                <a:effectLst/>
+                <a:latin typeface="Courier New" panose="02070309020205020404" pitchFamily="49" charset="0"/>
+                <a:ea typeface="Times New Roman" panose="02020603050405020304" pitchFamily="18" charset="0"/>
+                <a:cs typeface="Times New Roman" panose="02020603050405020304" pitchFamily="18" charset="0"/>
+              </a:rPr>
+              <a:t>&lt;source&gt;</a:t>
+            </a:r>
+            <a:r>
+              <a:rPr lang="en-US" sz="900" b="1">
+                <a:solidFill>
+                  <a:srgbClr val="000000"/>
+                </a:solidFill>
+                <a:effectLst/>
+                <a:latin typeface="Courier New" panose="02070309020205020404" pitchFamily="49" charset="0"/>
+                <a:ea typeface="Times New Roman" panose="02020603050405020304" pitchFamily="18" charset="0"/>
+                <a:cs typeface="Times New Roman" panose="02020603050405020304" pitchFamily="18" charset="0"/>
+              </a:rPr>
+              <a:t>Meteorological Service Singapore </a:t>
+            </a:r>
+            <a:r>
+              <a:rPr lang="en-US" sz="900">
+                <a:solidFill>
+                  <a:srgbClr val="0000FF"/>
+                </a:solidFill>
+                <a:effectLst/>
+                <a:latin typeface="Courier New" panose="02070309020205020404" pitchFamily="49" charset="0"/>
+                <a:ea typeface="Times New Roman" panose="02020603050405020304" pitchFamily="18" charset="0"/>
+                <a:cs typeface="Times New Roman" panose="02020603050405020304" pitchFamily="18" charset="0"/>
+              </a:rPr>
+              <a:t>&lt;/source&gt;</a:t>
+            </a:r>
+            <a:endParaRPr lang="en-US" sz="1000">
+              <a:effectLst/>
+              <a:latin typeface="Arial" panose="020B0604020202020204" pitchFamily="34" charset="0"/>
+              <a:ea typeface="Calibri" panose="020F0502020204030204" pitchFamily="34" charset="0"/>
+              <a:cs typeface="Times New Roman" panose="02020603050405020304" pitchFamily="18" charset="0"/>
+            </a:endParaRPr>
+          </a:p>
+          <a:p>
+            <a:pPr marL="0" marR="0" algn="l">
+              <a:lnSpc>
+                <a:spcPct val="107000"/>
+              </a:lnSpc>
+              <a:spcBef>
+                <a:spcPts val="0"/>
+              </a:spcBef>
+              <a:spcAft>
+                <a:spcPts val="0"/>
+              </a:spcAft>
+            </a:pPr>
+            <a:r>
+              <a:rPr lang="en-US" sz="900" b="1">
+                <a:solidFill>
+                  <a:srgbClr val="000000"/>
+                </a:solidFill>
+                <a:effectLst/>
+                <a:latin typeface="Courier New" panose="02070309020205020404" pitchFamily="49" charset="0"/>
+                <a:ea typeface="Times New Roman" panose="02020603050405020304" pitchFamily="18" charset="0"/>
+                <a:cs typeface="Times New Roman" panose="02020603050405020304" pitchFamily="18" charset="0"/>
+              </a:rPr>
+              <a:t>    </a:t>
+            </a:r>
+            <a:r>
+              <a:rPr lang="en-US" sz="900">
+                <a:solidFill>
+                  <a:srgbClr val="0000FF"/>
+                </a:solidFill>
+                <a:effectLst/>
+                <a:latin typeface="Courier New" panose="02070309020205020404" pitchFamily="49" charset="0"/>
+                <a:ea typeface="Times New Roman" panose="02020603050405020304" pitchFamily="18" charset="0"/>
+                <a:cs typeface="Times New Roman" panose="02020603050405020304" pitchFamily="18" charset="0"/>
+              </a:rPr>
+              <a:t>&lt;item&gt;</a:t>
+            </a:r>
+            <a:endParaRPr lang="en-US" sz="1000">
+              <a:effectLst/>
+              <a:latin typeface="Arial" panose="020B0604020202020204" pitchFamily="34" charset="0"/>
+              <a:ea typeface="Calibri" panose="020F0502020204030204" pitchFamily="34" charset="0"/>
+              <a:cs typeface="Times New Roman" panose="02020603050405020304" pitchFamily="18" charset="0"/>
+            </a:endParaRPr>
+          </a:p>
+          <a:p>
+            <a:pPr marL="0" marR="0" algn="l">
+              <a:lnSpc>
+                <a:spcPct val="107000"/>
+              </a:lnSpc>
+              <a:spcBef>
+                <a:spcPts val="0"/>
+              </a:spcBef>
+              <a:spcAft>
+                <a:spcPts val="0"/>
+              </a:spcAft>
+            </a:pPr>
+            <a:r>
+              <a:rPr lang="en-US" sz="900" b="1">
+                <a:solidFill>
+                  <a:srgbClr val="000000"/>
+                </a:solidFill>
+                <a:effectLst/>
+                <a:latin typeface="Courier New" panose="02070309020205020404" pitchFamily="49" charset="0"/>
+                <a:ea typeface="Times New Roman" panose="02020603050405020304" pitchFamily="18" charset="0"/>
+                <a:cs typeface="Times New Roman" panose="02020603050405020304" pitchFamily="18" charset="0"/>
+              </a:rPr>
+              <a:t>        </a:t>
+            </a:r>
+            <a:r>
+              <a:rPr lang="en-US" sz="900">
+                <a:solidFill>
+                  <a:srgbClr val="0000FF"/>
+                </a:solidFill>
+                <a:effectLst/>
+                <a:latin typeface="Courier New" panose="02070309020205020404" pitchFamily="49" charset="0"/>
+                <a:ea typeface="Times New Roman" panose="02020603050405020304" pitchFamily="18" charset="0"/>
+                <a:cs typeface="Times New Roman" panose="02020603050405020304" pitchFamily="18" charset="0"/>
+              </a:rPr>
+              <a:t>&lt;title&gt;</a:t>
+            </a:r>
+            <a:r>
+              <a:rPr lang="en-US" sz="900" b="1">
+                <a:solidFill>
+                  <a:srgbClr val="000000"/>
+                </a:solidFill>
+                <a:effectLst/>
+                <a:latin typeface="Courier New" panose="02070309020205020404" pitchFamily="49" charset="0"/>
+                <a:ea typeface="Times New Roman" panose="02020603050405020304" pitchFamily="18" charset="0"/>
+                <a:cs typeface="Times New Roman" panose="02020603050405020304" pitchFamily="18" charset="0"/>
+              </a:rPr>
+              <a:t>HEAVY RAIN WARNING</a:t>
+            </a:r>
+            <a:r>
+              <a:rPr lang="en-US" sz="900">
+                <a:solidFill>
+                  <a:srgbClr val="0000FF"/>
+                </a:solidFill>
+                <a:effectLst/>
+                <a:latin typeface="Courier New" panose="02070309020205020404" pitchFamily="49" charset="0"/>
+                <a:ea typeface="Times New Roman" panose="02020603050405020304" pitchFamily="18" charset="0"/>
+                <a:cs typeface="Times New Roman" panose="02020603050405020304" pitchFamily="18" charset="0"/>
+              </a:rPr>
+              <a:t>&lt;/title&gt;</a:t>
+            </a:r>
+            <a:endParaRPr lang="en-US" sz="1000">
+              <a:effectLst/>
+              <a:latin typeface="Arial" panose="020B0604020202020204" pitchFamily="34" charset="0"/>
+              <a:ea typeface="Calibri" panose="020F0502020204030204" pitchFamily="34" charset="0"/>
+              <a:cs typeface="Times New Roman" panose="02020603050405020304" pitchFamily="18" charset="0"/>
+            </a:endParaRPr>
+          </a:p>
+          <a:p>
+            <a:pPr marL="0" marR="0" algn="l">
+              <a:lnSpc>
+                <a:spcPct val="107000"/>
+              </a:lnSpc>
+              <a:spcBef>
+                <a:spcPts val="0"/>
+              </a:spcBef>
+              <a:spcAft>
+                <a:spcPts val="0"/>
+              </a:spcAft>
+            </a:pPr>
+            <a:r>
+              <a:rPr lang="en-US" sz="900" b="1">
+                <a:solidFill>
+                  <a:srgbClr val="000000"/>
+                </a:solidFill>
+                <a:effectLst/>
+                <a:latin typeface="Courier New" panose="02070309020205020404" pitchFamily="49" charset="0"/>
+                <a:ea typeface="Times New Roman" panose="02020603050405020304" pitchFamily="18" charset="0"/>
+                <a:cs typeface="Times New Roman" panose="02020603050405020304" pitchFamily="18" charset="0"/>
+              </a:rPr>
+              <a:t>        </a:t>
+            </a:r>
+            <a:r>
+              <a:rPr lang="en-US" sz="900">
+                <a:solidFill>
+                  <a:srgbClr val="0000FF"/>
+                </a:solidFill>
+                <a:effectLst/>
+                <a:latin typeface="Courier New" panose="02070309020205020404" pitchFamily="49" charset="0"/>
+                <a:ea typeface="Times New Roman" panose="02020603050405020304" pitchFamily="18" charset="0"/>
+                <a:cs typeface="Times New Roman" panose="02020603050405020304" pitchFamily="18" charset="0"/>
+              </a:rPr>
+              <a:t>&lt;issue_datentime&gt;</a:t>
+            </a:r>
+            <a:r>
+              <a:rPr lang="en-US" sz="900" b="1">
+                <a:solidFill>
+                  <a:srgbClr val="000000"/>
+                </a:solidFill>
+                <a:effectLst/>
+                <a:latin typeface="Courier New" panose="02070309020205020404" pitchFamily="49" charset="0"/>
+                <a:ea typeface="Times New Roman" panose="02020603050405020304" pitchFamily="18" charset="0"/>
+                <a:cs typeface="Times New Roman" panose="02020603050405020304" pitchFamily="18" charset="0"/>
+              </a:rPr>
+              <a:t>-</a:t>
+            </a:r>
+            <a:r>
+              <a:rPr lang="en-US" sz="900">
+                <a:solidFill>
+                  <a:srgbClr val="0000FF"/>
+                </a:solidFill>
+                <a:effectLst/>
+                <a:latin typeface="Courier New" panose="02070309020205020404" pitchFamily="49" charset="0"/>
+                <a:ea typeface="Times New Roman" panose="02020603050405020304" pitchFamily="18" charset="0"/>
+                <a:cs typeface="Times New Roman" panose="02020603050405020304" pitchFamily="18" charset="0"/>
+              </a:rPr>
+              <a:t>&lt;/issue_datentime&gt;</a:t>
+            </a:r>
+            <a:endParaRPr lang="en-US" sz="1000">
+              <a:effectLst/>
+              <a:latin typeface="Arial" panose="020B0604020202020204" pitchFamily="34" charset="0"/>
+              <a:ea typeface="Calibri" panose="020F0502020204030204" pitchFamily="34" charset="0"/>
+              <a:cs typeface="Times New Roman" panose="02020603050405020304" pitchFamily="18" charset="0"/>
+            </a:endParaRPr>
+          </a:p>
+          <a:p>
+            <a:pPr marL="0" marR="0" algn="l">
+              <a:lnSpc>
+                <a:spcPct val="107000"/>
+              </a:lnSpc>
+              <a:spcBef>
+                <a:spcPts val="0"/>
+              </a:spcBef>
+              <a:spcAft>
+                <a:spcPts val="0"/>
+              </a:spcAft>
+            </a:pPr>
+            <a:r>
+              <a:rPr lang="en-US" sz="900" b="1">
+                <a:solidFill>
+                  <a:srgbClr val="000000"/>
+                </a:solidFill>
+                <a:effectLst/>
+                <a:latin typeface="Courier New" panose="02070309020205020404" pitchFamily="49" charset="0"/>
+                <a:ea typeface="Times New Roman" panose="02020603050405020304" pitchFamily="18" charset="0"/>
+                <a:cs typeface="Times New Roman" panose="02020603050405020304" pitchFamily="18" charset="0"/>
+              </a:rPr>
+              <a:t>        </a:t>
+            </a:r>
+            <a:r>
+              <a:rPr lang="en-US" sz="900">
+                <a:solidFill>
+                  <a:srgbClr val="0000FF"/>
+                </a:solidFill>
+                <a:effectLst/>
+                <a:latin typeface="Courier New" panose="02070309020205020404" pitchFamily="49" charset="0"/>
+                <a:ea typeface="Times New Roman" panose="02020603050405020304" pitchFamily="18" charset="0"/>
+                <a:cs typeface="Times New Roman" panose="02020603050405020304" pitchFamily="18" charset="0"/>
+              </a:rPr>
+              <a:t>&lt;warning&gt;</a:t>
+            </a:r>
+            <a:r>
+              <a:rPr lang="en-US" sz="1000">
+                <a:effectLst/>
+                <a:latin typeface="Arial" panose="020B0604020202020204" pitchFamily="34" charset="0"/>
+                <a:ea typeface="Calibri" panose="020F0502020204030204" pitchFamily="34" charset="0"/>
+                <a:cs typeface="Times New Roman" panose="02020603050405020304" pitchFamily="18" charset="0"/>
+              </a:rPr>
+              <a:t> </a:t>
+            </a:r>
+            <a:r>
+              <a:rPr lang="en-US" sz="900" b="1">
+                <a:solidFill>
+                  <a:srgbClr val="000000"/>
+                </a:solidFill>
+                <a:effectLst/>
+                <a:latin typeface="Courier New" panose="02070309020205020404" pitchFamily="49" charset="0"/>
+                <a:ea typeface="Times New Roman" panose="02020603050405020304" pitchFamily="18" charset="0"/>
+                <a:cs typeface="Times New Roman" panose="02020603050405020304" pitchFamily="18" charset="0"/>
+              </a:rPr>
+              <a:t>TRUE</a:t>
+            </a:r>
+            <a:r>
+              <a:rPr lang="en-US" sz="900">
+                <a:solidFill>
+                  <a:srgbClr val="0000FF"/>
+                </a:solidFill>
+                <a:effectLst/>
+                <a:latin typeface="Courier New" panose="02070309020205020404" pitchFamily="49" charset="0"/>
+                <a:ea typeface="Times New Roman" panose="02020603050405020304" pitchFamily="18" charset="0"/>
+                <a:cs typeface="Times New Roman" panose="02020603050405020304" pitchFamily="18" charset="0"/>
+              </a:rPr>
+              <a:t>&lt;/warning&gt;</a:t>
+            </a:r>
+            <a:endParaRPr lang="en-US" sz="1000">
+              <a:effectLst/>
+              <a:latin typeface="Arial" panose="020B0604020202020204" pitchFamily="34" charset="0"/>
+              <a:ea typeface="Calibri" panose="020F0502020204030204" pitchFamily="34" charset="0"/>
+              <a:cs typeface="Times New Roman" panose="02020603050405020304" pitchFamily="18" charset="0"/>
+            </a:endParaRPr>
+          </a:p>
+          <a:p>
+            <a:pPr marL="0" marR="0" algn="l">
+              <a:lnSpc>
+                <a:spcPct val="107000"/>
+              </a:lnSpc>
+              <a:spcBef>
+                <a:spcPts val="0"/>
+              </a:spcBef>
+              <a:spcAft>
+                <a:spcPts val="0"/>
+              </a:spcAft>
+            </a:pPr>
+            <a:r>
+              <a:rPr lang="en-US" sz="900" b="1">
+                <a:solidFill>
+                  <a:srgbClr val="000000"/>
+                </a:solidFill>
+                <a:effectLst/>
+                <a:latin typeface="Courier New" panose="02070309020205020404" pitchFamily="49" charset="0"/>
+                <a:ea typeface="Times New Roman" panose="02020603050405020304" pitchFamily="18" charset="0"/>
+                <a:cs typeface="Times New Roman" panose="02020603050405020304" pitchFamily="18" charset="0"/>
+              </a:rPr>
+              <a:t>    </a:t>
+            </a:r>
+            <a:r>
+              <a:rPr lang="en-US" sz="900">
+                <a:solidFill>
+                  <a:srgbClr val="0000FF"/>
+                </a:solidFill>
+                <a:effectLst/>
+                <a:latin typeface="Courier New" panose="02070309020205020404" pitchFamily="49" charset="0"/>
+                <a:ea typeface="Times New Roman" panose="02020603050405020304" pitchFamily="18" charset="0"/>
+                <a:cs typeface="Times New Roman" panose="02020603050405020304" pitchFamily="18" charset="0"/>
+              </a:rPr>
+              <a:t>&lt;/item&gt;</a:t>
+            </a:r>
+            <a:endParaRPr lang="en-US" sz="1000">
+              <a:effectLst/>
+              <a:latin typeface="Arial" panose="020B0604020202020204" pitchFamily="34" charset="0"/>
+              <a:ea typeface="Calibri" panose="020F0502020204030204" pitchFamily="34" charset="0"/>
+              <a:cs typeface="Times New Roman" panose="02020603050405020304" pitchFamily="18" charset="0"/>
+            </a:endParaRPr>
+          </a:p>
+          <a:p>
+            <a:pPr marL="0" marR="0" algn="l">
+              <a:lnSpc>
+                <a:spcPct val="107000"/>
+              </a:lnSpc>
+              <a:spcBef>
+                <a:spcPts val="0"/>
+              </a:spcBef>
+              <a:spcAft>
+                <a:spcPts val="0"/>
+              </a:spcAft>
+            </a:pPr>
+            <a:r>
+              <a:rPr lang="en-US" sz="900" b="1">
+                <a:solidFill>
+                  <a:srgbClr val="000000"/>
+                </a:solidFill>
+                <a:effectLst/>
+                <a:latin typeface="Courier New" panose="02070309020205020404" pitchFamily="49" charset="0"/>
+                <a:ea typeface="Times New Roman" panose="02020603050405020304" pitchFamily="18" charset="0"/>
+                <a:cs typeface="Times New Roman" panose="02020603050405020304" pitchFamily="18" charset="0"/>
+              </a:rPr>
+              <a:t>    </a:t>
+            </a:r>
+            <a:r>
+              <a:rPr lang="en-US" sz="900">
+                <a:solidFill>
+                  <a:srgbClr val="0000FF"/>
+                </a:solidFill>
+                <a:effectLst/>
+                <a:latin typeface="Courier New" panose="02070309020205020404" pitchFamily="49" charset="0"/>
+                <a:ea typeface="Times New Roman" panose="02020603050405020304" pitchFamily="18" charset="0"/>
+                <a:cs typeface="Times New Roman" panose="02020603050405020304" pitchFamily="18" charset="0"/>
+              </a:rPr>
+              <a:t>&lt;rain_area_image&gt;&lt;metadata&gt;</a:t>
+            </a:r>
+            <a:r>
+              <a:rPr lang="en-US" sz="900" b="1">
+                <a:solidFill>
+                  <a:srgbClr val="000000"/>
+                </a:solidFill>
+                <a:effectLst/>
+                <a:latin typeface="Courier New" panose="02070309020205020404" pitchFamily="49" charset="0"/>
+                <a:ea typeface="Times New Roman" panose="02020603050405020304" pitchFamily="18" charset="0"/>
+                <a:cs typeface="Times New Roman" panose="02020603050405020304" pitchFamily="18" charset="0"/>
+              </a:rPr>
+              <a:t>null</a:t>
+            </a:r>
+            <a:r>
+              <a:rPr lang="en-US" sz="900">
+                <a:solidFill>
+                  <a:srgbClr val="0000FF"/>
+                </a:solidFill>
+                <a:effectLst/>
+                <a:latin typeface="Courier New" panose="02070309020205020404" pitchFamily="49" charset="0"/>
+                <a:ea typeface="Times New Roman" panose="02020603050405020304" pitchFamily="18" charset="0"/>
+                <a:cs typeface="Times New Roman" panose="02020603050405020304" pitchFamily="18" charset="0"/>
+              </a:rPr>
+              <a:t>&lt;/metadata&gt;&lt;/rain_area_image&gt;</a:t>
+            </a:r>
+            <a:endParaRPr lang="en-US" sz="1000">
+              <a:effectLst/>
+              <a:latin typeface="Arial" panose="020B0604020202020204" pitchFamily="34" charset="0"/>
+              <a:ea typeface="Calibri" panose="020F0502020204030204" pitchFamily="34" charset="0"/>
+              <a:cs typeface="Times New Roman" panose="02020603050405020304" pitchFamily="18" charset="0"/>
+            </a:endParaRPr>
+          </a:p>
+          <a:p>
+            <a:pPr marL="0" marR="0" algn="l">
+              <a:lnSpc>
+                <a:spcPct val="107000"/>
+              </a:lnSpc>
+              <a:spcBef>
+                <a:spcPts val="0"/>
+              </a:spcBef>
+              <a:spcAft>
+                <a:spcPts val="0"/>
+              </a:spcAft>
+            </a:pPr>
+            <a:r>
+              <a:rPr lang="en-US" sz="900" b="1">
+                <a:solidFill>
+                  <a:srgbClr val="000000"/>
+                </a:solidFill>
+                <a:effectLst/>
+                <a:latin typeface="Courier New" panose="02070309020205020404" pitchFamily="49" charset="0"/>
+                <a:ea typeface="Times New Roman" panose="02020603050405020304" pitchFamily="18" charset="0"/>
+                <a:cs typeface="Times New Roman" panose="02020603050405020304" pitchFamily="18" charset="0"/>
+              </a:rPr>
+              <a:t>    </a:t>
+            </a:r>
+            <a:r>
+              <a:rPr lang="en-US" sz="900">
+                <a:solidFill>
+                  <a:srgbClr val="0000FF"/>
+                </a:solidFill>
+                <a:effectLst/>
+                <a:latin typeface="Courier New" panose="02070309020205020404" pitchFamily="49" charset="0"/>
+                <a:ea typeface="Times New Roman" panose="02020603050405020304" pitchFamily="18" charset="0"/>
+                <a:cs typeface="Times New Roman" panose="02020603050405020304" pitchFamily="18" charset="0"/>
+              </a:rPr>
+              <a:t>&lt;satellite_image&gt;&lt;metadata&gt;</a:t>
+            </a:r>
+            <a:r>
+              <a:rPr lang="en-US" sz="900" b="1">
+                <a:solidFill>
+                  <a:srgbClr val="000000"/>
+                </a:solidFill>
+                <a:effectLst/>
+                <a:latin typeface="Courier New" panose="02070309020205020404" pitchFamily="49" charset="0"/>
+                <a:ea typeface="Times New Roman" panose="02020603050405020304" pitchFamily="18" charset="0"/>
+                <a:cs typeface="Times New Roman" panose="02020603050405020304" pitchFamily="18" charset="0"/>
+              </a:rPr>
+              <a:t>null</a:t>
+            </a:r>
+            <a:r>
+              <a:rPr lang="en-US" sz="900">
+                <a:solidFill>
+                  <a:srgbClr val="0000FF"/>
+                </a:solidFill>
+                <a:effectLst/>
+                <a:latin typeface="Courier New" panose="02070309020205020404" pitchFamily="49" charset="0"/>
+                <a:ea typeface="Times New Roman" panose="02020603050405020304" pitchFamily="18" charset="0"/>
+                <a:cs typeface="Times New Roman" panose="02020603050405020304" pitchFamily="18" charset="0"/>
+              </a:rPr>
+              <a:t>&lt;/metadata&gt;&lt;/satellite_image&gt;</a:t>
+            </a:r>
+            <a:endParaRPr lang="en-US" sz="1000">
+              <a:effectLst/>
+              <a:latin typeface="Arial" panose="020B0604020202020204" pitchFamily="34" charset="0"/>
+              <a:ea typeface="Calibri" panose="020F0502020204030204" pitchFamily="34" charset="0"/>
+              <a:cs typeface="Times New Roman" panose="02020603050405020304" pitchFamily="18" charset="0"/>
+            </a:endParaRPr>
+          </a:p>
+          <a:p>
+            <a:pPr marL="0" marR="0" algn="l">
+              <a:lnSpc>
+                <a:spcPct val="107000"/>
+              </a:lnSpc>
+              <a:spcBef>
+                <a:spcPts val="0"/>
+              </a:spcBef>
+              <a:spcAft>
+                <a:spcPts val="0"/>
+              </a:spcAft>
+            </a:pPr>
+            <a:r>
+              <a:rPr lang="en-US" sz="900">
+                <a:solidFill>
+                  <a:srgbClr val="0000FF"/>
+                </a:solidFill>
+                <a:effectLst/>
+                <a:latin typeface="Courier New" panose="02070309020205020404" pitchFamily="49" charset="0"/>
+                <a:ea typeface="Times New Roman" panose="02020603050405020304" pitchFamily="18" charset="0"/>
+                <a:cs typeface="Times New Roman" panose="02020603050405020304" pitchFamily="18" charset="0"/>
+              </a:rPr>
+              <a:t>&lt;/channel&gt;</a:t>
+            </a:r>
+            <a:endParaRPr lang="en-US" sz="1000">
+              <a:effectLst/>
+              <a:latin typeface="Arial" panose="020B0604020202020204" pitchFamily="34" charset="0"/>
+              <a:ea typeface="Calibri" panose="020F0502020204030204" pitchFamily="34" charset="0"/>
+              <a:cs typeface="Times New Roman" panose="02020603050405020304" pitchFamily="18" charset="0"/>
+            </a:endParaRPr>
           </a:p>
         </p:txBody>
       </p:sp>
     </p:spTree>
     <p:extLst>
       <p:ext uri="{BB962C8B-B14F-4D97-AF65-F5344CB8AC3E}">
-        <p14:creationId xmlns:p14="http://schemas.microsoft.com/office/powerpoint/2010/main" val="518247939"/>
+        <p14:creationId xmlns:p14="http://schemas.microsoft.com/office/powerpoint/2010/main" val="4267558421"/>
       </p:ext>
     </p:extLst>
   </p:cSld>
@@ -8826,7 +12518,7 @@
           <p:cNvPr id="2" name="Title 1">
             <a:extLst>
               <a:ext uri="{FF2B5EF4-FFF2-40B4-BE49-F238E27FC236}">
-                <a16:creationId xmlns:a16="http://schemas.microsoft.com/office/drawing/2014/main" id="{88A8A327-822B-4D99-81ED-CB23238E4D54}"/>
+                <a16:creationId xmlns:a16="http://schemas.microsoft.com/office/drawing/2014/main" id="{B07C778A-F5E1-4402-815A-96BEA14E6883}"/>
               </a:ext>
             </a:extLst>
           </p:cNvPr>
@@ -8843,154 +12535,702 @@
           <a:lstStyle/>
           <a:p>
             <a:r>
-              <a:rPr lang="en-US"/>
-              <a:t>Integration </a:t>
-            </a:r>
-            <a:r>
               <a:rPr lang="en-US" dirty="0"/>
-              <a:t>across…</a:t>
+              <a:t>Data Transformation</a:t>
+            </a:r>
+          </a:p>
+        </p:txBody>
+      </p:sp>
+      <p:pic>
+        <p:nvPicPr>
+          <p:cNvPr id="4" name="Picture 3">
+            <a:extLst>
+              <a:ext uri="{FF2B5EF4-FFF2-40B4-BE49-F238E27FC236}">
+                <a16:creationId xmlns:a16="http://schemas.microsoft.com/office/drawing/2014/main" id="{0C25F157-AD76-4E14-8B68-DDF5966A4CC9}"/>
+              </a:ext>
+            </a:extLst>
+          </p:cNvPr>
+          <p:cNvPicPr/>
+          <p:nvPr/>
+        </p:nvPicPr>
+        <p:blipFill rotWithShape="1">
+          <a:blip r:embed="rId2"/>
+          <a:srcRect l="9545" t="9366" r="63177" b="70625"/>
+          <a:stretch/>
+        </p:blipFill>
+        <p:spPr bwMode="auto">
+          <a:xfrm>
+            <a:off x="309880" y="2386499"/>
+            <a:ext cx="6157892" cy="3010197"/>
+          </a:xfrm>
+          <a:prstGeom prst="rect">
+            <a:avLst/>
+          </a:prstGeom>
+          <a:ln>
+            <a:solidFill>
+              <a:schemeClr val="accent1">
+                <a:lumMod val="75000"/>
+              </a:schemeClr>
+            </a:solidFill>
+          </a:ln>
+          <a:extLst>
+            <a:ext uri="{53640926-AAD7-44D8-BBD7-CCE9431645EC}">
+              <a14:shadowObscured xmlns:a14="http://schemas.microsoft.com/office/drawing/2010/main"/>
+            </a:ext>
+          </a:extLst>
+        </p:spPr>
+      </p:pic>
+      <p:sp>
+        <p:nvSpPr>
+          <p:cNvPr id="5" name="Oval 4">
+            <a:extLst>
+              <a:ext uri="{FF2B5EF4-FFF2-40B4-BE49-F238E27FC236}">
+                <a16:creationId xmlns:a16="http://schemas.microsoft.com/office/drawing/2014/main" id="{688C200C-E783-43DC-8E9F-644944934EAF}"/>
+              </a:ext>
+            </a:extLst>
+          </p:cNvPr>
+          <p:cNvSpPr/>
+          <p:nvPr/>
+        </p:nvSpPr>
+        <p:spPr>
+          <a:xfrm>
+            <a:off x="4372927" y="3891597"/>
+            <a:ext cx="1860233" cy="807402"/>
+          </a:xfrm>
+          <a:prstGeom prst="ellipse">
+            <a:avLst/>
+          </a:prstGeom>
+          <a:noFill/>
+          <a:ln>
+            <a:solidFill>
+              <a:schemeClr val="accent1">
+                <a:lumMod val="75000"/>
+              </a:schemeClr>
+            </a:solidFill>
+          </a:ln>
+        </p:spPr>
+        <p:style>
+          <a:lnRef idx="2">
+            <a:schemeClr val="accent1">
+              <a:shade val="50000"/>
+            </a:schemeClr>
+          </a:lnRef>
+          <a:fillRef idx="1">
+            <a:schemeClr val="accent1"/>
+          </a:fillRef>
+          <a:effectRef idx="0">
+            <a:schemeClr val="accent1"/>
+          </a:effectRef>
+          <a:fontRef idx="minor">
+            <a:schemeClr val="lt1"/>
+          </a:fontRef>
+        </p:style>
+        <p:txBody>
+          <a:bodyPr rot="0" spcFirstLastPara="0" vert="horz" wrap="square" lIns="91440" tIns="45720" rIns="91440" bIns="45720" numCol="1" spcCol="0" rtlCol="0" fromWordArt="0" anchor="ctr" anchorCtr="0" forceAA="0" compatLnSpc="1">
+            <a:prstTxWarp prst="textNoShape">
+              <a:avLst/>
+            </a:prstTxWarp>
+            <a:noAutofit/>
+          </a:bodyPr>
+          <a:lstStyle/>
+          <a:p>
+            <a:endParaRPr lang="en-US"/>
+          </a:p>
+        </p:txBody>
+      </p:sp>
+      <p:pic>
+        <p:nvPicPr>
+          <p:cNvPr id="6" name="Picture 5">
+            <a:extLst>
+              <a:ext uri="{FF2B5EF4-FFF2-40B4-BE49-F238E27FC236}">
+                <a16:creationId xmlns:a16="http://schemas.microsoft.com/office/drawing/2014/main" id="{E07969B6-E179-46E8-A084-CD28D721C64A}"/>
+              </a:ext>
+            </a:extLst>
+          </p:cNvPr>
+          <p:cNvPicPr/>
+          <p:nvPr/>
+        </p:nvPicPr>
+        <p:blipFill rotWithShape="1">
+          <a:blip r:embed="rId3"/>
+          <a:srcRect l="9390" t="9384" r="69540" b="73471"/>
+          <a:stretch/>
+        </p:blipFill>
+        <p:spPr bwMode="auto">
+          <a:xfrm>
+            <a:off x="6659879" y="2384351"/>
+            <a:ext cx="5156667" cy="2705809"/>
+          </a:xfrm>
+          <a:prstGeom prst="rect">
+            <a:avLst/>
+          </a:prstGeom>
+          <a:ln>
+            <a:noFill/>
+          </a:ln>
+          <a:extLst>
+            <a:ext uri="{53640926-AAD7-44D8-BBD7-CCE9431645EC}">
+              <a14:shadowObscured xmlns:a14="http://schemas.microsoft.com/office/drawing/2010/main"/>
+            </a:ext>
+          </a:extLst>
+        </p:spPr>
+      </p:pic>
+      <p:sp>
+        <p:nvSpPr>
+          <p:cNvPr id="8" name="Oval 7">
+            <a:extLst>
+              <a:ext uri="{FF2B5EF4-FFF2-40B4-BE49-F238E27FC236}">
+                <a16:creationId xmlns:a16="http://schemas.microsoft.com/office/drawing/2014/main" id="{092F31A1-2CA8-469B-A6F0-B099C3D200F2}"/>
+              </a:ext>
+            </a:extLst>
+          </p:cNvPr>
+          <p:cNvSpPr/>
+          <p:nvPr/>
+        </p:nvSpPr>
+        <p:spPr>
+          <a:xfrm>
+            <a:off x="8853487" y="3891597"/>
+            <a:ext cx="2358073" cy="807402"/>
+          </a:xfrm>
+          <a:prstGeom prst="ellipse">
+            <a:avLst/>
+          </a:prstGeom>
+          <a:noFill/>
+          <a:ln>
+            <a:solidFill>
+              <a:schemeClr val="accent1">
+                <a:lumMod val="75000"/>
+              </a:schemeClr>
+            </a:solidFill>
+          </a:ln>
+        </p:spPr>
+        <p:style>
+          <a:lnRef idx="2">
+            <a:schemeClr val="accent1">
+              <a:shade val="50000"/>
+            </a:schemeClr>
+          </a:lnRef>
+          <a:fillRef idx="1">
+            <a:schemeClr val="accent1"/>
+          </a:fillRef>
+          <a:effectRef idx="0">
+            <a:schemeClr val="accent1"/>
+          </a:effectRef>
+          <a:fontRef idx="minor">
+            <a:schemeClr val="lt1"/>
+          </a:fontRef>
+        </p:style>
+        <p:txBody>
+          <a:bodyPr rot="0" spcFirstLastPara="0" vert="horz" wrap="square" lIns="91440" tIns="45720" rIns="91440" bIns="45720" numCol="1" spcCol="0" rtlCol="0" fromWordArt="0" anchor="ctr" anchorCtr="0" forceAA="0" compatLnSpc="1">
+            <a:prstTxWarp prst="textNoShape">
+              <a:avLst/>
+            </a:prstTxWarp>
+            <a:noAutofit/>
+          </a:bodyPr>
+          <a:lstStyle/>
+          <a:p>
+            <a:endParaRPr lang="en-US"/>
+          </a:p>
+        </p:txBody>
+      </p:sp>
+      <p:cxnSp>
+        <p:nvCxnSpPr>
+          <p:cNvPr id="10" name="Straight Connector 9">
+            <a:extLst>
+              <a:ext uri="{FF2B5EF4-FFF2-40B4-BE49-F238E27FC236}">
+                <a16:creationId xmlns:a16="http://schemas.microsoft.com/office/drawing/2014/main" id="{EE47AE5A-04DA-493A-9F4A-0F9B12606223}"/>
+              </a:ext>
+            </a:extLst>
+          </p:cNvPr>
+          <p:cNvCxnSpPr>
+            <a:stCxn id="5" idx="6"/>
+            <a:endCxn id="8" idx="2"/>
+          </p:cNvCxnSpPr>
+          <p:nvPr/>
+        </p:nvCxnSpPr>
+        <p:spPr>
+          <a:xfrm>
+            <a:off x="6233160" y="4295298"/>
+            <a:ext cx="2620327" cy="0"/>
+          </a:xfrm>
+          <a:prstGeom prst="line">
+            <a:avLst/>
+          </a:prstGeom>
+          <a:ln w="19050">
+            <a:solidFill>
+              <a:schemeClr val="accent1">
+                <a:lumMod val="75000"/>
+              </a:schemeClr>
+            </a:solidFill>
+          </a:ln>
+        </p:spPr>
+        <p:style>
+          <a:lnRef idx="1">
+            <a:schemeClr val="accent1"/>
+          </a:lnRef>
+          <a:fillRef idx="0">
+            <a:schemeClr val="accent1"/>
+          </a:fillRef>
+          <a:effectRef idx="0">
+            <a:schemeClr val="accent1"/>
+          </a:effectRef>
+          <a:fontRef idx="minor">
+            <a:schemeClr val="tx1"/>
+          </a:fontRef>
+        </p:style>
+      </p:cxnSp>
+      <p:sp>
+        <p:nvSpPr>
+          <p:cNvPr id="11" name="TextBox 10">
+            <a:extLst>
+              <a:ext uri="{FF2B5EF4-FFF2-40B4-BE49-F238E27FC236}">
+                <a16:creationId xmlns:a16="http://schemas.microsoft.com/office/drawing/2014/main" id="{8747C52C-D856-4D35-B65C-39137DBC57FC}"/>
+              </a:ext>
+            </a:extLst>
+          </p:cNvPr>
+          <p:cNvSpPr txBox="1"/>
+          <p:nvPr/>
+        </p:nvSpPr>
+        <p:spPr>
+          <a:xfrm>
+            <a:off x="7070052" y="3878303"/>
+            <a:ext cx="946541" cy="369332"/>
+          </a:xfrm>
+          <a:prstGeom prst="rect">
+            <a:avLst/>
+          </a:prstGeom>
+          <a:solidFill>
+            <a:schemeClr val="accent1">
+              <a:lumMod val="60000"/>
+              <a:lumOff val="40000"/>
+            </a:schemeClr>
+          </a:solidFill>
+        </p:spPr>
+        <p:txBody>
+          <a:bodyPr wrap="none" rtlCol="0">
+            <a:spAutoFit/>
+          </a:bodyPr>
+          <a:lstStyle/>
+          <a:p>
+            <a:r>
+              <a:rPr lang="en-US" dirty="0" err="1"/>
+              <a:t>concat</a:t>
+            </a:r>
+            <a:r>
+              <a:rPr lang="en-US" dirty="0"/>
+              <a:t>()</a:t>
             </a:r>
           </a:p>
         </p:txBody>
       </p:sp>
       <p:sp>
         <p:nvSpPr>
-          <p:cNvPr id="3" name="Content Placeholder 2">
-            <a:extLst>
-              <a:ext uri="{FF2B5EF4-FFF2-40B4-BE49-F238E27FC236}">
-                <a16:creationId xmlns:a16="http://schemas.microsoft.com/office/drawing/2014/main" id="{3A1AC5E1-BB10-48F6-8A6B-D015713626EE}"/>
-              </a:ext>
-            </a:extLst>
-          </p:cNvPr>
-          <p:cNvSpPr>
-            <a:spLocks noGrp="1"/>
-          </p:cNvSpPr>
-          <p:nvPr>
-            <p:ph idx="1"/>
-          </p:nvPr>
+          <p:cNvPr id="12" name="TextBox 11">
+            <a:extLst>
+              <a:ext uri="{FF2B5EF4-FFF2-40B4-BE49-F238E27FC236}">
+                <a16:creationId xmlns:a16="http://schemas.microsoft.com/office/drawing/2014/main" id="{9BAD48DA-6D6F-4549-9A9F-A98C2C9FE73C}"/>
+              </a:ext>
+            </a:extLst>
+          </p:cNvPr>
+          <p:cNvSpPr txBox="1"/>
+          <p:nvPr/>
         </p:nvSpPr>
-        <p:spPr/>
+        <p:spPr>
+          <a:xfrm>
+            <a:off x="2328215" y="5741587"/>
+            <a:ext cx="2121222" cy="369332"/>
+          </a:xfrm>
+          <a:prstGeom prst="rect">
+            <a:avLst/>
+          </a:prstGeom>
+          <a:noFill/>
+        </p:spPr>
         <p:txBody>
-          <a:bodyPr>
-            <a:normAutofit/>
+          <a:bodyPr wrap="none" rtlCol="0">
+            <a:spAutoFit/>
           </a:bodyPr>
           <a:lstStyle/>
           <a:p>
-            <a:pPr marL="0" indent="0" algn="just">
-              <a:buNone/>
-            </a:pPr>
-            <a:r>
-              <a:rPr lang="en-SG" sz="3200" u="sng" dirty="0">
-                <a:solidFill>
-                  <a:srgbClr val="00B0F0"/>
-                </a:solidFill>
-              </a:rPr>
-              <a:t>3</a:t>
-            </a:r>
-            <a:r>
-              <a:rPr lang="en-SG" sz="3200" dirty="0"/>
-              <a:t> hosted environments </a:t>
-            </a:r>
-          </a:p>
-          <a:p>
-            <a:pPr marL="0" indent="0" algn="just">
-              <a:buNone/>
-            </a:pPr>
-            <a:r>
-              <a:rPr lang="en-SG" sz="2000" dirty="0"/>
-              <a:t>(Microsoft Azure, Heroku, localhost)</a:t>
-            </a:r>
-          </a:p>
-          <a:p>
-            <a:pPr marL="0" indent="0" algn="just">
-              <a:buNone/>
-            </a:pPr>
-            <a:endParaRPr lang="en-SG" sz="3200" dirty="0"/>
-          </a:p>
-          <a:p>
-            <a:pPr marL="0" indent="0" algn="just">
-              <a:buNone/>
-            </a:pPr>
-            <a:r>
-              <a:rPr lang="en-SG" sz="3200" u="sng" dirty="0">
-                <a:solidFill>
-                  <a:srgbClr val="00B0F0"/>
-                </a:solidFill>
-              </a:rPr>
-              <a:t>4</a:t>
-            </a:r>
-            <a:r>
-              <a:rPr lang="en-SG" sz="3200" dirty="0"/>
-              <a:t> programming languages </a:t>
-            </a:r>
-          </a:p>
-          <a:p>
-            <a:pPr marL="0" indent="0" algn="just">
-              <a:buNone/>
-            </a:pPr>
-            <a:r>
-              <a:rPr lang="en-SG" sz="2000" dirty="0"/>
-              <a:t>(C#, Java, PHP, Python)</a:t>
-            </a:r>
-          </a:p>
-          <a:p>
-            <a:pPr marL="0" indent="0" algn="just">
-              <a:buNone/>
-            </a:pPr>
-            <a:endParaRPr lang="en-SG" sz="3200" dirty="0"/>
-          </a:p>
-          <a:p>
-            <a:pPr marL="0" indent="0" algn="just">
-              <a:buNone/>
-            </a:pPr>
-            <a:r>
-              <a:rPr lang="en-SG" sz="3200" u="sng" dirty="0">
-                <a:solidFill>
-                  <a:srgbClr val="00B0F0"/>
-                </a:solidFill>
-              </a:rPr>
-              <a:t>7</a:t>
-            </a:r>
-            <a:r>
-              <a:rPr lang="en-SG" sz="3200" dirty="0"/>
-              <a:t> out-of-classroom TIBCO BW palette</a:t>
-            </a:r>
-          </a:p>
-          <a:p>
-            <a:pPr marL="0" indent="0" algn="just">
-              <a:buNone/>
-            </a:pPr>
-            <a:r>
-              <a:rPr lang="en-SG" sz="2000" dirty="0"/>
-              <a:t>(Waiting for JMS message, Assigning variable on IM, Twitter Plugin, Send Mail Plugin, Timer Plugin, File </a:t>
-            </a:r>
-            <a:r>
-              <a:rPr lang="en-SG" sz="2000" dirty="0" err="1"/>
-              <a:t>Poller</a:t>
-            </a:r>
-            <a:r>
-              <a:rPr lang="en-SG" sz="2000" dirty="0"/>
-              <a:t> Plugin, Grouping Repeat-On-Error-Till-True)</a:t>
-            </a:r>
-          </a:p>
-          <a:p>
-            <a:pPr marL="0" indent="0" algn="just">
-              <a:buNone/>
-            </a:pPr>
-            <a:endParaRPr lang="en-SG" sz="3200" dirty="0"/>
-          </a:p>
-          <a:p>
-            <a:pPr marL="0" indent="0">
-              <a:buNone/>
-            </a:pPr>
-            <a:endParaRPr lang="en-SG" dirty="0"/>
+            <a:r>
+              <a:rPr lang="en-US" dirty="0"/>
+              <a:t>new_breakdown.xsd</a:t>
+            </a:r>
+          </a:p>
+        </p:txBody>
+      </p:sp>
+      <p:sp>
+        <p:nvSpPr>
+          <p:cNvPr id="13" name="TextBox 12">
+            <a:extLst>
+              <a:ext uri="{FF2B5EF4-FFF2-40B4-BE49-F238E27FC236}">
+                <a16:creationId xmlns:a16="http://schemas.microsoft.com/office/drawing/2014/main" id="{2B48658C-50F3-4528-89FC-C2BB0AD6A630}"/>
+              </a:ext>
+            </a:extLst>
+          </p:cNvPr>
+          <p:cNvSpPr txBox="1"/>
+          <p:nvPr/>
+        </p:nvSpPr>
+        <p:spPr>
+          <a:xfrm>
+            <a:off x="7888076" y="5741587"/>
+            <a:ext cx="3182474" cy="369332"/>
+          </a:xfrm>
+          <a:prstGeom prst="rect">
+            <a:avLst/>
+          </a:prstGeom>
+          <a:noFill/>
+        </p:spPr>
+        <p:txBody>
+          <a:bodyPr wrap="none" rtlCol="0">
+            <a:spAutoFit/>
+          </a:bodyPr>
+          <a:lstStyle/>
+          <a:p>
+            <a:r>
+              <a:rPr lang="en-US" dirty="0"/>
+              <a:t>new_breakdown_formatted.xsd</a:t>
+            </a:r>
           </a:p>
         </p:txBody>
       </p:sp>
     </p:spTree>
     <p:extLst>
       <p:ext uri="{BB962C8B-B14F-4D97-AF65-F5344CB8AC3E}">
-        <p14:creationId xmlns:p14="http://schemas.microsoft.com/office/powerpoint/2010/main" val="3129491093"/>
+        <p14:creationId xmlns:p14="http://schemas.microsoft.com/office/powerpoint/2010/main" val="518247939"/>
+      </p:ext>
+    </p:extLst>
+  </p:cSld>
+  <p:clrMapOvr>
+    <a:masterClrMapping/>
+  </p:clrMapOvr>
+  <mc:AlternateContent xmlns:mc="http://schemas.openxmlformats.org/markup-compatibility/2006" xmlns:p159="http://schemas.microsoft.com/office/powerpoint/2015/09/main">
+    <mc:Choice Requires="p159">
+      <p:transition xmlns:p14="http://schemas.microsoft.com/office/powerpoint/2010/main" spd="slow" p14:dur="2000">
+        <p159:morph option="byObject"/>
+      </p:transition>
+    </mc:Choice>
+    <mc:Fallback xmlns="">
+      <p:transition spd="slow">
+        <p:fade/>
+      </p:transition>
+    </mc:Fallback>
+  </mc:AlternateContent>
+</p:sld>
+</file>
+
+<file path=ppt/slides/slide19.xml><?xml version="1.0" encoding="utf-8"?>
+<p:sld xmlns:a="http://schemas.openxmlformats.org/drawingml/2006/main" xmlns:r="http://schemas.openxmlformats.org/officeDocument/2006/relationships" xmlns:p="http://schemas.openxmlformats.org/presentationml/2006/main">
+  <p:cSld>
+    <p:spTree>
+      <p:nvGrpSpPr>
+        <p:cNvPr id="1" name=""/>
+        <p:cNvGrpSpPr/>
+        <p:nvPr/>
+      </p:nvGrpSpPr>
+      <p:grpSpPr>
+        <a:xfrm>
+          <a:off x="0" y="0"/>
+          <a:ext cx="0" cy="0"/>
+          <a:chOff x="0" y="0"/>
+          <a:chExt cx="0" cy="0"/>
+        </a:xfrm>
+      </p:grpSpPr>
+      <p:pic>
+        <p:nvPicPr>
+          <p:cNvPr id="8" name="Picture 7" descr="C:\Users\i-am-\AppData\Local\Microsoft\Windows\INetCache\Content.Word\Train Breakdown and Resumption of Service.jpg">
+            <a:extLst>
+              <a:ext uri="{FF2B5EF4-FFF2-40B4-BE49-F238E27FC236}">
+                <a16:creationId xmlns:a16="http://schemas.microsoft.com/office/drawing/2014/main" id="{9D706A57-5873-46B6-AFEE-66A3B0213655}"/>
+              </a:ext>
+            </a:extLst>
+          </p:cNvPr>
+          <p:cNvPicPr/>
+          <p:nvPr/>
+        </p:nvPicPr>
+        <p:blipFill rotWithShape="1">
+          <a:blip r:embed="rId2">
+            <a:extLst>
+              <a:ext uri="{28A0092B-C50C-407E-A947-70E740481C1C}">
+                <a14:useLocalDpi xmlns:a14="http://schemas.microsoft.com/office/drawing/2010/main" val="0"/>
+              </a:ext>
+            </a:extLst>
+          </a:blip>
+          <a:srcRect l="6164" r="55520" b="60861"/>
+          <a:stretch/>
+        </p:blipFill>
+        <p:spPr bwMode="auto">
+          <a:xfrm>
+            <a:off x="325120" y="1690688"/>
+            <a:ext cx="6604000" cy="4098715"/>
+          </a:xfrm>
+          <a:prstGeom prst="rect">
+            <a:avLst/>
+          </a:prstGeom>
+          <a:noFill/>
+          <a:ln>
+            <a:noFill/>
+          </a:ln>
+          <a:extLst>
+            <a:ext uri="{53640926-AAD7-44D8-BBD7-CCE9431645EC}">
+              <a14:shadowObscured xmlns:a14="http://schemas.microsoft.com/office/drawing/2010/main"/>
+            </a:ext>
+          </a:extLst>
+        </p:spPr>
+      </p:pic>
+      <p:sp>
+        <p:nvSpPr>
+          <p:cNvPr id="4" name="Title 3">
+            <a:extLst>
+              <a:ext uri="{FF2B5EF4-FFF2-40B4-BE49-F238E27FC236}">
+                <a16:creationId xmlns:a16="http://schemas.microsoft.com/office/drawing/2014/main" id="{5A4D4960-C44F-4557-A146-DE7FF1BC4551}"/>
+              </a:ext>
+            </a:extLst>
+          </p:cNvPr>
+          <p:cNvSpPr>
+            <a:spLocks noGrp="1"/>
+          </p:cNvSpPr>
+          <p:nvPr>
+            <p:ph type="title"/>
+          </p:nvPr>
+        </p:nvSpPr>
+        <p:spPr/>
+        <p:txBody>
+          <a:bodyPr/>
+          <a:lstStyle/>
+          <a:p>
+            <a:r>
+              <a:rPr lang="en-US" dirty="0"/>
+              <a:t>Content Routing</a:t>
+            </a:r>
+          </a:p>
+        </p:txBody>
+      </p:sp>
+      <p:sp>
+        <p:nvSpPr>
+          <p:cNvPr id="2" name="Oval 1">
+            <a:extLst>
+              <a:ext uri="{FF2B5EF4-FFF2-40B4-BE49-F238E27FC236}">
+                <a16:creationId xmlns:a16="http://schemas.microsoft.com/office/drawing/2014/main" id="{92FEA579-8D88-40C4-834F-21E8DFFC029C}"/>
+              </a:ext>
+            </a:extLst>
+          </p:cNvPr>
+          <p:cNvSpPr/>
+          <p:nvPr/>
+        </p:nvSpPr>
+        <p:spPr>
+          <a:xfrm>
+            <a:off x="4485112" y="4650524"/>
+            <a:ext cx="920337" cy="920337"/>
+          </a:xfrm>
+          <a:prstGeom prst="ellipse">
+            <a:avLst/>
+          </a:prstGeom>
+          <a:noFill/>
+          <a:ln>
+            <a:solidFill>
+              <a:srgbClr val="FF0000"/>
+            </a:solidFill>
+          </a:ln>
+        </p:spPr>
+        <p:style>
+          <a:lnRef idx="2">
+            <a:schemeClr val="accent1">
+              <a:shade val="50000"/>
+            </a:schemeClr>
+          </a:lnRef>
+          <a:fillRef idx="1">
+            <a:schemeClr val="accent1"/>
+          </a:fillRef>
+          <a:effectRef idx="0">
+            <a:schemeClr val="accent1"/>
+          </a:effectRef>
+          <a:fontRef idx="minor">
+            <a:schemeClr val="lt1"/>
+          </a:fontRef>
+        </p:style>
+        <p:txBody>
+          <a:bodyPr rtlCol="0" anchor="ctr"/>
+          <a:lstStyle/>
+          <a:p>
+            <a:pPr algn="ctr"/>
+            <a:endParaRPr lang="en-US"/>
+          </a:p>
+        </p:txBody>
+      </p:sp>
+      <p:sp>
+        <p:nvSpPr>
+          <p:cNvPr id="9" name="Rectangle 8">
+            <a:extLst>
+              <a:ext uri="{FF2B5EF4-FFF2-40B4-BE49-F238E27FC236}">
+                <a16:creationId xmlns:a16="http://schemas.microsoft.com/office/drawing/2014/main" id="{AA6DA0A2-BD2E-414B-9D82-E1A7CB0E0F71}"/>
+              </a:ext>
+            </a:extLst>
+          </p:cNvPr>
+          <p:cNvSpPr/>
+          <p:nvPr/>
+        </p:nvSpPr>
+        <p:spPr>
+          <a:xfrm>
+            <a:off x="2799080" y="2651907"/>
+            <a:ext cx="2768600" cy="1254760"/>
+          </a:xfrm>
+          <a:prstGeom prst="rect">
+            <a:avLst/>
+          </a:prstGeom>
+          <a:noFill/>
+          <a:ln>
+            <a:solidFill>
+              <a:srgbClr val="FF0000"/>
+            </a:solidFill>
+          </a:ln>
+        </p:spPr>
+        <p:style>
+          <a:lnRef idx="2">
+            <a:schemeClr val="accent1">
+              <a:shade val="50000"/>
+            </a:schemeClr>
+          </a:lnRef>
+          <a:fillRef idx="1">
+            <a:schemeClr val="accent1"/>
+          </a:fillRef>
+          <a:effectRef idx="0">
+            <a:schemeClr val="accent1"/>
+          </a:effectRef>
+          <a:fontRef idx="minor">
+            <a:schemeClr val="lt1"/>
+          </a:fontRef>
+        </p:style>
+        <p:txBody>
+          <a:bodyPr rtlCol="0" anchor="ctr"/>
+          <a:lstStyle/>
+          <a:p>
+            <a:pPr algn="ctr"/>
+            <a:endParaRPr lang="en-US"/>
+          </a:p>
+        </p:txBody>
+      </p:sp>
+      <p:sp>
+        <p:nvSpPr>
+          <p:cNvPr id="10" name="TextBox 9">
+            <a:extLst>
+              <a:ext uri="{FF2B5EF4-FFF2-40B4-BE49-F238E27FC236}">
+                <a16:creationId xmlns:a16="http://schemas.microsoft.com/office/drawing/2014/main" id="{BD91DEE8-58ED-4D41-AB72-2E59ACED9529}"/>
+              </a:ext>
+            </a:extLst>
+          </p:cNvPr>
+          <p:cNvSpPr txBox="1"/>
+          <p:nvPr/>
+        </p:nvSpPr>
+        <p:spPr>
+          <a:xfrm>
+            <a:off x="2472772" y="2197190"/>
+            <a:ext cx="4456348" cy="369332"/>
+          </a:xfrm>
+          <a:prstGeom prst="rect">
+            <a:avLst/>
+          </a:prstGeom>
+          <a:noFill/>
+        </p:spPr>
+        <p:txBody>
+          <a:bodyPr wrap="none" rtlCol="0">
+            <a:spAutoFit/>
+          </a:bodyPr>
+          <a:lstStyle/>
+          <a:p>
+            <a:r>
+              <a:rPr lang="en-US" dirty="0">
+                <a:solidFill>
+                  <a:srgbClr val="FF0000"/>
+                </a:solidFill>
+              </a:rPr>
+              <a:t>Decide which Depot is the nearest to incident</a:t>
+            </a:r>
+          </a:p>
+        </p:txBody>
+      </p:sp>
+      <p:sp>
+        <p:nvSpPr>
+          <p:cNvPr id="11" name="TextBox 10">
+            <a:extLst>
+              <a:ext uri="{FF2B5EF4-FFF2-40B4-BE49-F238E27FC236}">
+                <a16:creationId xmlns:a16="http://schemas.microsoft.com/office/drawing/2014/main" id="{C9E731CC-F9DC-47AD-8498-10B6685FCF0F}"/>
+              </a:ext>
+            </a:extLst>
+          </p:cNvPr>
+          <p:cNvSpPr txBox="1"/>
+          <p:nvPr/>
+        </p:nvSpPr>
+        <p:spPr>
+          <a:xfrm>
+            <a:off x="2188292" y="5738067"/>
+            <a:ext cx="5812040" cy="646331"/>
+          </a:xfrm>
+          <a:prstGeom prst="rect">
+            <a:avLst/>
+          </a:prstGeom>
+          <a:noFill/>
+        </p:spPr>
+        <p:txBody>
+          <a:bodyPr wrap="none" rtlCol="0">
+            <a:spAutoFit/>
+          </a:bodyPr>
+          <a:lstStyle/>
+          <a:p>
+            <a:pPr algn="ctr"/>
+            <a:r>
+              <a:rPr lang="en-US" dirty="0">
+                <a:solidFill>
+                  <a:srgbClr val="FF0000"/>
+                </a:solidFill>
+              </a:rPr>
+              <a:t>Get Queue address of the selected depot and route it to the</a:t>
+            </a:r>
+          </a:p>
+          <a:p>
+            <a:pPr algn="ctr"/>
+            <a:r>
+              <a:rPr lang="en-US" dirty="0">
+                <a:solidFill>
+                  <a:srgbClr val="FF0000"/>
+                </a:solidFill>
+              </a:rPr>
+              <a:t>correct depot</a:t>
+            </a:r>
+          </a:p>
+        </p:txBody>
+      </p:sp>
+      <p:pic>
+        <p:nvPicPr>
+          <p:cNvPr id="12" name="Picture 11">
+            <a:extLst>
+              <a:ext uri="{FF2B5EF4-FFF2-40B4-BE49-F238E27FC236}">
+                <a16:creationId xmlns:a16="http://schemas.microsoft.com/office/drawing/2014/main" id="{8321173F-7477-48E9-98C9-6AF6E0C18900}"/>
+              </a:ext>
+            </a:extLst>
+          </p:cNvPr>
+          <p:cNvPicPr>
+            <a:picLocks noChangeAspect="1"/>
+          </p:cNvPicPr>
+          <p:nvPr/>
+        </p:nvPicPr>
+        <p:blipFill>
+          <a:blip r:embed="rId3"/>
+          <a:stretch>
+            <a:fillRect/>
+          </a:stretch>
+        </p:blipFill>
+        <p:spPr>
+          <a:xfrm>
+            <a:off x="7706506" y="2902088"/>
+            <a:ext cx="4114654" cy="1868784"/>
+          </a:xfrm>
+          <a:prstGeom prst="rect">
+            <a:avLst/>
+          </a:prstGeom>
+        </p:spPr>
+      </p:pic>
+    </p:spTree>
+    <p:extLst>
+      <p:ext uri="{BB962C8B-B14F-4D97-AF65-F5344CB8AC3E}">
+        <p14:creationId xmlns:p14="http://schemas.microsoft.com/office/powerpoint/2010/main" val="1763506197"/>
       </p:ext>
     </p:extLst>
   </p:cSld>
@@ -9158,6 +13398,211 @@
     <p:extLst>
       <p:ext uri="{BB962C8B-B14F-4D97-AF65-F5344CB8AC3E}">
         <p14:creationId xmlns:p14="http://schemas.microsoft.com/office/powerpoint/2010/main" val="1884342347"/>
+      </p:ext>
+    </p:extLst>
+  </p:cSld>
+  <p:clrMapOvr>
+    <a:masterClrMapping/>
+  </p:clrMapOvr>
+  <mc:AlternateContent xmlns:mc="http://schemas.openxmlformats.org/markup-compatibility/2006" xmlns:p159="http://schemas.microsoft.com/office/powerpoint/2015/09/main">
+    <mc:Choice Requires="p159">
+      <p:transition xmlns:p14="http://schemas.microsoft.com/office/powerpoint/2010/main" spd="slow" p14:dur="2000">
+        <p159:morph option="byObject"/>
+      </p:transition>
+    </mc:Choice>
+    <mc:Fallback xmlns="">
+      <p:transition spd="slow">
+        <p:fade/>
+      </p:transition>
+    </mc:Fallback>
+  </mc:AlternateContent>
+</p:sld>
+</file>
+
+<file path=ppt/slides/slide20.xml><?xml version="1.0" encoding="utf-8"?>
+<p:sld xmlns:a="http://schemas.openxmlformats.org/drawingml/2006/main" xmlns:r="http://schemas.openxmlformats.org/officeDocument/2006/relationships" xmlns:p="http://schemas.openxmlformats.org/presentationml/2006/main">
+  <p:cSld>
+    <p:spTree>
+      <p:nvGrpSpPr>
+        <p:cNvPr id="1" name=""/>
+        <p:cNvGrpSpPr/>
+        <p:nvPr/>
+      </p:nvGrpSpPr>
+      <p:grpSpPr>
+        <a:xfrm>
+          <a:off x="0" y="0"/>
+          <a:ext cx="0" cy="0"/>
+          <a:chOff x="0" y="0"/>
+          <a:chExt cx="0" cy="0"/>
+        </a:xfrm>
+      </p:grpSpPr>
+      <p:sp>
+        <p:nvSpPr>
+          <p:cNvPr id="2" name="Title 1">
+            <a:extLst>
+              <a:ext uri="{FF2B5EF4-FFF2-40B4-BE49-F238E27FC236}">
+                <a16:creationId xmlns:a16="http://schemas.microsoft.com/office/drawing/2014/main" id="{88A8A327-822B-4D99-81ED-CB23238E4D54}"/>
+              </a:ext>
+            </a:extLst>
+          </p:cNvPr>
+          <p:cNvSpPr>
+            <a:spLocks noGrp="1"/>
+          </p:cNvSpPr>
+          <p:nvPr>
+            <p:ph type="title"/>
+          </p:nvPr>
+        </p:nvSpPr>
+        <p:spPr/>
+        <p:txBody>
+          <a:bodyPr/>
+          <a:lstStyle/>
+          <a:p>
+            <a:r>
+              <a:rPr lang="en-US"/>
+              <a:t>Beyond the Labs</a:t>
+            </a:r>
+            <a:endParaRPr lang="en-US" dirty="0"/>
+          </a:p>
+        </p:txBody>
+      </p:sp>
+      <p:sp>
+        <p:nvSpPr>
+          <p:cNvPr id="3" name="Content Placeholder 2">
+            <a:extLst>
+              <a:ext uri="{FF2B5EF4-FFF2-40B4-BE49-F238E27FC236}">
+                <a16:creationId xmlns:a16="http://schemas.microsoft.com/office/drawing/2014/main" id="{3A1AC5E1-BB10-48F6-8A6B-D015713626EE}"/>
+              </a:ext>
+            </a:extLst>
+          </p:cNvPr>
+          <p:cNvSpPr>
+            <a:spLocks noGrp="1"/>
+          </p:cNvSpPr>
+          <p:nvPr>
+            <p:ph idx="1"/>
+          </p:nvPr>
+        </p:nvSpPr>
+        <p:spPr/>
+        <p:txBody>
+          <a:bodyPr>
+            <a:normAutofit/>
+          </a:bodyPr>
+          <a:lstStyle/>
+          <a:p>
+            <a:pPr marL="0" indent="0" algn="just">
+              <a:buNone/>
+            </a:pPr>
+            <a:r>
+              <a:rPr lang="en-SG" sz="3200" u="sng" dirty="0">
+                <a:solidFill>
+                  <a:srgbClr val="00B0F0"/>
+                </a:solidFill>
+              </a:rPr>
+              <a:t>3</a:t>
+            </a:r>
+            <a:r>
+              <a:rPr lang="en-SG" sz="3200" dirty="0"/>
+              <a:t> hosted environments </a:t>
+            </a:r>
+          </a:p>
+          <a:p>
+            <a:pPr marL="0" indent="0" algn="just">
+              <a:buNone/>
+            </a:pPr>
+            <a:r>
+              <a:rPr lang="en-SG" sz="2000" dirty="0"/>
+              <a:t>(Microsoft Azure, Heroku, localhost)</a:t>
+            </a:r>
+          </a:p>
+          <a:p>
+            <a:pPr marL="0" indent="0" algn="just">
+              <a:buNone/>
+            </a:pPr>
+            <a:endParaRPr lang="en-SG" sz="3200" dirty="0"/>
+          </a:p>
+          <a:p>
+            <a:pPr marL="0" indent="0" algn="just">
+              <a:buNone/>
+            </a:pPr>
+            <a:r>
+              <a:rPr lang="en-SG" sz="3200" u="sng" dirty="0">
+                <a:solidFill>
+                  <a:srgbClr val="00B0F0"/>
+                </a:solidFill>
+              </a:rPr>
+              <a:t>4</a:t>
+            </a:r>
+            <a:r>
+              <a:rPr lang="en-SG" sz="3200" dirty="0"/>
+              <a:t> programming languages </a:t>
+            </a:r>
+          </a:p>
+          <a:p>
+            <a:pPr marL="0" indent="0" algn="just">
+              <a:buNone/>
+            </a:pPr>
+            <a:r>
+              <a:rPr lang="en-SG" sz="2000" dirty="0"/>
+              <a:t>(C#, Java, PHP, Python)</a:t>
+            </a:r>
+          </a:p>
+          <a:p>
+            <a:pPr marL="0" indent="0" algn="just">
+              <a:buNone/>
+            </a:pPr>
+            <a:endParaRPr lang="en-SG" sz="3200" dirty="0"/>
+          </a:p>
+          <a:p>
+            <a:pPr marL="0" indent="0" algn="just">
+              <a:buNone/>
+            </a:pPr>
+            <a:r>
+              <a:rPr lang="en-SG" sz="3200" u="sng" dirty="0">
+                <a:solidFill>
+                  <a:srgbClr val="00B0F0"/>
+                </a:solidFill>
+              </a:rPr>
+              <a:t>7</a:t>
+            </a:r>
+            <a:r>
+              <a:rPr lang="en-SG" sz="3200" dirty="0"/>
+              <a:t> out-of-classroom TIBCO BW palette</a:t>
+            </a:r>
+          </a:p>
+          <a:p>
+            <a:pPr marL="0" indent="0" algn="just">
+              <a:buNone/>
+            </a:pPr>
+            <a:r>
+              <a:rPr lang="en-SG" sz="2000" dirty="0"/>
+              <a:t>(Waiting for JMS message, Assigning variable on IM, Twitter Plugin, Send Mail Plugin, Timer Plugin, File </a:t>
+            </a:r>
+            <a:r>
+              <a:rPr lang="en-SG" sz="2000" dirty="0" err="1"/>
+              <a:t>Poller</a:t>
+            </a:r>
+            <a:r>
+              <a:rPr lang="en-SG" sz="2000" dirty="0"/>
+              <a:t> Plugin, Grouping Repeat-On-Error-Till-True)</a:t>
+            </a:r>
+          </a:p>
+          <a:p>
+            <a:pPr marL="0" indent="0" algn="just">
+              <a:buNone/>
+            </a:pPr>
+            <a:endParaRPr lang="en-SG" sz="3200" dirty="0"/>
+          </a:p>
+          <a:p>
+            <a:pPr marL="0" indent="0">
+              <a:buNone/>
+            </a:pPr>
+            <a:endParaRPr lang="en-SG" dirty="0"/>
+          </a:p>
+        </p:txBody>
+      </p:sp>
+    </p:spTree>
+    <p:extLst>
+      <p:ext uri="{BB962C8B-B14F-4D97-AF65-F5344CB8AC3E}">
+        <p14:creationId xmlns:p14="http://schemas.microsoft.com/office/powerpoint/2010/main" val="3129491093"/>
       </p:ext>
     </p:extLst>
   </p:cSld>

--- a/Documentations/EI Presentation.pptx
+++ b/Documentations/EI Presentation.pptx
@@ -136,6 +136,362 @@
 
 <file path=ppt/changesInfos/changesInfo1.xml><?xml version="1.0" encoding="utf-8"?>
 <pc:chgInfo xmlns:a="http://schemas.openxmlformats.org/drawingml/2006/main" xmlns:r="http://schemas.openxmlformats.org/officeDocument/2006/relationships" xmlns:ac="http://schemas.microsoft.com/office/drawing/2013/main/command" xmlns:pc="http://schemas.microsoft.com/office/powerpoint/2013/main/command">
+  <pc:docChgLst>
+    <pc:chgData name="Eugene CHOY Wen Jia" userId="f0093c6c-aad3-47c8-981f-e49faae5c851" providerId="ADAL" clId="{B65169D4-58A5-4377-916D-9049F8FD685F}"/>
+    <pc:docChg chg="undo custSel addSld modSld sldOrd">
+      <pc:chgData name="Eugene CHOY Wen Jia" userId="f0093c6c-aad3-47c8-981f-e49faae5c851" providerId="ADAL" clId="{B65169D4-58A5-4377-916D-9049F8FD685F}" dt="2018-03-30T10:49:47.921" v="385" actId="20577"/>
+      <pc:docMkLst>
+        <pc:docMk/>
+      </pc:docMkLst>
+      <pc:sldChg chg="modSp">
+        <pc:chgData name="Eugene CHOY Wen Jia" userId="f0093c6c-aad3-47c8-981f-e49faae5c851" providerId="ADAL" clId="{B65169D4-58A5-4377-916D-9049F8FD685F}" dt="2018-03-30T10:49:47.921" v="385" actId="20577"/>
+        <pc:sldMkLst>
+          <pc:docMk/>
+          <pc:sldMk cId="3129491093" sldId="261"/>
+        </pc:sldMkLst>
+        <pc:spChg chg="mod">
+          <ac:chgData name="Eugene CHOY Wen Jia" userId="f0093c6c-aad3-47c8-981f-e49faae5c851" providerId="ADAL" clId="{B65169D4-58A5-4377-916D-9049F8FD685F}" dt="2018-03-30T10:49:47.921" v="385" actId="20577"/>
+          <ac:spMkLst>
+            <pc:docMk/>
+            <pc:sldMk cId="3129491093" sldId="261"/>
+            <ac:spMk id="2" creationId="{88A8A327-822B-4D99-81ED-CB23238E4D54}"/>
+          </ac:spMkLst>
+        </pc:spChg>
+      </pc:sldChg>
+      <pc:sldChg chg="addSp delSp modSp">
+        <pc:chgData name="Eugene CHOY Wen Jia" userId="f0093c6c-aad3-47c8-981f-e49faae5c851" providerId="ADAL" clId="{B65169D4-58A5-4377-916D-9049F8FD685F}" dt="2018-03-30T10:32:02.066" v="362" actId="1076"/>
+        <pc:sldMkLst>
+          <pc:docMk/>
+          <pc:sldMk cId="1763506197" sldId="276"/>
+        </pc:sldMkLst>
+        <pc:spChg chg="add mod">
+          <ac:chgData name="Eugene CHOY Wen Jia" userId="f0093c6c-aad3-47c8-981f-e49faae5c851" providerId="ADAL" clId="{B65169D4-58A5-4377-916D-9049F8FD685F}" dt="2018-03-30T10:29:23.410" v="358" actId="1076"/>
+          <ac:spMkLst>
+            <pc:docMk/>
+            <pc:sldMk cId="1763506197" sldId="276"/>
+            <ac:spMk id="2" creationId="{92FEA579-8D88-40C4-834F-21E8DFFC029C}"/>
+          </ac:spMkLst>
+        </pc:spChg>
+        <pc:spChg chg="del mod">
+          <ac:chgData name="Eugene CHOY Wen Jia" userId="f0093c6c-aad3-47c8-981f-e49faae5c851" providerId="ADAL" clId="{B65169D4-58A5-4377-916D-9049F8FD685F}" dt="2018-03-30T10:23:58.037" v="177" actId="1076"/>
+          <ac:spMkLst>
+            <pc:docMk/>
+            <pc:sldMk cId="1763506197" sldId="276"/>
+            <ac:spMk id="5" creationId="{612B5993-4415-41FC-BB77-1979082721DC}"/>
+          </ac:spMkLst>
+        </pc:spChg>
+        <pc:spChg chg="add del mod">
+          <ac:chgData name="Eugene CHOY Wen Jia" userId="f0093c6c-aad3-47c8-981f-e49faae5c851" providerId="ADAL" clId="{B65169D4-58A5-4377-916D-9049F8FD685F}" dt="2018-03-30T10:27:56.292" v="193" actId="478"/>
+          <ac:spMkLst>
+            <pc:docMk/>
+            <pc:sldMk cId="1763506197" sldId="276"/>
+            <ac:spMk id="7" creationId="{DB4ACA99-0E4A-454D-84E1-33C38A961229}"/>
+          </ac:spMkLst>
+        </pc:spChg>
+        <pc:spChg chg="add mod">
+          <ac:chgData name="Eugene CHOY Wen Jia" userId="f0093c6c-aad3-47c8-981f-e49faae5c851" providerId="ADAL" clId="{B65169D4-58A5-4377-916D-9049F8FD685F}" dt="2018-03-30T10:29:23.410" v="358" actId="1076"/>
+          <ac:spMkLst>
+            <pc:docMk/>
+            <pc:sldMk cId="1763506197" sldId="276"/>
+            <ac:spMk id="9" creationId="{AA6DA0A2-BD2E-414B-9D82-E1A7CB0E0F71}"/>
+          </ac:spMkLst>
+        </pc:spChg>
+        <pc:spChg chg="add mod">
+          <ac:chgData name="Eugene CHOY Wen Jia" userId="f0093c6c-aad3-47c8-981f-e49faae5c851" providerId="ADAL" clId="{B65169D4-58A5-4377-916D-9049F8FD685F}" dt="2018-03-30T10:29:23.410" v="358" actId="1076"/>
+          <ac:spMkLst>
+            <pc:docMk/>
+            <pc:sldMk cId="1763506197" sldId="276"/>
+            <ac:spMk id="10" creationId="{BD91DEE8-58ED-4D41-AB72-2E59ACED9529}"/>
+          </ac:spMkLst>
+        </pc:spChg>
+        <pc:spChg chg="add mod">
+          <ac:chgData name="Eugene CHOY Wen Jia" userId="f0093c6c-aad3-47c8-981f-e49faae5c851" providerId="ADAL" clId="{B65169D4-58A5-4377-916D-9049F8FD685F}" dt="2018-03-30T10:29:23.410" v="358" actId="1076"/>
+          <ac:spMkLst>
+            <pc:docMk/>
+            <pc:sldMk cId="1763506197" sldId="276"/>
+            <ac:spMk id="11" creationId="{C9E731CC-F9DC-47AD-8498-10B6685FCF0F}"/>
+          </ac:spMkLst>
+        </pc:spChg>
+        <pc:picChg chg="add del mod">
+          <ac:chgData name="Eugene CHOY Wen Jia" userId="f0093c6c-aad3-47c8-981f-e49faae5c851" providerId="ADAL" clId="{B65169D4-58A5-4377-916D-9049F8FD685F}" dt="2018-03-30T10:27:36.356" v="186" actId="478"/>
+          <ac:picMkLst>
+            <pc:docMk/>
+            <pc:sldMk cId="1763506197" sldId="276"/>
+            <ac:picMk id="6" creationId="{ECB926F0-FA6C-4C5C-AEB3-BB48EBCF82E1}"/>
+          </ac:picMkLst>
+        </pc:picChg>
+        <pc:picChg chg="add mod ord">
+          <ac:chgData name="Eugene CHOY Wen Jia" userId="f0093c6c-aad3-47c8-981f-e49faae5c851" providerId="ADAL" clId="{B65169D4-58A5-4377-916D-9049F8FD685F}" dt="2018-03-30T10:29:23.410" v="358" actId="1076"/>
+          <ac:picMkLst>
+            <pc:docMk/>
+            <pc:sldMk cId="1763506197" sldId="276"/>
+            <ac:picMk id="8" creationId="{9D706A57-5873-46B6-AFEE-66A3B0213655}"/>
+          </ac:picMkLst>
+        </pc:picChg>
+        <pc:picChg chg="add mod">
+          <ac:chgData name="Eugene CHOY Wen Jia" userId="f0093c6c-aad3-47c8-981f-e49faae5c851" providerId="ADAL" clId="{B65169D4-58A5-4377-916D-9049F8FD685F}" dt="2018-03-30T10:32:02.066" v="362" actId="1076"/>
+          <ac:picMkLst>
+            <pc:docMk/>
+            <pc:sldMk cId="1763506197" sldId="276"/>
+            <ac:picMk id="12" creationId="{8321173F-7477-48E9-98C9-6AF6E0C18900}"/>
+          </ac:picMkLst>
+        </pc:picChg>
+      </pc:sldChg>
+      <pc:sldChg chg="addSp delSp modSp ord">
+        <pc:chgData name="Eugene CHOY Wen Jia" userId="f0093c6c-aad3-47c8-981f-e49faae5c851" providerId="ADAL" clId="{B65169D4-58A5-4377-916D-9049F8FD685F}" dt="2018-03-30T10:32:40.240" v="366" actId="1076"/>
+        <pc:sldMkLst>
+          <pc:docMk/>
+          <pc:sldMk cId="518247939" sldId="277"/>
+        </pc:sldMkLst>
+        <pc:spChg chg="del">
+          <ac:chgData name="Eugene CHOY Wen Jia" userId="f0093c6c-aad3-47c8-981f-e49faae5c851" providerId="ADAL" clId="{B65169D4-58A5-4377-916D-9049F8FD685F}" dt="2018-03-30T09:15:26.690" v="121" actId="478"/>
+          <ac:spMkLst>
+            <pc:docMk/>
+            <pc:sldMk cId="518247939" sldId="277"/>
+            <ac:spMk id="3" creationId="{4693C19A-DDF9-438D-A19B-4B14DD418721}"/>
+          </ac:spMkLst>
+        </pc:spChg>
+        <pc:spChg chg="add mod">
+          <ac:chgData name="Eugene CHOY Wen Jia" userId="f0093c6c-aad3-47c8-981f-e49faae5c851" providerId="ADAL" clId="{B65169D4-58A5-4377-916D-9049F8FD685F}" dt="2018-03-30T10:06:58.700" v="150" actId="208"/>
+          <ac:spMkLst>
+            <pc:docMk/>
+            <pc:sldMk cId="518247939" sldId="277"/>
+            <ac:spMk id="5" creationId="{688C200C-E783-43DC-8E9F-644944934EAF}"/>
+          </ac:spMkLst>
+        </pc:spChg>
+        <pc:spChg chg="add del">
+          <ac:chgData name="Eugene CHOY Wen Jia" userId="f0093c6c-aad3-47c8-981f-e49faae5c851" providerId="ADAL" clId="{B65169D4-58A5-4377-916D-9049F8FD685F}" dt="2018-03-30T10:05:53.168" v="137" actId="1076"/>
+          <ac:spMkLst>
+            <pc:docMk/>
+            <pc:sldMk cId="518247939" sldId="277"/>
+            <ac:spMk id="7" creationId="{0B1068C0-973E-4865-B179-4A5D7EE1F357}"/>
+          </ac:spMkLst>
+        </pc:spChg>
+        <pc:spChg chg="add mod">
+          <ac:chgData name="Eugene CHOY Wen Jia" userId="f0093c6c-aad3-47c8-981f-e49faae5c851" providerId="ADAL" clId="{B65169D4-58A5-4377-916D-9049F8FD685F}" dt="2018-03-30T10:06:58.700" v="150" actId="208"/>
+          <ac:spMkLst>
+            <pc:docMk/>
+            <pc:sldMk cId="518247939" sldId="277"/>
+            <ac:spMk id="8" creationId="{092F31A1-2CA8-469B-A6F0-B099C3D200F2}"/>
+          </ac:spMkLst>
+        </pc:spChg>
+        <pc:spChg chg="add mod">
+          <ac:chgData name="Eugene CHOY Wen Jia" userId="f0093c6c-aad3-47c8-981f-e49faae5c851" providerId="ADAL" clId="{B65169D4-58A5-4377-916D-9049F8FD685F}" dt="2018-03-30T10:07:53.442" v="175" actId="1076"/>
+          <ac:spMkLst>
+            <pc:docMk/>
+            <pc:sldMk cId="518247939" sldId="277"/>
+            <ac:spMk id="11" creationId="{8747C52C-D856-4D35-B65C-39137DBC57FC}"/>
+          </ac:spMkLst>
+        </pc:spChg>
+        <pc:spChg chg="add mod">
+          <ac:chgData name="Eugene CHOY Wen Jia" userId="f0093c6c-aad3-47c8-981f-e49faae5c851" providerId="ADAL" clId="{B65169D4-58A5-4377-916D-9049F8FD685F}" dt="2018-03-30T10:32:40.240" v="366" actId="1076"/>
+          <ac:spMkLst>
+            <pc:docMk/>
+            <pc:sldMk cId="518247939" sldId="277"/>
+            <ac:spMk id="12" creationId="{9BAD48DA-6D6F-4549-9A9F-A98C2C9FE73C}"/>
+          </ac:spMkLst>
+        </pc:spChg>
+        <pc:spChg chg="add mod">
+          <ac:chgData name="Eugene CHOY Wen Jia" userId="f0093c6c-aad3-47c8-981f-e49faae5c851" providerId="ADAL" clId="{B65169D4-58A5-4377-916D-9049F8FD685F}" dt="2018-03-30T10:32:32.971" v="365" actId="1076"/>
+          <ac:spMkLst>
+            <pc:docMk/>
+            <pc:sldMk cId="518247939" sldId="277"/>
+            <ac:spMk id="13" creationId="{2B48658C-50F3-4528-89FC-C2BB0AD6A630}"/>
+          </ac:spMkLst>
+        </pc:spChg>
+        <pc:picChg chg="add mod modCrop">
+          <ac:chgData name="Eugene CHOY Wen Jia" userId="f0093c6c-aad3-47c8-981f-e49faae5c851" providerId="ADAL" clId="{B65169D4-58A5-4377-916D-9049F8FD685F}" dt="2018-03-30T10:06:58.700" v="150" actId="208"/>
+          <ac:picMkLst>
+            <pc:docMk/>
+            <pc:sldMk cId="518247939" sldId="277"/>
+            <ac:picMk id="4" creationId="{0C25F157-AD76-4E14-8B68-DDF5966A4CC9}"/>
+          </ac:picMkLst>
+        </pc:picChg>
+        <pc:picChg chg="add mod">
+          <ac:chgData name="Eugene CHOY Wen Jia" userId="f0093c6c-aad3-47c8-981f-e49faae5c851" providerId="ADAL" clId="{B65169D4-58A5-4377-916D-9049F8FD685F}" dt="2018-03-30T10:02:33.451" v="133" actId="14100"/>
+          <ac:picMkLst>
+            <pc:docMk/>
+            <pc:sldMk cId="518247939" sldId="277"/>
+            <ac:picMk id="6" creationId="{E07969B6-E179-46E8-A084-CD28D721C64A}"/>
+          </ac:picMkLst>
+        </pc:picChg>
+        <pc:cxnChg chg="add mod">
+          <ac:chgData name="Eugene CHOY Wen Jia" userId="f0093c6c-aad3-47c8-981f-e49faae5c851" providerId="ADAL" clId="{B65169D4-58A5-4377-916D-9049F8FD685F}" dt="2018-03-30T10:07:10.445" v="151" actId="208"/>
+          <ac:cxnSpMkLst>
+            <pc:docMk/>
+            <pc:sldMk cId="518247939" sldId="277"/>
+            <ac:cxnSpMk id="10" creationId="{EE47AE5A-04DA-493A-9F4A-0F9B12606223}"/>
+          </ac:cxnSpMkLst>
+        </pc:cxnChg>
+      </pc:sldChg>
+      <pc:sldChg chg="addSp delSp modSp add ord">
+        <pc:chgData name="Eugene CHOY Wen Jia" userId="f0093c6c-aad3-47c8-981f-e49faae5c851" providerId="ADAL" clId="{B65169D4-58A5-4377-916D-9049F8FD685F}" dt="2018-03-30T09:10:14.083" v="68" actId="14100"/>
+        <pc:sldMkLst>
+          <pc:docMk/>
+          <pc:sldMk cId="2088767261" sldId="278"/>
+        </pc:sldMkLst>
+        <pc:spChg chg="mod">
+          <ac:chgData name="Eugene CHOY Wen Jia" userId="f0093c6c-aad3-47c8-981f-e49faae5c851" providerId="ADAL" clId="{B65169D4-58A5-4377-916D-9049F8FD685F}" dt="2018-03-30T09:05:14.311" v="8" actId="20577"/>
+          <ac:spMkLst>
+            <pc:docMk/>
+            <pc:sldMk cId="2088767261" sldId="278"/>
+            <ac:spMk id="2" creationId="{37FD307A-8AC0-4F40-A76C-38FD37BF20F8}"/>
+          </ac:spMkLst>
+        </pc:spChg>
+        <pc:spChg chg="del">
+          <ac:chgData name="Eugene CHOY Wen Jia" userId="f0093c6c-aad3-47c8-981f-e49faae5c851" providerId="ADAL" clId="{B65169D4-58A5-4377-916D-9049F8FD685F}" dt="2018-03-30T09:05:31.173" v="10" actId="478"/>
+          <ac:spMkLst>
+            <pc:docMk/>
+            <pc:sldMk cId="2088767261" sldId="278"/>
+            <ac:spMk id="3" creationId="{B0E596CC-AB04-4A2D-8C89-5BD27D6EB3DC}"/>
+          </ac:spMkLst>
+        </pc:spChg>
+        <pc:spChg chg="add mod">
+          <ac:chgData name="Eugene CHOY Wen Jia" userId="f0093c6c-aad3-47c8-981f-e49faae5c851" providerId="ADAL" clId="{B65169D4-58A5-4377-916D-9049F8FD685F}" dt="2018-03-30T09:08:25.407" v="46" actId="1076"/>
+          <ac:spMkLst>
+            <pc:docMk/>
+            <pc:sldMk cId="2088767261" sldId="278"/>
+            <ac:spMk id="5" creationId="{69F56EFE-EEA8-4B4D-972A-5BB8CBD33647}"/>
+          </ac:spMkLst>
+        </pc:spChg>
+        <pc:spChg chg="add mod">
+          <ac:chgData name="Eugene CHOY Wen Jia" userId="f0093c6c-aad3-47c8-981f-e49faae5c851" providerId="ADAL" clId="{B65169D4-58A5-4377-916D-9049F8FD685F}" dt="2018-03-30T09:10:06.704" v="67" actId="14100"/>
+          <ac:spMkLst>
+            <pc:docMk/>
+            <pc:sldMk cId="2088767261" sldId="278"/>
+            <ac:spMk id="6" creationId="{0B0FBA32-A551-4806-AB2D-D921D433BFD0}"/>
+          </ac:spMkLst>
+        </pc:spChg>
+        <pc:spChg chg="add mod">
+          <ac:chgData name="Eugene CHOY Wen Jia" userId="f0093c6c-aad3-47c8-981f-e49faae5c851" providerId="ADAL" clId="{B65169D4-58A5-4377-916D-9049F8FD685F}" dt="2018-03-30T09:10:14.083" v="68" actId="14100"/>
+          <ac:spMkLst>
+            <pc:docMk/>
+            <pc:sldMk cId="2088767261" sldId="278"/>
+            <ac:spMk id="8" creationId="{7FB6F554-892D-4400-8A2F-C40A04CA04FB}"/>
+          </ac:spMkLst>
+        </pc:spChg>
+        <pc:spChg chg="add mod">
+          <ac:chgData name="Eugene CHOY Wen Jia" userId="f0093c6c-aad3-47c8-981f-e49faae5c851" providerId="ADAL" clId="{B65169D4-58A5-4377-916D-9049F8FD685F}" dt="2018-03-30T09:09:57.877" v="66" actId="1076"/>
+          <ac:spMkLst>
+            <pc:docMk/>
+            <pc:sldMk cId="2088767261" sldId="278"/>
+            <ac:spMk id="9" creationId="{09987B6F-467F-4ECB-AE35-C3BD65DC41EB}"/>
+          </ac:spMkLst>
+        </pc:spChg>
+        <pc:picChg chg="add mod modCrop">
+          <ac:chgData name="Eugene CHOY Wen Jia" userId="f0093c6c-aad3-47c8-981f-e49faae5c851" providerId="ADAL" clId="{B65169D4-58A5-4377-916D-9049F8FD685F}" dt="2018-03-30T09:05:43.348" v="13" actId="732"/>
+          <ac:picMkLst>
+            <pc:docMk/>
+            <pc:sldMk cId="2088767261" sldId="278"/>
+            <ac:picMk id="4" creationId="{F6882C4E-75FC-4579-96FD-436239B98627}"/>
+          </ac:picMkLst>
+        </pc:picChg>
+        <pc:picChg chg="add mod modCrop">
+          <ac:chgData name="Eugene CHOY Wen Jia" userId="f0093c6c-aad3-47c8-981f-e49faae5c851" providerId="ADAL" clId="{B65169D4-58A5-4377-916D-9049F8FD685F}" dt="2018-03-30T09:08:36.461" v="47" actId="732"/>
+          <ac:picMkLst>
+            <pc:docMk/>
+            <pc:sldMk cId="2088767261" sldId="278"/>
+            <ac:picMk id="7" creationId="{EE15B64E-081E-4C23-B762-3EB354DE8CB8}"/>
+          </ac:picMkLst>
+        </pc:picChg>
+      </pc:sldChg>
+      <pc:sldChg chg="addSp delSp modSp add">
+        <pc:chgData name="Eugene CHOY Wen Jia" userId="f0093c6c-aad3-47c8-981f-e49faae5c851" providerId="ADAL" clId="{B65169D4-58A5-4377-916D-9049F8FD685F}" dt="2018-03-30T09:14:58.648" v="119" actId="1076"/>
+        <pc:sldMkLst>
+          <pc:docMk/>
+          <pc:sldMk cId="4267558421" sldId="279"/>
+        </pc:sldMkLst>
+        <pc:spChg chg="del">
+          <ac:chgData name="Eugene CHOY Wen Jia" userId="f0093c6c-aad3-47c8-981f-e49faae5c851" providerId="ADAL" clId="{B65169D4-58A5-4377-916D-9049F8FD685F}" dt="2018-03-30T09:11:57.501" v="72" actId="478"/>
+          <ac:spMkLst>
+            <pc:docMk/>
+            <pc:sldMk cId="4267558421" sldId="279"/>
+            <ac:spMk id="5" creationId="{69F56EFE-EEA8-4B4D-972A-5BB8CBD33647}"/>
+          </ac:spMkLst>
+        </pc:spChg>
+        <pc:spChg chg="del">
+          <ac:chgData name="Eugene CHOY Wen Jia" userId="f0093c6c-aad3-47c8-981f-e49faae5c851" providerId="ADAL" clId="{B65169D4-58A5-4377-916D-9049F8FD685F}" dt="2018-03-30T09:11:57.501" v="72" actId="478"/>
+          <ac:spMkLst>
+            <pc:docMk/>
+            <pc:sldMk cId="4267558421" sldId="279"/>
+            <ac:spMk id="6" creationId="{0B0FBA32-A551-4806-AB2D-D921D433BFD0}"/>
+          </ac:spMkLst>
+        </pc:spChg>
+        <pc:spChg chg="del">
+          <ac:chgData name="Eugene CHOY Wen Jia" userId="f0093c6c-aad3-47c8-981f-e49faae5c851" providerId="ADAL" clId="{B65169D4-58A5-4377-916D-9049F8FD685F}" dt="2018-03-30T09:13:58.738" v="97" actId="478"/>
+          <ac:spMkLst>
+            <pc:docMk/>
+            <pc:sldMk cId="4267558421" sldId="279"/>
+            <ac:spMk id="8" creationId="{7FB6F554-892D-4400-8A2F-C40A04CA04FB}"/>
+          </ac:spMkLst>
+        </pc:spChg>
+        <pc:spChg chg="mod">
+          <ac:chgData name="Eugene CHOY Wen Jia" userId="f0093c6c-aad3-47c8-981f-e49faae5c851" providerId="ADAL" clId="{B65169D4-58A5-4377-916D-9049F8FD685F}" dt="2018-03-30T09:12:26.876" v="89" actId="1076"/>
+          <ac:spMkLst>
+            <pc:docMk/>
+            <pc:sldMk cId="4267558421" sldId="279"/>
+            <ac:spMk id="9" creationId="{09987B6F-467F-4ECB-AE35-C3BD65DC41EB}"/>
+          </ac:spMkLst>
+        </pc:spChg>
+        <pc:spChg chg="add mod">
+          <ac:chgData name="Eugene CHOY Wen Jia" userId="f0093c6c-aad3-47c8-981f-e49faae5c851" providerId="ADAL" clId="{B65169D4-58A5-4377-916D-9049F8FD685F}" dt="2018-03-30T09:12:53.828" v="96" actId="14100"/>
+          <ac:spMkLst>
+            <pc:docMk/>
+            <pc:sldMk cId="4267558421" sldId="279"/>
+            <ac:spMk id="11" creationId="{4E158C6D-14E6-4678-8F20-291AE2B06ECB}"/>
+          </ac:spMkLst>
+        </pc:spChg>
+        <pc:spChg chg="add mod">
+          <ac:chgData name="Eugene CHOY Wen Jia" userId="f0093c6c-aad3-47c8-981f-e49faae5c851" providerId="ADAL" clId="{B65169D4-58A5-4377-916D-9049F8FD685F}" dt="2018-03-30T09:14:22.873" v="108" actId="20577"/>
+          <ac:spMkLst>
+            <pc:docMk/>
+            <pc:sldMk cId="4267558421" sldId="279"/>
+            <ac:spMk id="13" creationId="{195F7C3C-093E-45EB-909E-489CE6FFC402}"/>
+          </ac:spMkLst>
+        </pc:spChg>
+        <pc:spChg chg="add mod">
+          <ac:chgData name="Eugene CHOY Wen Jia" userId="f0093c6c-aad3-47c8-981f-e49faae5c851" providerId="ADAL" clId="{B65169D4-58A5-4377-916D-9049F8FD685F}" dt="2018-03-30T09:14:58.648" v="119" actId="1076"/>
+          <ac:spMkLst>
+            <pc:docMk/>
+            <pc:sldMk cId="4267558421" sldId="279"/>
+            <ac:spMk id="14" creationId="{6109AFCB-0F14-4A8D-A5EB-0AABBB587842}"/>
+          </ac:spMkLst>
+        </pc:spChg>
+        <pc:picChg chg="del">
+          <ac:chgData name="Eugene CHOY Wen Jia" userId="f0093c6c-aad3-47c8-981f-e49faae5c851" providerId="ADAL" clId="{B65169D4-58A5-4377-916D-9049F8FD685F}" dt="2018-03-30T09:11:57.501" v="72" actId="478"/>
+          <ac:picMkLst>
+            <pc:docMk/>
+            <pc:sldMk cId="4267558421" sldId="279"/>
+            <ac:picMk id="4" creationId="{F6882C4E-75FC-4579-96FD-436239B98627}"/>
+          </ac:picMkLst>
+        </pc:picChg>
+        <pc:picChg chg="add del">
+          <ac:chgData name="Eugene CHOY Wen Jia" userId="f0093c6c-aad3-47c8-981f-e49faae5c851" providerId="ADAL" clId="{B65169D4-58A5-4377-916D-9049F8FD685F}" dt="2018-03-30T09:12:06.917" v="75" actId="478"/>
+          <ac:picMkLst>
+            <pc:docMk/>
+            <pc:sldMk cId="4267558421" sldId="279"/>
+            <ac:picMk id="7" creationId="{EE15B64E-081E-4C23-B762-3EB354DE8CB8}"/>
+          </ac:picMkLst>
+        </pc:picChg>
+        <pc:picChg chg="add mod">
+          <ac:chgData name="Eugene CHOY Wen Jia" userId="f0093c6c-aad3-47c8-981f-e49faae5c851" providerId="ADAL" clId="{B65169D4-58A5-4377-916D-9049F8FD685F}" dt="2018-03-30T09:12:04.531" v="74" actId="1076"/>
+          <ac:picMkLst>
+            <pc:docMk/>
+            <pc:sldMk cId="4267558421" sldId="279"/>
+            <ac:picMk id="10" creationId="{AED48D7C-AFFA-4DD1-BB39-FBA01AF56AC3}"/>
+          </ac:picMkLst>
+        </pc:picChg>
+        <pc:picChg chg="add mod">
+          <ac:chgData name="Eugene CHOY Wen Jia" userId="f0093c6c-aad3-47c8-981f-e49faae5c851" providerId="ADAL" clId="{B65169D4-58A5-4377-916D-9049F8FD685F}" dt="2018-03-30T09:14:08.218" v="99" actId="1076"/>
+          <ac:picMkLst>
+            <pc:docMk/>
+            <pc:sldMk cId="4267558421" sldId="279"/>
+            <ac:picMk id="12" creationId="{9EB3F8CA-A722-4976-A15D-221B9C25224E}"/>
+          </ac:picMkLst>
+        </pc:picChg>
+      </pc:sldChg>
+    </pc:docChg>
+  </pc:docChgLst>
   <pc:docChgLst>
     <pc:chgData name=" " userId="f0093c6c-aad3-47c8-981f-e49faae5c851" providerId="ADAL" clId="{3552CE5B-0803-49BD-A011-F4C75B92F40C}"/>
     <pc:docChg chg="undo custSel addSld delSld modSld sldOrd modMainMaster">
@@ -373,362 +729,6 @@
     </pc:docChg>
   </pc:docChgLst>
   <pc:docChgLst>
-    <pc:chgData name="Eugene CHOY Wen Jia" userId="f0093c6c-aad3-47c8-981f-e49faae5c851" providerId="ADAL" clId="{B65169D4-58A5-4377-916D-9049F8FD685F}"/>
-    <pc:docChg chg="undo custSel addSld modSld sldOrd">
-      <pc:chgData name="Eugene CHOY Wen Jia" userId="f0093c6c-aad3-47c8-981f-e49faae5c851" providerId="ADAL" clId="{B65169D4-58A5-4377-916D-9049F8FD685F}" dt="2018-03-30T10:49:47.921" v="385" actId="20577"/>
-      <pc:docMkLst>
-        <pc:docMk/>
-      </pc:docMkLst>
-      <pc:sldChg chg="modSp">
-        <pc:chgData name="Eugene CHOY Wen Jia" userId="f0093c6c-aad3-47c8-981f-e49faae5c851" providerId="ADAL" clId="{B65169D4-58A5-4377-916D-9049F8FD685F}" dt="2018-03-30T10:49:47.921" v="385" actId="20577"/>
-        <pc:sldMkLst>
-          <pc:docMk/>
-          <pc:sldMk cId="3129491093" sldId="261"/>
-        </pc:sldMkLst>
-        <pc:spChg chg="mod">
-          <ac:chgData name="Eugene CHOY Wen Jia" userId="f0093c6c-aad3-47c8-981f-e49faae5c851" providerId="ADAL" clId="{B65169D4-58A5-4377-916D-9049F8FD685F}" dt="2018-03-30T10:49:47.921" v="385" actId="20577"/>
-          <ac:spMkLst>
-            <pc:docMk/>
-            <pc:sldMk cId="3129491093" sldId="261"/>
-            <ac:spMk id="2" creationId="{88A8A327-822B-4D99-81ED-CB23238E4D54}"/>
-          </ac:spMkLst>
-        </pc:spChg>
-      </pc:sldChg>
-      <pc:sldChg chg="addSp delSp modSp">
-        <pc:chgData name="Eugene CHOY Wen Jia" userId="f0093c6c-aad3-47c8-981f-e49faae5c851" providerId="ADAL" clId="{B65169D4-58A5-4377-916D-9049F8FD685F}" dt="2018-03-30T10:32:02.066" v="362" actId="1076"/>
-        <pc:sldMkLst>
-          <pc:docMk/>
-          <pc:sldMk cId="1763506197" sldId="276"/>
-        </pc:sldMkLst>
-        <pc:spChg chg="add mod">
-          <ac:chgData name="Eugene CHOY Wen Jia" userId="f0093c6c-aad3-47c8-981f-e49faae5c851" providerId="ADAL" clId="{B65169D4-58A5-4377-916D-9049F8FD685F}" dt="2018-03-30T10:29:23.410" v="358" actId="1076"/>
-          <ac:spMkLst>
-            <pc:docMk/>
-            <pc:sldMk cId="1763506197" sldId="276"/>
-            <ac:spMk id="2" creationId="{92FEA579-8D88-40C4-834F-21E8DFFC029C}"/>
-          </ac:spMkLst>
-        </pc:spChg>
-        <pc:spChg chg="del mod">
-          <ac:chgData name="Eugene CHOY Wen Jia" userId="f0093c6c-aad3-47c8-981f-e49faae5c851" providerId="ADAL" clId="{B65169D4-58A5-4377-916D-9049F8FD685F}" dt="2018-03-30T10:23:58.037" v="177"/>
-          <ac:spMkLst>
-            <pc:docMk/>
-            <pc:sldMk cId="1763506197" sldId="276"/>
-            <ac:spMk id="5" creationId="{612B5993-4415-41FC-BB77-1979082721DC}"/>
-          </ac:spMkLst>
-        </pc:spChg>
-        <pc:spChg chg="add del mod">
-          <ac:chgData name="Eugene CHOY Wen Jia" userId="f0093c6c-aad3-47c8-981f-e49faae5c851" providerId="ADAL" clId="{B65169D4-58A5-4377-916D-9049F8FD685F}" dt="2018-03-30T10:27:56.292" v="193" actId="478"/>
-          <ac:spMkLst>
-            <pc:docMk/>
-            <pc:sldMk cId="1763506197" sldId="276"/>
-            <ac:spMk id="7" creationId="{DB4ACA99-0E4A-454D-84E1-33C38A961229}"/>
-          </ac:spMkLst>
-        </pc:spChg>
-        <pc:spChg chg="add mod">
-          <ac:chgData name="Eugene CHOY Wen Jia" userId="f0093c6c-aad3-47c8-981f-e49faae5c851" providerId="ADAL" clId="{B65169D4-58A5-4377-916D-9049F8FD685F}" dt="2018-03-30T10:29:23.410" v="358" actId="1076"/>
-          <ac:spMkLst>
-            <pc:docMk/>
-            <pc:sldMk cId="1763506197" sldId="276"/>
-            <ac:spMk id="9" creationId="{AA6DA0A2-BD2E-414B-9D82-E1A7CB0E0F71}"/>
-          </ac:spMkLst>
-        </pc:spChg>
-        <pc:spChg chg="add mod">
-          <ac:chgData name="Eugene CHOY Wen Jia" userId="f0093c6c-aad3-47c8-981f-e49faae5c851" providerId="ADAL" clId="{B65169D4-58A5-4377-916D-9049F8FD685F}" dt="2018-03-30T10:29:23.410" v="358" actId="1076"/>
-          <ac:spMkLst>
-            <pc:docMk/>
-            <pc:sldMk cId="1763506197" sldId="276"/>
-            <ac:spMk id="10" creationId="{BD91DEE8-58ED-4D41-AB72-2E59ACED9529}"/>
-          </ac:spMkLst>
-        </pc:spChg>
-        <pc:spChg chg="add mod">
-          <ac:chgData name="Eugene CHOY Wen Jia" userId="f0093c6c-aad3-47c8-981f-e49faae5c851" providerId="ADAL" clId="{B65169D4-58A5-4377-916D-9049F8FD685F}" dt="2018-03-30T10:29:23.410" v="358" actId="1076"/>
-          <ac:spMkLst>
-            <pc:docMk/>
-            <pc:sldMk cId="1763506197" sldId="276"/>
-            <ac:spMk id="11" creationId="{C9E731CC-F9DC-47AD-8498-10B6685FCF0F}"/>
-          </ac:spMkLst>
-        </pc:spChg>
-        <pc:picChg chg="add del mod">
-          <ac:chgData name="Eugene CHOY Wen Jia" userId="f0093c6c-aad3-47c8-981f-e49faae5c851" providerId="ADAL" clId="{B65169D4-58A5-4377-916D-9049F8FD685F}" dt="2018-03-30T10:27:36.356" v="186" actId="478"/>
-          <ac:picMkLst>
-            <pc:docMk/>
-            <pc:sldMk cId="1763506197" sldId="276"/>
-            <ac:picMk id="6" creationId="{ECB926F0-FA6C-4C5C-AEB3-BB48EBCF82E1}"/>
-          </ac:picMkLst>
-        </pc:picChg>
-        <pc:picChg chg="add mod ord">
-          <ac:chgData name="Eugene CHOY Wen Jia" userId="f0093c6c-aad3-47c8-981f-e49faae5c851" providerId="ADAL" clId="{B65169D4-58A5-4377-916D-9049F8FD685F}" dt="2018-03-30T10:29:23.410" v="358" actId="1076"/>
-          <ac:picMkLst>
-            <pc:docMk/>
-            <pc:sldMk cId="1763506197" sldId="276"/>
-            <ac:picMk id="8" creationId="{9D706A57-5873-46B6-AFEE-66A3B0213655}"/>
-          </ac:picMkLst>
-        </pc:picChg>
-        <pc:picChg chg="add mod">
-          <ac:chgData name="Eugene CHOY Wen Jia" userId="f0093c6c-aad3-47c8-981f-e49faae5c851" providerId="ADAL" clId="{B65169D4-58A5-4377-916D-9049F8FD685F}" dt="2018-03-30T10:32:02.066" v="362" actId="1076"/>
-          <ac:picMkLst>
-            <pc:docMk/>
-            <pc:sldMk cId="1763506197" sldId="276"/>
-            <ac:picMk id="12" creationId="{8321173F-7477-48E9-98C9-6AF6E0C18900}"/>
-          </ac:picMkLst>
-        </pc:picChg>
-      </pc:sldChg>
-      <pc:sldChg chg="addSp delSp modSp ord">
-        <pc:chgData name="Eugene CHOY Wen Jia" userId="f0093c6c-aad3-47c8-981f-e49faae5c851" providerId="ADAL" clId="{B65169D4-58A5-4377-916D-9049F8FD685F}" dt="2018-03-30T10:32:40.240" v="366" actId="1076"/>
-        <pc:sldMkLst>
-          <pc:docMk/>
-          <pc:sldMk cId="518247939" sldId="277"/>
-        </pc:sldMkLst>
-        <pc:spChg chg="del">
-          <ac:chgData name="Eugene CHOY Wen Jia" userId="f0093c6c-aad3-47c8-981f-e49faae5c851" providerId="ADAL" clId="{B65169D4-58A5-4377-916D-9049F8FD685F}" dt="2018-03-30T09:15:26.690" v="121" actId="478"/>
-          <ac:spMkLst>
-            <pc:docMk/>
-            <pc:sldMk cId="518247939" sldId="277"/>
-            <ac:spMk id="3" creationId="{4693C19A-DDF9-438D-A19B-4B14DD418721}"/>
-          </ac:spMkLst>
-        </pc:spChg>
-        <pc:spChg chg="add mod">
-          <ac:chgData name="Eugene CHOY Wen Jia" userId="f0093c6c-aad3-47c8-981f-e49faae5c851" providerId="ADAL" clId="{B65169D4-58A5-4377-916D-9049F8FD685F}" dt="2018-03-30T10:06:58.700" v="150" actId="208"/>
-          <ac:spMkLst>
-            <pc:docMk/>
-            <pc:sldMk cId="518247939" sldId="277"/>
-            <ac:spMk id="5" creationId="{688C200C-E783-43DC-8E9F-644944934EAF}"/>
-          </ac:spMkLst>
-        </pc:spChg>
-        <pc:spChg chg="add del">
-          <ac:chgData name="Eugene CHOY Wen Jia" userId="f0093c6c-aad3-47c8-981f-e49faae5c851" providerId="ADAL" clId="{B65169D4-58A5-4377-916D-9049F8FD685F}" dt="2018-03-30T10:05:53.168" v="137"/>
-          <ac:spMkLst>
-            <pc:docMk/>
-            <pc:sldMk cId="518247939" sldId="277"/>
-            <ac:spMk id="7" creationId="{0B1068C0-973E-4865-B179-4A5D7EE1F357}"/>
-          </ac:spMkLst>
-        </pc:spChg>
-        <pc:spChg chg="add mod">
-          <ac:chgData name="Eugene CHOY Wen Jia" userId="f0093c6c-aad3-47c8-981f-e49faae5c851" providerId="ADAL" clId="{B65169D4-58A5-4377-916D-9049F8FD685F}" dt="2018-03-30T10:06:58.700" v="150" actId="208"/>
-          <ac:spMkLst>
-            <pc:docMk/>
-            <pc:sldMk cId="518247939" sldId="277"/>
-            <ac:spMk id="8" creationId="{092F31A1-2CA8-469B-A6F0-B099C3D200F2}"/>
-          </ac:spMkLst>
-        </pc:spChg>
-        <pc:spChg chg="add mod">
-          <ac:chgData name="Eugene CHOY Wen Jia" userId="f0093c6c-aad3-47c8-981f-e49faae5c851" providerId="ADAL" clId="{B65169D4-58A5-4377-916D-9049F8FD685F}" dt="2018-03-30T10:07:53.442" v="175" actId="1076"/>
-          <ac:spMkLst>
-            <pc:docMk/>
-            <pc:sldMk cId="518247939" sldId="277"/>
-            <ac:spMk id="11" creationId="{8747C52C-D856-4D35-B65C-39137DBC57FC}"/>
-          </ac:spMkLst>
-        </pc:spChg>
-        <pc:spChg chg="add mod">
-          <ac:chgData name="Eugene CHOY Wen Jia" userId="f0093c6c-aad3-47c8-981f-e49faae5c851" providerId="ADAL" clId="{B65169D4-58A5-4377-916D-9049F8FD685F}" dt="2018-03-30T10:32:40.240" v="366" actId="1076"/>
-          <ac:spMkLst>
-            <pc:docMk/>
-            <pc:sldMk cId="518247939" sldId="277"/>
-            <ac:spMk id="12" creationId="{9BAD48DA-6D6F-4549-9A9F-A98C2C9FE73C}"/>
-          </ac:spMkLst>
-        </pc:spChg>
-        <pc:spChg chg="add mod">
-          <ac:chgData name="Eugene CHOY Wen Jia" userId="f0093c6c-aad3-47c8-981f-e49faae5c851" providerId="ADAL" clId="{B65169D4-58A5-4377-916D-9049F8FD685F}" dt="2018-03-30T10:32:32.971" v="365" actId="1076"/>
-          <ac:spMkLst>
-            <pc:docMk/>
-            <pc:sldMk cId="518247939" sldId="277"/>
-            <ac:spMk id="13" creationId="{2B48658C-50F3-4528-89FC-C2BB0AD6A630}"/>
-          </ac:spMkLst>
-        </pc:spChg>
-        <pc:picChg chg="add mod modCrop">
-          <ac:chgData name="Eugene CHOY Wen Jia" userId="f0093c6c-aad3-47c8-981f-e49faae5c851" providerId="ADAL" clId="{B65169D4-58A5-4377-916D-9049F8FD685F}" dt="2018-03-30T10:06:58.700" v="150" actId="208"/>
-          <ac:picMkLst>
-            <pc:docMk/>
-            <pc:sldMk cId="518247939" sldId="277"/>
-            <ac:picMk id="4" creationId="{0C25F157-AD76-4E14-8B68-DDF5966A4CC9}"/>
-          </ac:picMkLst>
-        </pc:picChg>
-        <pc:picChg chg="add mod">
-          <ac:chgData name="Eugene CHOY Wen Jia" userId="f0093c6c-aad3-47c8-981f-e49faae5c851" providerId="ADAL" clId="{B65169D4-58A5-4377-916D-9049F8FD685F}" dt="2018-03-30T10:02:33.451" v="133" actId="14100"/>
-          <ac:picMkLst>
-            <pc:docMk/>
-            <pc:sldMk cId="518247939" sldId="277"/>
-            <ac:picMk id="6" creationId="{E07969B6-E179-46E8-A084-CD28D721C64A}"/>
-          </ac:picMkLst>
-        </pc:picChg>
-        <pc:cxnChg chg="add mod">
-          <ac:chgData name="Eugene CHOY Wen Jia" userId="f0093c6c-aad3-47c8-981f-e49faae5c851" providerId="ADAL" clId="{B65169D4-58A5-4377-916D-9049F8FD685F}" dt="2018-03-30T10:07:10.445" v="151" actId="208"/>
-          <ac:cxnSpMkLst>
-            <pc:docMk/>
-            <pc:sldMk cId="518247939" sldId="277"/>
-            <ac:cxnSpMk id="10" creationId="{EE47AE5A-04DA-493A-9F4A-0F9B12606223}"/>
-          </ac:cxnSpMkLst>
-        </pc:cxnChg>
-      </pc:sldChg>
-      <pc:sldChg chg="addSp delSp modSp add ord">
-        <pc:chgData name="Eugene CHOY Wen Jia" userId="f0093c6c-aad3-47c8-981f-e49faae5c851" providerId="ADAL" clId="{B65169D4-58A5-4377-916D-9049F8FD685F}" dt="2018-03-30T09:10:14.083" v="68" actId="14100"/>
-        <pc:sldMkLst>
-          <pc:docMk/>
-          <pc:sldMk cId="2088767261" sldId="278"/>
-        </pc:sldMkLst>
-        <pc:spChg chg="mod">
-          <ac:chgData name="Eugene CHOY Wen Jia" userId="f0093c6c-aad3-47c8-981f-e49faae5c851" providerId="ADAL" clId="{B65169D4-58A5-4377-916D-9049F8FD685F}" dt="2018-03-30T09:05:14.311" v="8" actId="20577"/>
-          <ac:spMkLst>
-            <pc:docMk/>
-            <pc:sldMk cId="2088767261" sldId="278"/>
-            <ac:spMk id="2" creationId="{37FD307A-8AC0-4F40-A76C-38FD37BF20F8}"/>
-          </ac:spMkLst>
-        </pc:spChg>
-        <pc:spChg chg="del">
-          <ac:chgData name="Eugene CHOY Wen Jia" userId="f0093c6c-aad3-47c8-981f-e49faae5c851" providerId="ADAL" clId="{B65169D4-58A5-4377-916D-9049F8FD685F}" dt="2018-03-30T09:05:31.173" v="10" actId="478"/>
-          <ac:spMkLst>
-            <pc:docMk/>
-            <pc:sldMk cId="2088767261" sldId="278"/>
-            <ac:spMk id="3" creationId="{B0E596CC-AB04-4A2D-8C89-5BD27D6EB3DC}"/>
-          </ac:spMkLst>
-        </pc:spChg>
-        <pc:spChg chg="add mod">
-          <ac:chgData name="Eugene CHOY Wen Jia" userId="f0093c6c-aad3-47c8-981f-e49faae5c851" providerId="ADAL" clId="{B65169D4-58A5-4377-916D-9049F8FD685F}" dt="2018-03-30T09:08:25.407" v="46" actId="1076"/>
-          <ac:spMkLst>
-            <pc:docMk/>
-            <pc:sldMk cId="2088767261" sldId="278"/>
-            <ac:spMk id="5" creationId="{69F56EFE-EEA8-4B4D-972A-5BB8CBD33647}"/>
-          </ac:spMkLst>
-        </pc:spChg>
-        <pc:spChg chg="add mod">
-          <ac:chgData name="Eugene CHOY Wen Jia" userId="f0093c6c-aad3-47c8-981f-e49faae5c851" providerId="ADAL" clId="{B65169D4-58A5-4377-916D-9049F8FD685F}" dt="2018-03-30T09:10:06.704" v="67" actId="14100"/>
-          <ac:spMkLst>
-            <pc:docMk/>
-            <pc:sldMk cId="2088767261" sldId="278"/>
-            <ac:spMk id="6" creationId="{0B0FBA32-A551-4806-AB2D-D921D433BFD0}"/>
-          </ac:spMkLst>
-        </pc:spChg>
-        <pc:spChg chg="add mod">
-          <ac:chgData name="Eugene CHOY Wen Jia" userId="f0093c6c-aad3-47c8-981f-e49faae5c851" providerId="ADAL" clId="{B65169D4-58A5-4377-916D-9049F8FD685F}" dt="2018-03-30T09:10:14.083" v="68" actId="14100"/>
-          <ac:spMkLst>
-            <pc:docMk/>
-            <pc:sldMk cId="2088767261" sldId="278"/>
-            <ac:spMk id="8" creationId="{7FB6F554-892D-4400-8A2F-C40A04CA04FB}"/>
-          </ac:spMkLst>
-        </pc:spChg>
-        <pc:spChg chg="add mod">
-          <ac:chgData name="Eugene CHOY Wen Jia" userId="f0093c6c-aad3-47c8-981f-e49faae5c851" providerId="ADAL" clId="{B65169D4-58A5-4377-916D-9049F8FD685F}" dt="2018-03-30T09:09:57.877" v="66" actId="1076"/>
-          <ac:spMkLst>
-            <pc:docMk/>
-            <pc:sldMk cId="2088767261" sldId="278"/>
-            <ac:spMk id="9" creationId="{09987B6F-467F-4ECB-AE35-C3BD65DC41EB}"/>
-          </ac:spMkLst>
-        </pc:spChg>
-        <pc:picChg chg="add mod modCrop">
-          <ac:chgData name="Eugene CHOY Wen Jia" userId="f0093c6c-aad3-47c8-981f-e49faae5c851" providerId="ADAL" clId="{B65169D4-58A5-4377-916D-9049F8FD685F}" dt="2018-03-30T09:05:43.348" v="13" actId="732"/>
-          <ac:picMkLst>
-            <pc:docMk/>
-            <pc:sldMk cId="2088767261" sldId="278"/>
-            <ac:picMk id="4" creationId="{F6882C4E-75FC-4579-96FD-436239B98627}"/>
-          </ac:picMkLst>
-        </pc:picChg>
-        <pc:picChg chg="add mod modCrop">
-          <ac:chgData name="Eugene CHOY Wen Jia" userId="f0093c6c-aad3-47c8-981f-e49faae5c851" providerId="ADAL" clId="{B65169D4-58A5-4377-916D-9049F8FD685F}" dt="2018-03-30T09:08:36.461" v="47" actId="732"/>
-          <ac:picMkLst>
-            <pc:docMk/>
-            <pc:sldMk cId="2088767261" sldId="278"/>
-            <ac:picMk id="7" creationId="{EE15B64E-081E-4C23-B762-3EB354DE8CB8}"/>
-          </ac:picMkLst>
-        </pc:picChg>
-      </pc:sldChg>
-      <pc:sldChg chg="addSp delSp modSp add">
-        <pc:chgData name="Eugene CHOY Wen Jia" userId="f0093c6c-aad3-47c8-981f-e49faae5c851" providerId="ADAL" clId="{B65169D4-58A5-4377-916D-9049F8FD685F}" dt="2018-03-30T09:14:58.648" v="119" actId="1076"/>
-        <pc:sldMkLst>
-          <pc:docMk/>
-          <pc:sldMk cId="4267558421" sldId="279"/>
-        </pc:sldMkLst>
-        <pc:spChg chg="del">
-          <ac:chgData name="Eugene CHOY Wen Jia" userId="f0093c6c-aad3-47c8-981f-e49faae5c851" providerId="ADAL" clId="{B65169D4-58A5-4377-916D-9049F8FD685F}" dt="2018-03-30T09:11:57.501" v="72" actId="478"/>
-          <ac:spMkLst>
-            <pc:docMk/>
-            <pc:sldMk cId="4267558421" sldId="279"/>
-            <ac:spMk id="5" creationId="{69F56EFE-EEA8-4B4D-972A-5BB8CBD33647}"/>
-          </ac:spMkLst>
-        </pc:spChg>
-        <pc:spChg chg="del">
-          <ac:chgData name="Eugene CHOY Wen Jia" userId="f0093c6c-aad3-47c8-981f-e49faae5c851" providerId="ADAL" clId="{B65169D4-58A5-4377-916D-9049F8FD685F}" dt="2018-03-30T09:11:57.501" v="72" actId="478"/>
-          <ac:spMkLst>
-            <pc:docMk/>
-            <pc:sldMk cId="4267558421" sldId="279"/>
-            <ac:spMk id="6" creationId="{0B0FBA32-A551-4806-AB2D-D921D433BFD0}"/>
-          </ac:spMkLst>
-        </pc:spChg>
-        <pc:spChg chg="del">
-          <ac:chgData name="Eugene CHOY Wen Jia" userId="f0093c6c-aad3-47c8-981f-e49faae5c851" providerId="ADAL" clId="{B65169D4-58A5-4377-916D-9049F8FD685F}" dt="2018-03-30T09:13:58.738" v="97" actId="478"/>
-          <ac:spMkLst>
-            <pc:docMk/>
-            <pc:sldMk cId="4267558421" sldId="279"/>
-            <ac:spMk id="8" creationId="{7FB6F554-892D-4400-8A2F-C40A04CA04FB}"/>
-          </ac:spMkLst>
-        </pc:spChg>
-        <pc:spChg chg="mod">
-          <ac:chgData name="Eugene CHOY Wen Jia" userId="f0093c6c-aad3-47c8-981f-e49faae5c851" providerId="ADAL" clId="{B65169D4-58A5-4377-916D-9049F8FD685F}" dt="2018-03-30T09:12:26.876" v="89" actId="1076"/>
-          <ac:spMkLst>
-            <pc:docMk/>
-            <pc:sldMk cId="4267558421" sldId="279"/>
-            <ac:spMk id="9" creationId="{09987B6F-467F-4ECB-AE35-C3BD65DC41EB}"/>
-          </ac:spMkLst>
-        </pc:spChg>
-        <pc:spChg chg="add mod">
-          <ac:chgData name="Eugene CHOY Wen Jia" userId="f0093c6c-aad3-47c8-981f-e49faae5c851" providerId="ADAL" clId="{B65169D4-58A5-4377-916D-9049F8FD685F}" dt="2018-03-30T09:12:53.828" v="96" actId="14100"/>
-          <ac:spMkLst>
-            <pc:docMk/>
-            <pc:sldMk cId="4267558421" sldId="279"/>
-            <ac:spMk id="11" creationId="{4E158C6D-14E6-4678-8F20-291AE2B06ECB}"/>
-          </ac:spMkLst>
-        </pc:spChg>
-        <pc:spChg chg="add mod">
-          <ac:chgData name="Eugene CHOY Wen Jia" userId="f0093c6c-aad3-47c8-981f-e49faae5c851" providerId="ADAL" clId="{B65169D4-58A5-4377-916D-9049F8FD685F}" dt="2018-03-30T09:14:22.873" v="108" actId="20577"/>
-          <ac:spMkLst>
-            <pc:docMk/>
-            <pc:sldMk cId="4267558421" sldId="279"/>
-            <ac:spMk id="13" creationId="{195F7C3C-093E-45EB-909E-489CE6FFC402}"/>
-          </ac:spMkLst>
-        </pc:spChg>
-        <pc:spChg chg="add mod">
-          <ac:chgData name="Eugene CHOY Wen Jia" userId="f0093c6c-aad3-47c8-981f-e49faae5c851" providerId="ADAL" clId="{B65169D4-58A5-4377-916D-9049F8FD685F}" dt="2018-03-30T09:14:58.648" v="119" actId="1076"/>
-          <ac:spMkLst>
-            <pc:docMk/>
-            <pc:sldMk cId="4267558421" sldId="279"/>
-            <ac:spMk id="14" creationId="{6109AFCB-0F14-4A8D-A5EB-0AABBB587842}"/>
-          </ac:spMkLst>
-        </pc:spChg>
-        <pc:picChg chg="del">
-          <ac:chgData name="Eugene CHOY Wen Jia" userId="f0093c6c-aad3-47c8-981f-e49faae5c851" providerId="ADAL" clId="{B65169D4-58A5-4377-916D-9049F8FD685F}" dt="2018-03-30T09:11:57.501" v="72" actId="478"/>
-          <ac:picMkLst>
-            <pc:docMk/>
-            <pc:sldMk cId="4267558421" sldId="279"/>
-            <ac:picMk id="4" creationId="{F6882C4E-75FC-4579-96FD-436239B98627}"/>
-          </ac:picMkLst>
-        </pc:picChg>
-        <pc:picChg chg="add del">
-          <ac:chgData name="Eugene CHOY Wen Jia" userId="f0093c6c-aad3-47c8-981f-e49faae5c851" providerId="ADAL" clId="{B65169D4-58A5-4377-916D-9049F8FD685F}" dt="2018-03-30T09:12:06.917" v="75" actId="478"/>
-          <ac:picMkLst>
-            <pc:docMk/>
-            <pc:sldMk cId="4267558421" sldId="279"/>
-            <ac:picMk id="7" creationId="{EE15B64E-081E-4C23-B762-3EB354DE8CB8}"/>
-          </ac:picMkLst>
-        </pc:picChg>
-        <pc:picChg chg="add mod">
-          <ac:chgData name="Eugene CHOY Wen Jia" userId="f0093c6c-aad3-47c8-981f-e49faae5c851" providerId="ADAL" clId="{B65169D4-58A5-4377-916D-9049F8FD685F}" dt="2018-03-30T09:12:04.531" v="74" actId="1076"/>
-          <ac:picMkLst>
-            <pc:docMk/>
-            <pc:sldMk cId="4267558421" sldId="279"/>
-            <ac:picMk id="10" creationId="{AED48D7C-AFFA-4DD1-BB39-FBA01AF56AC3}"/>
-          </ac:picMkLst>
-        </pc:picChg>
-        <pc:picChg chg="add mod">
-          <ac:chgData name="Eugene CHOY Wen Jia" userId="f0093c6c-aad3-47c8-981f-e49faae5c851" providerId="ADAL" clId="{B65169D4-58A5-4377-916D-9049F8FD685F}" dt="2018-03-30T09:14:08.218" v="99" actId="1076"/>
-          <ac:picMkLst>
-            <pc:docMk/>
-            <pc:sldMk cId="4267558421" sldId="279"/>
-            <ac:picMk id="12" creationId="{9EB3F8CA-A722-4976-A15D-221B9C25224E}"/>
-          </ac:picMkLst>
-        </pc:picChg>
-      </pc:sldChg>
-    </pc:docChg>
-  </pc:docChgLst>
-  <pc:docChgLst>
     <pc:chgData name="Eugene CHOY Wen Jia" userId="f0093c6c-aad3-47c8-981f-e49faae5c851" providerId="ADAL" clId="{3552CE5B-0803-49BD-A011-F4C75B92F40C}"/>
     <pc:docChg chg="undo custSel modSld">
       <pc:chgData name="Eugene CHOY Wen Jia" userId="f0093c6c-aad3-47c8-981f-e49faae5c851" providerId="ADAL" clId="{3552CE5B-0803-49BD-A011-F4C75B92F40C}" dt="2018-03-20T07:13:31.677" v="321" actId="1076"/>
@@ -822,7 +822,7 @@
           <a:p>
             <a:fld id="{2969D29A-BED7-4F52-827A-C7D8A439955D}" type="datetimeFigureOut">
               <a:rPr lang="en-US" smtClean="0"/>
-              <a:t>30-Mar-18</a:t>
+              <a:t>3/31/2018</a:t>
             </a:fld>
             <a:endParaRPr lang="en-US"/>
           </a:p>
@@ -1572,7 +1572,7 @@
           <a:p>
             <a:fld id="{4C7F959B-C76D-4575-9470-CE5E6063DE88}" type="datetimeFigureOut">
               <a:rPr lang="en-US" smtClean="0"/>
-              <a:t>30-Mar-18</a:t>
+              <a:t>3/31/2018</a:t>
             </a:fld>
             <a:endParaRPr lang="en-US"/>
           </a:p>
@@ -1782,7 +1782,7 @@
           <a:p>
             <a:fld id="{4C7F959B-C76D-4575-9470-CE5E6063DE88}" type="datetimeFigureOut">
               <a:rPr lang="en-US" smtClean="0"/>
-              <a:t>30-Mar-18</a:t>
+              <a:t>3/31/2018</a:t>
             </a:fld>
             <a:endParaRPr lang="en-US"/>
           </a:p>
@@ -2002,7 +2002,7 @@
           <a:p>
             <a:fld id="{4C7F959B-C76D-4575-9470-CE5E6063DE88}" type="datetimeFigureOut">
               <a:rPr lang="en-US" smtClean="0"/>
-              <a:t>30-Mar-18</a:t>
+              <a:t>3/31/2018</a:t>
             </a:fld>
             <a:endParaRPr lang="en-US"/>
           </a:p>
@@ -2212,7 +2212,7 @@
           <a:p>
             <a:fld id="{4C7F959B-C76D-4575-9470-CE5E6063DE88}" type="datetimeFigureOut">
               <a:rPr lang="en-US" smtClean="0"/>
-              <a:t>30-Mar-18</a:t>
+              <a:t>3/31/2018</a:t>
             </a:fld>
             <a:endParaRPr lang="en-US"/>
           </a:p>
@@ -2499,7 +2499,7 @@
           <a:p>
             <a:fld id="{4C7F959B-C76D-4575-9470-CE5E6063DE88}" type="datetimeFigureOut">
               <a:rPr lang="en-US" smtClean="0"/>
-              <a:t>30-Mar-18</a:t>
+              <a:t>3/31/2018</a:t>
             </a:fld>
             <a:endParaRPr lang="en-US"/>
           </a:p>
@@ -2776,7 +2776,7 @@
           <a:p>
             <a:fld id="{4C7F959B-C76D-4575-9470-CE5E6063DE88}" type="datetimeFigureOut">
               <a:rPr lang="en-US" smtClean="0"/>
-              <a:t>30-Mar-18</a:t>
+              <a:t>3/31/2018</a:t>
             </a:fld>
             <a:endParaRPr lang="en-US"/>
           </a:p>
@@ -3200,7 +3200,7 @@
           <a:p>
             <a:fld id="{4C7F959B-C76D-4575-9470-CE5E6063DE88}" type="datetimeFigureOut">
               <a:rPr lang="en-US" smtClean="0"/>
-              <a:t>30-Mar-18</a:t>
+              <a:t>3/31/2018</a:t>
             </a:fld>
             <a:endParaRPr lang="en-US"/>
           </a:p>
@@ -3353,7 +3353,7 @@
           <a:p>
             <a:fld id="{4C7F959B-C76D-4575-9470-CE5E6063DE88}" type="datetimeFigureOut">
               <a:rPr lang="en-US" smtClean="0"/>
-              <a:t>30-Mar-18</a:t>
+              <a:t>3/31/2018</a:t>
             </a:fld>
             <a:endParaRPr lang="en-US"/>
           </a:p>
@@ -3478,7 +3478,7 @@
           <a:p>
             <a:fld id="{4C7F959B-C76D-4575-9470-CE5E6063DE88}" type="datetimeFigureOut">
               <a:rPr lang="en-US" smtClean="0"/>
-              <a:t>30-Mar-18</a:t>
+              <a:t>3/31/2018</a:t>
             </a:fld>
             <a:endParaRPr lang="en-US"/>
           </a:p>
@@ -3801,7 +3801,7 @@
           <a:p>
             <a:fld id="{4C7F959B-C76D-4575-9470-CE5E6063DE88}" type="datetimeFigureOut">
               <a:rPr lang="en-US" smtClean="0"/>
-              <a:t>30-Mar-18</a:t>
+              <a:t>3/31/2018</a:t>
             </a:fld>
             <a:endParaRPr lang="en-US"/>
           </a:p>
@@ -4101,7 +4101,7 @@
           <a:p>
             <a:fld id="{4C7F959B-C76D-4575-9470-CE5E6063DE88}" type="datetimeFigureOut">
               <a:rPr lang="en-US" smtClean="0"/>
-              <a:t>30-Mar-18</a:t>
+              <a:t>3/31/2018</a:t>
             </a:fld>
             <a:endParaRPr lang="en-US"/>
           </a:p>
@@ -4357,7 +4357,7 @@
           <a:p>
             <a:fld id="{4C7F959B-C76D-4575-9470-CE5E6063DE88}" type="datetimeFigureOut">
               <a:rPr lang="en-US" smtClean="0"/>
-              <a:t>30-Mar-18</a:t>
+              <a:t>3/31/2018</a:t>
             </a:fld>
             <a:endParaRPr lang="en-US"/>
           </a:p>
@@ -7162,10 +7162,10 @@
       </p:grpSpPr>
       <p:pic>
         <p:nvPicPr>
-          <p:cNvPr id="5" name="Picture 4">
-            <a:extLst>
-              <a:ext uri="{FF2B5EF4-FFF2-40B4-BE49-F238E27FC236}">
-                <a16:creationId xmlns:a16="http://schemas.microsoft.com/office/drawing/2014/main" id="{CC488ADD-2569-4DA8-8916-3276EF960442}"/>
+          <p:cNvPr id="3" name="Picture 2">
+            <a:extLst>
+              <a:ext uri="{FF2B5EF4-FFF2-40B4-BE49-F238E27FC236}">
+                <a16:creationId xmlns:a16="http://schemas.microsoft.com/office/drawing/2014/main" id="{0BE1BDC8-8F3C-4C1C-BB73-E422F8E0D538}"/>
               </a:ext>
             </a:extLst>
           </p:cNvPr>
@@ -7174,7 +7174,7 @@
           </p:cNvPicPr>
           <p:nvPr/>
         </p:nvPicPr>
-        <p:blipFill rotWithShape="1">
+        <p:blipFill>
           <a:blip r:embed="rId2">
             <a:extLst>
               <a:ext uri="{28A0092B-C50C-407E-A947-70E740481C1C}">
@@ -7182,13 +7182,14 @@
               </a:ext>
             </a:extLst>
           </a:blip>
-          <a:srcRect l="2772" r="39726" b="62500"/>
-          <a:stretch/>
+          <a:stretch>
+            <a:fillRect/>
+          </a:stretch>
         </p:blipFill>
         <p:spPr>
           <a:xfrm>
-            <a:off x="955129" y="1327355"/>
-            <a:ext cx="10281742" cy="4203290"/>
+            <a:off x="608308" y="886117"/>
+            <a:ext cx="10975383" cy="5085766"/>
           </a:xfrm>
           <a:prstGeom prst="rect">
             <a:avLst/>
